--- a/slides/figure/make_figs.pptx
+++ b/slides/figure/make_figs.pptx
@@ -3151,7 +3151,7 @@
         <p:spPr>
           <a:xfrm>
             <a:off x="176043" y="1861075"/>
-            <a:ext cx="1810568" cy="276999"/>
+            <a:ext cx="1810568" cy="307777"/>
           </a:xfrm>
           <a:prstGeom prst="rect">
             <a:avLst/>
@@ -3165,15 +3165,15 @@
           <a:lstStyle/>
           <a:p>
             <a:r>
-              <a:rPr lang="en-US" sz="1200" dirty="0" smtClean="0">
-                <a:latin typeface="Arial"/>
-                <a:cs typeface="Arial"/>
+              <a:rPr lang="en-US" sz="1400" dirty="0" smtClean="0">
+                <a:latin typeface="Times New Roman"/>
+                <a:cs typeface="Times New Roman"/>
               </a:rPr>
               <a:t>List 1</a:t>
             </a:r>
-            <a:endParaRPr lang="en-US" sz="1200" dirty="0">
-              <a:latin typeface="Arial"/>
-              <a:cs typeface="Arial"/>
+            <a:endParaRPr lang="en-US" sz="1400" dirty="0">
+              <a:latin typeface="Times New Roman"/>
+              <a:cs typeface="Times New Roman"/>
             </a:endParaRPr>
           </a:p>
         </p:txBody>
@@ -3186,8 +3186,8 @@
         </p:nvSpPr>
         <p:spPr>
           <a:xfrm>
-            <a:off x="303297" y="1620495"/>
-            <a:ext cx="1810568" cy="276999"/>
+            <a:off x="303297" y="1607920"/>
+            <a:ext cx="1810568" cy="307777"/>
           </a:xfrm>
           <a:prstGeom prst="rect">
             <a:avLst/>
@@ -3201,15 +3201,15 @@
           <a:lstStyle/>
           <a:p>
             <a:r>
-              <a:rPr lang="en-US" sz="1200" dirty="0" smtClean="0">
-                <a:latin typeface="Arial"/>
-                <a:cs typeface="Arial"/>
+              <a:rPr lang="en-US" sz="1400" dirty="0" smtClean="0">
+                <a:latin typeface="Times New Roman"/>
+                <a:cs typeface="Times New Roman"/>
               </a:rPr>
               <a:t>List 2</a:t>
             </a:r>
-            <a:endParaRPr lang="en-US" sz="1200" dirty="0">
-              <a:latin typeface="Arial"/>
-              <a:cs typeface="Arial"/>
+            <a:endParaRPr lang="en-US" sz="1400" dirty="0">
+              <a:latin typeface="Times New Roman"/>
+              <a:cs typeface="Times New Roman"/>
             </a:endParaRPr>
           </a:p>
         </p:txBody>
@@ -3222,8 +3222,8 @@
         </p:nvSpPr>
         <p:spPr>
           <a:xfrm>
-            <a:off x="417978" y="1408381"/>
-            <a:ext cx="1810568" cy="276999"/>
+            <a:off x="417978" y="1395806"/>
+            <a:ext cx="1810568" cy="307777"/>
           </a:xfrm>
           <a:prstGeom prst="rect">
             <a:avLst/>
@@ -3237,15 +3237,15 @@
           <a:lstStyle/>
           <a:p>
             <a:r>
-              <a:rPr lang="en-US" sz="1200" dirty="0" smtClean="0">
-                <a:latin typeface="Arial"/>
-                <a:cs typeface="Arial"/>
+              <a:rPr lang="en-US" sz="1400" dirty="0" smtClean="0">
+                <a:latin typeface="Times New Roman"/>
+                <a:cs typeface="Times New Roman"/>
               </a:rPr>
               <a:t>List D</a:t>
             </a:r>
-            <a:endParaRPr lang="en-US" sz="1200" dirty="0">
-              <a:latin typeface="Arial"/>
-              <a:cs typeface="Arial"/>
+            <a:endParaRPr lang="en-US" sz="1400" dirty="0">
+              <a:latin typeface="Times New Roman"/>
+              <a:cs typeface="Times New Roman"/>
             </a:endParaRPr>
           </a:p>
         </p:txBody>
@@ -3292,15 +3292,15 @@
           <a:p>
             <a:pPr algn="ctr"/>
             <a:r>
-              <a:rPr lang="en-US" sz="1200" dirty="0" smtClean="0">
-                <a:latin typeface="Arial"/>
-                <a:cs typeface="Arial"/>
+              <a:rPr lang="en-US" sz="1400" dirty="0" smtClean="0">
+                <a:latin typeface="Times New Roman"/>
+                <a:cs typeface="Times New Roman"/>
               </a:rPr>
               <a:t>Downstream task</a:t>
             </a:r>
-            <a:endParaRPr lang="en-US" sz="1200" dirty="0">
-              <a:latin typeface="Arial"/>
-              <a:cs typeface="Arial"/>
+            <a:endParaRPr lang="en-US" sz="1400" dirty="0">
+              <a:latin typeface="Times New Roman"/>
+              <a:cs typeface="Times New Roman"/>
             </a:endParaRPr>
           </a:p>
         </p:txBody>
@@ -3361,7 +3361,7 @@
         <p:spPr>
           <a:xfrm>
             <a:off x="5054520" y="1446106"/>
-            <a:ext cx="1810568" cy="276999"/>
+            <a:ext cx="1810568" cy="307777"/>
           </a:xfrm>
           <a:prstGeom prst="rect">
             <a:avLst/>
@@ -3375,21 +3375,21 @@
           <a:lstStyle/>
           <a:p>
             <a:r>
-              <a:rPr lang="en-US" sz="1200" dirty="0" smtClean="0">
+              <a:rPr lang="en-US" sz="1400" dirty="0" smtClean="0">
                 <a:solidFill>
                   <a:srgbClr val="000000"/>
                 </a:solidFill>
-                <a:latin typeface="Arial"/>
-                <a:cs typeface="Arial"/>
+                <a:latin typeface="Times New Roman"/>
+                <a:cs typeface="Times New Roman"/>
               </a:rPr>
               <a:t>Linked data</a:t>
             </a:r>
-            <a:endParaRPr lang="en-US" sz="1200" dirty="0">
+            <a:endParaRPr lang="en-US" sz="1400" dirty="0">
               <a:solidFill>
                 <a:srgbClr val="000000"/>
               </a:solidFill>
-              <a:latin typeface="Arial"/>
-              <a:cs typeface="Arial"/>
+              <a:latin typeface="Times New Roman"/>
+              <a:cs typeface="Times New Roman"/>
             </a:endParaRPr>
           </a:p>
         </p:txBody>
@@ -3436,15 +3436,15 @@
           <a:p>
             <a:pPr algn="ctr"/>
             <a:r>
-              <a:rPr lang="en-US" sz="1200" dirty="0" smtClean="0">
-                <a:latin typeface="Arial"/>
-                <a:cs typeface="Arial"/>
+              <a:rPr lang="en-US" sz="1400" dirty="0" smtClean="0">
+                <a:latin typeface="Times New Roman"/>
+                <a:cs typeface="Times New Roman"/>
               </a:rPr>
               <a:t>Record linkage</a:t>
             </a:r>
-            <a:endParaRPr lang="en-US" sz="1200" dirty="0">
-              <a:latin typeface="Arial"/>
-              <a:cs typeface="Arial"/>
+            <a:endParaRPr lang="en-US" sz="1400" dirty="0">
+              <a:latin typeface="Times New Roman"/>
+              <a:cs typeface="Times New Roman"/>
             </a:endParaRPr>
           </a:p>
         </p:txBody>

--- a/slides/figure/make_figs.pptx
+++ b/slides/figure/make_figs.pptx
@@ -6,6 +6,7 @@
   </p:sldMasterIdLst>
   <p:sldIdLst>
     <p:sldId id="256" r:id="rId2"/>
+    <p:sldId id="257" r:id="rId3"/>
   </p:sldIdLst>
   <p:sldSz cx="9144000" cy="6858000" type="screen4x3"/>
   <p:notesSz cx="6858000" cy="9144000"/>
@@ -288,7 +289,7 @@
           <a:p>
             <a:fld id="{844E8EA4-4312-9C48-A4C4-CC98878E32B3}" type="datetimeFigureOut">
               <a:rPr lang="en-US" smtClean="0"/>
-              <a:t>6/18/18</a:t>
+              <a:t>6/22/18</a:t>
             </a:fld>
             <a:endParaRPr lang="en-US"/>
           </a:p>
@@ -458,7 +459,7 @@
           <a:p>
             <a:fld id="{844E8EA4-4312-9C48-A4C4-CC98878E32B3}" type="datetimeFigureOut">
               <a:rPr lang="en-US" smtClean="0"/>
-              <a:t>6/18/18</a:t>
+              <a:t>6/22/18</a:t>
             </a:fld>
             <a:endParaRPr lang="en-US"/>
           </a:p>
@@ -638,7 +639,7 @@
           <a:p>
             <a:fld id="{844E8EA4-4312-9C48-A4C4-CC98878E32B3}" type="datetimeFigureOut">
               <a:rPr lang="en-US" smtClean="0"/>
-              <a:t>6/18/18</a:t>
+              <a:t>6/22/18</a:t>
             </a:fld>
             <a:endParaRPr lang="en-US"/>
           </a:p>
@@ -808,7 +809,7 @@
           <a:p>
             <a:fld id="{844E8EA4-4312-9C48-A4C4-CC98878E32B3}" type="datetimeFigureOut">
               <a:rPr lang="en-US" smtClean="0"/>
-              <a:t>6/18/18</a:t>
+              <a:t>6/22/18</a:t>
             </a:fld>
             <a:endParaRPr lang="en-US"/>
           </a:p>
@@ -1054,7 +1055,7 @@
           <a:p>
             <a:fld id="{844E8EA4-4312-9C48-A4C4-CC98878E32B3}" type="datetimeFigureOut">
               <a:rPr lang="en-US" smtClean="0"/>
-              <a:t>6/18/18</a:t>
+              <a:t>6/22/18</a:t>
             </a:fld>
             <a:endParaRPr lang="en-US"/>
           </a:p>
@@ -1342,7 +1343,7 @@
           <a:p>
             <a:fld id="{844E8EA4-4312-9C48-A4C4-CC98878E32B3}" type="datetimeFigureOut">
               <a:rPr lang="en-US" smtClean="0"/>
-              <a:t>6/18/18</a:t>
+              <a:t>6/22/18</a:t>
             </a:fld>
             <a:endParaRPr lang="en-US"/>
           </a:p>
@@ -1764,7 +1765,7 @@
           <a:p>
             <a:fld id="{844E8EA4-4312-9C48-A4C4-CC98878E32B3}" type="datetimeFigureOut">
               <a:rPr lang="en-US" smtClean="0"/>
-              <a:t>6/18/18</a:t>
+              <a:t>6/22/18</a:t>
             </a:fld>
             <a:endParaRPr lang="en-US"/>
           </a:p>
@@ -1882,7 +1883,7 @@
           <a:p>
             <a:fld id="{844E8EA4-4312-9C48-A4C4-CC98878E32B3}" type="datetimeFigureOut">
               <a:rPr lang="en-US" smtClean="0"/>
-              <a:t>6/18/18</a:t>
+              <a:t>6/22/18</a:t>
             </a:fld>
             <a:endParaRPr lang="en-US"/>
           </a:p>
@@ -1977,7 +1978,7 @@
           <a:p>
             <a:fld id="{844E8EA4-4312-9C48-A4C4-CC98878E32B3}" type="datetimeFigureOut">
               <a:rPr lang="en-US" smtClean="0"/>
-              <a:t>6/18/18</a:t>
+              <a:t>6/22/18</a:t>
             </a:fld>
             <a:endParaRPr lang="en-US"/>
           </a:p>
@@ -2254,7 +2255,7 @@
           <a:p>
             <a:fld id="{844E8EA4-4312-9C48-A4C4-CC98878E32B3}" type="datetimeFigureOut">
               <a:rPr lang="en-US" smtClean="0"/>
-              <a:t>6/18/18</a:t>
+              <a:t>6/22/18</a:t>
             </a:fld>
             <a:endParaRPr lang="en-US"/>
           </a:p>
@@ -2507,7 +2508,7 @@
           <a:p>
             <a:fld id="{844E8EA4-4312-9C48-A4C4-CC98878E32B3}" type="datetimeFigureOut">
               <a:rPr lang="en-US" smtClean="0"/>
-              <a:t>6/18/18</a:t>
+              <a:t>6/22/18</a:t>
             </a:fld>
             <a:endParaRPr lang="en-US"/>
           </a:p>
@@ -2720,7 +2721,7 @@
           <a:p>
             <a:fld id="{844E8EA4-4312-9C48-A4C4-CC98878E32B3}" type="datetimeFigureOut">
               <a:rPr lang="en-US" smtClean="0"/>
-              <a:t>6/18/18</a:t>
+              <a:t>6/22/18</a:t>
             </a:fld>
             <a:endParaRPr lang="en-US"/>
           </a:p>
@@ -3575,6 +3576,630 @@
     <p:extLst>
       <p:ext uri="{BB962C8B-B14F-4D97-AF65-F5344CB8AC3E}">
         <p14:creationId xmlns:p14="http://schemas.microsoft.com/office/powerpoint/2010/main" val="2891170607"/>
+      </p:ext>
+    </p:extLst>
+  </p:cSld>
+  <p:clrMapOvr>
+    <a:masterClrMapping/>
+  </p:clrMapOvr>
+</p:sld>
+</file>
+
+<file path=ppt/slides/slide2.xml><?xml version="1.0" encoding="utf-8"?>
+<p:sld xmlns:a="http://schemas.openxmlformats.org/drawingml/2006/main" xmlns:r="http://schemas.openxmlformats.org/officeDocument/2006/relationships" xmlns:p="http://schemas.openxmlformats.org/presentationml/2006/main">
+  <p:cSld>
+    <p:spTree>
+      <p:nvGrpSpPr>
+        <p:cNvPr id="1" name=""/>
+        <p:cNvGrpSpPr/>
+        <p:nvPr/>
+      </p:nvGrpSpPr>
+      <p:grpSpPr>
+        <a:xfrm>
+          <a:off x="0" y="0"/>
+          <a:ext cx="0" cy="0"/>
+          <a:chOff x="0" y="0"/>
+          <a:chExt cx="0" cy="0"/>
+        </a:xfrm>
+      </p:grpSpPr>
+      <p:sp>
+        <p:nvSpPr>
+          <p:cNvPr id="21" name="Rectangle 20"/>
+          <p:cNvSpPr/>
+          <p:nvPr/>
+        </p:nvSpPr>
+        <p:spPr>
+          <a:xfrm>
+            <a:off x="6927913" y="2976419"/>
+            <a:ext cx="854964" cy="855090"/>
+          </a:xfrm>
+          <a:prstGeom prst="rect">
+            <a:avLst/>
+          </a:prstGeom>
+          <a:solidFill>
+            <a:schemeClr val="accent3"/>
+          </a:solidFill>
+          <a:ln>
+            <a:noFill/>
+          </a:ln>
+          <a:effectLst/>
+        </p:spPr>
+        <p:style>
+          <a:lnRef idx="1">
+            <a:schemeClr val="accent1"/>
+          </a:lnRef>
+          <a:fillRef idx="3">
+            <a:schemeClr val="accent1"/>
+          </a:fillRef>
+          <a:effectRef idx="2">
+            <a:schemeClr val="accent1"/>
+          </a:effectRef>
+          <a:fontRef idx="minor">
+            <a:schemeClr val="lt1"/>
+          </a:fontRef>
+        </p:style>
+        <p:txBody>
+          <a:bodyPr rtlCol="0" anchor="ctr"/>
+          <a:lstStyle/>
+          <a:p>
+            <a:pPr algn="ctr"/>
+            <a:endParaRPr lang="en-US"/>
+          </a:p>
+        </p:txBody>
+      </p:sp>
+      <p:sp>
+        <p:nvSpPr>
+          <p:cNvPr id="22" name="Rectangle 21"/>
+          <p:cNvSpPr/>
+          <p:nvPr/>
+        </p:nvSpPr>
+        <p:spPr>
+          <a:xfrm>
+            <a:off x="6072949" y="2976668"/>
+            <a:ext cx="854964" cy="855090"/>
+          </a:xfrm>
+          <a:prstGeom prst="rect">
+            <a:avLst/>
+          </a:prstGeom>
+          <a:solidFill>
+            <a:schemeClr val="accent1"/>
+          </a:solidFill>
+          <a:ln>
+            <a:noFill/>
+          </a:ln>
+          <a:effectLst/>
+        </p:spPr>
+        <p:style>
+          <a:lnRef idx="1">
+            <a:schemeClr val="accent1"/>
+          </a:lnRef>
+          <a:fillRef idx="3">
+            <a:schemeClr val="accent1"/>
+          </a:fillRef>
+          <a:effectRef idx="2">
+            <a:schemeClr val="accent1"/>
+          </a:effectRef>
+          <a:fontRef idx="minor">
+            <a:schemeClr val="lt1"/>
+          </a:fontRef>
+        </p:style>
+        <p:txBody>
+          <a:bodyPr rtlCol="0" anchor="ctr"/>
+          <a:lstStyle/>
+          <a:p>
+            <a:pPr algn="ctr"/>
+            <a:endParaRPr lang="en-US"/>
+          </a:p>
+        </p:txBody>
+      </p:sp>
+      <p:sp>
+        <p:nvSpPr>
+          <p:cNvPr id="23" name="Rectangle 22"/>
+          <p:cNvSpPr/>
+          <p:nvPr/>
+        </p:nvSpPr>
+        <p:spPr>
+          <a:xfrm>
+            <a:off x="6072950" y="3831258"/>
+            <a:ext cx="854964" cy="855090"/>
+          </a:xfrm>
+          <a:prstGeom prst="rect">
+            <a:avLst/>
+          </a:prstGeom>
+          <a:solidFill>
+            <a:schemeClr val="accent4"/>
+          </a:solidFill>
+          <a:ln>
+            <a:noFill/>
+          </a:ln>
+          <a:effectLst/>
+        </p:spPr>
+        <p:style>
+          <a:lnRef idx="1">
+            <a:schemeClr val="accent1"/>
+          </a:lnRef>
+          <a:fillRef idx="3">
+            <a:schemeClr val="accent1"/>
+          </a:fillRef>
+          <a:effectRef idx="2">
+            <a:schemeClr val="accent1"/>
+          </a:effectRef>
+          <a:fontRef idx="minor">
+            <a:schemeClr val="lt1"/>
+          </a:fontRef>
+        </p:style>
+        <p:txBody>
+          <a:bodyPr rtlCol="0" anchor="ctr"/>
+          <a:lstStyle/>
+          <a:p>
+            <a:pPr algn="ctr"/>
+            <a:endParaRPr lang="en-US"/>
+          </a:p>
+        </p:txBody>
+      </p:sp>
+      <p:sp>
+        <p:nvSpPr>
+          <p:cNvPr id="24" name="Rectangle 23"/>
+          <p:cNvSpPr/>
+          <p:nvPr/>
+        </p:nvSpPr>
+        <p:spPr>
+          <a:xfrm>
+            <a:off x="6927913" y="3831258"/>
+            <a:ext cx="854964" cy="855090"/>
+          </a:xfrm>
+          <a:prstGeom prst="rect">
+            <a:avLst/>
+          </a:prstGeom>
+          <a:solidFill>
+            <a:schemeClr val="accent2"/>
+          </a:solidFill>
+          <a:ln>
+            <a:noFill/>
+          </a:ln>
+          <a:effectLst/>
+        </p:spPr>
+        <p:style>
+          <a:lnRef idx="1">
+            <a:schemeClr val="accent1"/>
+          </a:lnRef>
+          <a:fillRef idx="3">
+            <a:schemeClr val="accent1"/>
+          </a:fillRef>
+          <a:effectRef idx="2">
+            <a:schemeClr val="accent1"/>
+          </a:effectRef>
+          <a:fontRef idx="minor">
+            <a:schemeClr val="lt1"/>
+          </a:fontRef>
+        </p:style>
+        <p:txBody>
+          <a:bodyPr rtlCol="0" anchor="ctr"/>
+          <a:lstStyle/>
+          <a:p>
+            <a:pPr algn="ctr"/>
+            <a:endParaRPr lang="en-US"/>
+          </a:p>
+        </p:txBody>
+      </p:sp>
+      <p:grpSp>
+        <p:nvGrpSpPr>
+          <p:cNvPr id="20" name="Group 19"/>
+          <p:cNvGrpSpPr/>
+          <p:nvPr/>
+        </p:nvGrpSpPr>
+        <p:grpSpPr>
+          <a:xfrm>
+            <a:off x="5309905" y="2263611"/>
+            <a:ext cx="2472973" cy="2422986"/>
+            <a:chOff x="745763" y="456651"/>
+            <a:chExt cx="2472973" cy="2422986"/>
+          </a:xfrm>
+        </p:grpSpPr>
+        <p:sp>
+          <p:nvSpPr>
+            <p:cNvPr id="4" name="Rectangle 3"/>
+            <p:cNvSpPr/>
+            <p:nvPr/>
+          </p:nvSpPr>
+          <p:spPr>
+            <a:xfrm>
+              <a:off x="1508807" y="1169460"/>
+              <a:ext cx="1709928" cy="1710177"/>
+            </a:xfrm>
+            <a:prstGeom prst="rect">
+              <a:avLst/>
+            </a:prstGeom>
+            <a:noFill/>
+            <a:ln>
+              <a:solidFill>
+                <a:schemeClr val="tx1"/>
+              </a:solidFill>
+            </a:ln>
+            <a:effectLst/>
+          </p:spPr>
+          <p:style>
+            <a:lnRef idx="1">
+              <a:schemeClr val="accent1"/>
+            </a:lnRef>
+            <a:fillRef idx="3">
+              <a:schemeClr val="accent1"/>
+            </a:fillRef>
+            <a:effectRef idx="2">
+              <a:schemeClr val="accent1"/>
+            </a:effectRef>
+            <a:fontRef idx="minor">
+              <a:schemeClr val="lt1"/>
+            </a:fontRef>
+          </p:style>
+          <p:txBody>
+            <a:bodyPr rtlCol="0" anchor="ctr"/>
+            <a:lstStyle/>
+            <a:p>
+              <a:pPr algn="ctr"/>
+              <a:endParaRPr lang="en-US"/>
+            </a:p>
+          </p:txBody>
+        </p:sp>
+        <p:cxnSp>
+          <p:nvCxnSpPr>
+            <p:cNvPr id="6" name="Straight Connector 5"/>
+            <p:cNvCxnSpPr>
+              <a:stCxn id="4" idx="0"/>
+              <a:endCxn id="4" idx="2"/>
+            </p:cNvCxnSpPr>
+            <p:nvPr/>
+          </p:nvCxnSpPr>
+          <p:spPr>
+            <a:xfrm>
+              <a:off x="2363771" y="1169460"/>
+              <a:ext cx="0" cy="1710177"/>
+            </a:xfrm>
+            <a:prstGeom prst="line">
+              <a:avLst/>
+            </a:prstGeom>
+            <a:ln>
+              <a:solidFill>
+                <a:schemeClr val="tx1"/>
+              </a:solidFill>
+            </a:ln>
+            <a:effectLst/>
+          </p:spPr>
+          <p:style>
+            <a:lnRef idx="2">
+              <a:schemeClr val="accent1"/>
+            </a:lnRef>
+            <a:fillRef idx="0">
+              <a:schemeClr val="accent1"/>
+            </a:fillRef>
+            <a:effectRef idx="1">
+              <a:schemeClr val="accent1"/>
+            </a:effectRef>
+            <a:fontRef idx="minor">
+              <a:schemeClr val="tx1"/>
+            </a:fontRef>
+          </p:style>
+        </p:cxnSp>
+        <p:cxnSp>
+          <p:nvCxnSpPr>
+            <p:cNvPr id="7" name="Straight Connector 6"/>
+            <p:cNvCxnSpPr>
+              <a:stCxn id="4" idx="1"/>
+              <a:endCxn id="4" idx="3"/>
+            </p:cNvCxnSpPr>
+            <p:nvPr/>
+          </p:nvCxnSpPr>
+          <p:spPr>
+            <a:xfrm>
+              <a:off x="1508807" y="2024549"/>
+              <a:ext cx="1709928" cy="0"/>
+            </a:xfrm>
+            <a:prstGeom prst="line">
+              <a:avLst/>
+            </a:prstGeom>
+            <a:ln>
+              <a:solidFill>
+                <a:schemeClr val="tx1"/>
+              </a:solidFill>
+            </a:ln>
+            <a:effectLst/>
+          </p:spPr>
+          <p:style>
+            <a:lnRef idx="2">
+              <a:schemeClr val="accent1"/>
+            </a:lnRef>
+            <a:fillRef idx="0">
+              <a:schemeClr val="accent1"/>
+            </a:fillRef>
+            <a:effectRef idx="1">
+              <a:schemeClr val="accent1"/>
+            </a:effectRef>
+            <a:fontRef idx="minor">
+              <a:schemeClr val="tx1"/>
+            </a:fontRef>
+          </p:style>
+        </p:cxnSp>
+        <p:sp>
+          <p:nvSpPr>
+            <p:cNvPr id="12" name="TextBox 11"/>
+            <p:cNvSpPr txBox="1"/>
+            <p:nvPr/>
+          </p:nvSpPr>
+          <p:spPr>
+            <a:xfrm>
+              <a:off x="1508807" y="456651"/>
+              <a:ext cx="1709928" cy="369332"/>
+            </a:xfrm>
+            <a:prstGeom prst="rect">
+              <a:avLst/>
+            </a:prstGeom>
+            <a:noFill/>
+          </p:spPr>
+          <p:txBody>
+            <a:bodyPr wrap="square" rtlCol="0">
+              <a:spAutoFit/>
+            </a:bodyPr>
+            <a:lstStyle/>
+            <a:p>
+              <a:r>
+                <a:rPr lang="en-US" dirty="0" smtClean="0">
+                  <a:latin typeface="Times New Roman"/>
+                  <a:cs typeface="Times New Roman"/>
+                </a:rPr>
+                <a:t>List 2</a:t>
+              </a:r>
+              <a:endParaRPr lang="en-US" dirty="0">
+                <a:latin typeface="Times New Roman"/>
+                <a:cs typeface="Times New Roman"/>
+              </a:endParaRPr>
+            </a:p>
+          </p:txBody>
+        </p:sp>
+        <p:sp>
+          <p:nvSpPr>
+            <p:cNvPr id="13" name="TextBox 12"/>
+            <p:cNvSpPr txBox="1"/>
+            <p:nvPr/>
+          </p:nvSpPr>
+          <p:spPr>
+            <a:xfrm rot="16200000">
+              <a:off x="75465" y="1840007"/>
+              <a:ext cx="1709928" cy="369332"/>
+            </a:xfrm>
+            <a:prstGeom prst="rect">
+              <a:avLst/>
+            </a:prstGeom>
+            <a:noFill/>
+          </p:spPr>
+          <p:txBody>
+            <a:bodyPr wrap="square" rtlCol="0">
+              <a:spAutoFit/>
+            </a:bodyPr>
+            <a:lstStyle/>
+            <a:p>
+              <a:r>
+                <a:rPr lang="en-US" dirty="0" smtClean="0">
+                  <a:latin typeface="Times New Roman"/>
+                  <a:cs typeface="Times New Roman"/>
+                </a:rPr>
+                <a:t>List 1</a:t>
+              </a:r>
+              <a:endParaRPr lang="en-US" dirty="0">
+                <a:latin typeface="Times New Roman"/>
+                <a:cs typeface="Times New Roman"/>
+              </a:endParaRPr>
+            </a:p>
+          </p:txBody>
+        </p:sp>
+        <p:sp>
+          <p:nvSpPr>
+            <p:cNvPr id="14" name="TextBox 13"/>
+            <p:cNvSpPr txBox="1"/>
+            <p:nvPr/>
+          </p:nvSpPr>
+          <p:spPr>
+            <a:xfrm rot="16200000">
+              <a:off x="469177" y="1839758"/>
+              <a:ext cx="1709928" cy="369332"/>
+            </a:xfrm>
+            <a:prstGeom prst="rect">
+              <a:avLst/>
+            </a:prstGeom>
+            <a:noFill/>
+          </p:spPr>
+          <p:txBody>
+            <a:bodyPr wrap="square" rtlCol="0">
+              <a:spAutoFit/>
+            </a:bodyPr>
+            <a:lstStyle/>
+            <a:p>
+              <a:r>
+                <a:rPr lang="en-US" dirty="0" smtClean="0">
+                  <a:latin typeface="Times New Roman"/>
+                  <a:cs typeface="Times New Roman"/>
+                </a:rPr>
+                <a:t>Yes          No</a:t>
+              </a:r>
+              <a:endParaRPr lang="en-US" dirty="0">
+                <a:latin typeface="Times New Roman"/>
+                <a:cs typeface="Times New Roman"/>
+              </a:endParaRPr>
+            </a:p>
+          </p:txBody>
+        </p:sp>
+        <p:sp>
+          <p:nvSpPr>
+            <p:cNvPr id="15" name="TextBox 14"/>
+            <p:cNvSpPr txBox="1"/>
+            <p:nvPr/>
+          </p:nvSpPr>
+          <p:spPr>
+            <a:xfrm>
+              <a:off x="1508808" y="813409"/>
+              <a:ext cx="1709928" cy="369332"/>
+            </a:xfrm>
+            <a:prstGeom prst="rect">
+              <a:avLst/>
+            </a:prstGeom>
+            <a:noFill/>
+          </p:spPr>
+          <p:txBody>
+            <a:bodyPr wrap="square" rtlCol="0">
+              <a:spAutoFit/>
+            </a:bodyPr>
+            <a:lstStyle/>
+            <a:p>
+              <a:r>
+                <a:rPr lang="en-US" dirty="0" smtClean="0">
+                  <a:latin typeface="Times New Roman"/>
+                  <a:cs typeface="Times New Roman"/>
+                </a:rPr>
+                <a:t>Yes          No</a:t>
+              </a:r>
+              <a:endParaRPr lang="en-US" dirty="0">
+                <a:latin typeface="Times New Roman"/>
+                <a:cs typeface="Times New Roman"/>
+              </a:endParaRPr>
+            </a:p>
+          </p:txBody>
+        </p:sp>
+        <p:sp>
+          <p:nvSpPr>
+            <p:cNvPr id="16" name="TextBox 15"/>
+            <p:cNvSpPr txBox="1"/>
+            <p:nvPr/>
+          </p:nvSpPr>
+          <p:spPr>
+            <a:xfrm>
+              <a:off x="2602663" y="1405838"/>
+              <a:ext cx="414949" cy="369332"/>
+            </a:xfrm>
+            <a:prstGeom prst="rect">
+              <a:avLst/>
+            </a:prstGeom>
+            <a:noFill/>
+          </p:spPr>
+          <p:txBody>
+            <a:bodyPr wrap="square" rtlCol="0">
+              <a:spAutoFit/>
+            </a:bodyPr>
+            <a:lstStyle/>
+            <a:p>
+              <a:r>
+                <a:rPr lang="en-US" dirty="0" smtClean="0">
+                  <a:latin typeface="Times New Roman"/>
+                  <a:cs typeface="Times New Roman"/>
+                </a:rPr>
+                <a:t>??</a:t>
+              </a:r>
+              <a:endParaRPr lang="en-US" dirty="0">
+                <a:latin typeface="Times New Roman"/>
+                <a:cs typeface="Times New Roman"/>
+              </a:endParaRPr>
+            </a:p>
+          </p:txBody>
+        </p:sp>
+        <p:sp>
+          <p:nvSpPr>
+            <p:cNvPr id="17" name="TextBox 16"/>
+            <p:cNvSpPr txBox="1"/>
+            <p:nvPr/>
+          </p:nvSpPr>
+          <p:spPr>
+            <a:xfrm>
+              <a:off x="2653715" y="2241005"/>
+              <a:ext cx="312845" cy="369332"/>
+            </a:xfrm>
+            <a:prstGeom prst="rect">
+              <a:avLst/>
+            </a:prstGeom>
+            <a:noFill/>
+          </p:spPr>
+          <p:txBody>
+            <a:bodyPr wrap="square" rtlCol="0">
+              <a:spAutoFit/>
+            </a:bodyPr>
+            <a:lstStyle/>
+            <a:p>
+              <a:r>
+                <a:rPr lang="en-US" dirty="0">
+                  <a:latin typeface="Times New Roman"/>
+                  <a:cs typeface="Times New Roman"/>
+                </a:rPr>
+                <a:t>1</a:t>
+              </a:r>
+            </a:p>
+          </p:txBody>
+        </p:sp>
+        <p:sp>
+          <p:nvSpPr>
+            <p:cNvPr id="18" name="TextBox 17"/>
+            <p:cNvSpPr txBox="1"/>
+            <p:nvPr/>
+          </p:nvSpPr>
+          <p:spPr>
+            <a:xfrm>
+              <a:off x="1788427" y="2241005"/>
+              <a:ext cx="312845" cy="369332"/>
+            </a:xfrm>
+            <a:prstGeom prst="rect">
+              <a:avLst/>
+            </a:prstGeom>
+            <a:noFill/>
+          </p:spPr>
+          <p:txBody>
+            <a:bodyPr wrap="square" rtlCol="0">
+              <a:spAutoFit/>
+            </a:bodyPr>
+            <a:lstStyle/>
+            <a:p>
+              <a:r>
+                <a:rPr lang="en-US" dirty="0">
+                  <a:latin typeface="Times New Roman"/>
+                  <a:cs typeface="Times New Roman"/>
+                </a:rPr>
+                <a:t>1</a:t>
+              </a:r>
+            </a:p>
+          </p:txBody>
+        </p:sp>
+        <p:sp>
+          <p:nvSpPr>
+            <p:cNvPr id="19" name="TextBox 18"/>
+            <p:cNvSpPr txBox="1"/>
+            <p:nvPr/>
+          </p:nvSpPr>
+          <p:spPr>
+            <a:xfrm>
+              <a:off x="1788427" y="1405838"/>
+              <a:ext cx="312845" cy="369332"/>
+            </a:xfrm>
+            <a:prstGeom prst="rect">
+              <a:avLst/>
+            </a:prstGeom>
+            <a:noFill/>
+          </p:spPr>
+          <p:txBody>
+            <a:bodyPr wrap="square" rtlCol="0">
+              <a:spAutoFit/>
+            </a:bodyPr>
+            <a:lstStyle/>
+            <a:p>
+              <a:r>
+                <a:rPr lang="en-US" dirty="0">
+                  <a:latin typeface="Times New Roman"/>
+                  <a:cs typeface="Times New Roman"/>
+                </a:rPr>
+                <a:t>1</a:t>
+              </a:r>
+            </a:p>
+          </p:txBody>
+        </p:sp>
+      </p:grpSp>
+    </p:spTree>
+    <p:extLst>
+      <p:ext uri="{BB962C8B-B14F-4D97-AF65-F5344CB8AC3E}">
+        <p14:creationId xmlns:p14="http://schemas.microsoft.com/office/powerpoint/2010/main" val="371076469"/>
       </p:ext>
     </p:extLst>
   </p:cSld>

--- a/slides/figure/make_figs.pptx
+++ b/slides/figure/make_figs.pptx
@@ -3602,189 +3602,51 @@
           <a:chExt cx="0" cy="0"/>
         </a:xfrm>
       </p:grpSpPr>
-      <p:sp>
-        <p:nvSpPr>
-          <p:cNvPr id="21" name="Rectangle 20"/>
-          <p:cNvSpPr/>
+      <p:cxnSp>
+        <p:nvCxnSpPr>
+          <p:cNvPr id="37" name="Straight Arrow Connector 36"/>
+          <p:cNvCxnSpPr>
+            <a:stCxn id="29" idx="3"/>
+            <a:endCxn id="23" idx="1"/>
+          </p:cNvCxnSpPr>
           <p:nvPr/>
-        </p:nvSpPr>
+        </p:nvCxnSpPr>
         <p:spPr>
           <a:xfrm>
-            <a:off x="6927913" y="2976419"/>
-            <a:ext cx="854964" cy="855090"/>
+            <a:off x="4134338" y="3409462"/>
+            <a:ext cx="1938612" cy="849341"/>
           </a:xfrm>
-          <a:prstGeom prst="rect">
+          <a:prstGeom prst="straightConnector1">
             <a:avLst/>
           </a:prstGeom>
-          <a:solidFill>
-            <a:schemeClr val="accent3"/>
-          </a:solidFill>
           <a:ln>
-            <a:noFill/>
+            <a:solidFill>
+              <a:schemeClr val="accent4"/>
+            </a:solidFill>
+            <a:prstDash val="sysDash"/>
+            <a:headEnd type="none"/>
+            <a:tailEnd type="triangle" w="lg" len="lg"/>
           </a:ln>
           <a:effectLst/>
         </p:spPr>
         <p:style>
-          <a:lnRef idx="1">
+          <a:lnRef idx="2">
             <a:schemeClr val="accent1"/>
           </a:lnRef>
-          <a:fillRef idx="3">
+          <a:fillRef idx="0">
             <a:schemeClr val="accent1"/>
           </a:fillRef>
-          <a:effectRef idx="2">
+          <a:effectRef idx="1">
             <a:schemeClr val="accent1"/>
           </a:effectRef>
           <a:fontRef idx="minor">
-            <a:schemeClr val="lt1"/>
+            <a:schemeClr val="tx1"/>
           </a:fontRef>
         </p:style>
-        <p:txBody>
-          <a:bodyPr rtlCol="0" anchor="ctr"/>
-          <a:lstStyle/>
-          <a:p>
-            <a:pPr algn="ctr"/>
-            <a:endParaRPr lang="en-US"/>
-          </a:p>
-        </p:txBody>
-      </p:sp>
-      <p:sp>
-        <p:nvSpPr>
-          <p:cNvPr id="22" name="Rectangle 21"/>
-          <p:cNvSpPr/>
-          <p:nvPr/>
-        </p:nvSpPr>
-        <p:spPr>
-          <a:xfrm>
-            <a:off x="6072949" y="2976668"/>
-            <a:ext cx="854964" cy="855090"/>
-          </a:xfrm>
-          <a:prstGeom prst="rect">
-            <a:avLst/>
-          </a:prstGeom>
-          <a:solidFill>
-            <a:schemeClr val="accent1"/>
-          </a:solidFill>
-          <a:ln>
-            <a:noFill/>
-          </a:ln>
-          <a:effectLst/>
-        </p:spPr>
-        <p:style>
-          <a:lnRef idx="1">
-            <a:schemeClr val="accent1"/>
-          </a:lnRef>
-          <a:fillRef idx="3">
-            <a:schemeClr val="accent1"/>
-          </a:fillRef>
-          <a:effectRef idx="2">
-            <a:schemeClr val="accent1"/>
-          </a:effectRef>
-          <a:fontRef idx="minor">
-            <a:schemeClr val="lt1"/>
-          </a:fontRef>
-        </p:style>
-        <p:txBody>
-          <a:bodyPr rtlCol="0" anchor="ctr"/>
-          <a:lstStyle/>
-          <a:p>
-            <a:pPr algn="ctr"/>
-            <a:endParaRPr lang="en-US"/>
-          </a:p>
-        </p:txBody>
-      </p:sp>
-      <p:sp>
-        <p:nvSpPr>
-          <p:cNvPr id="23" name="Rectangle 22"/>
-          <p:cNvSpPr/>
-          <p:nvPr/>
-        </p:nvSpPr>
-        <p:spPr>
-          <a:xfrm>
-            <a:off x="6072950" y="3831258"/>
-            <a:ext cx="854964" cy="855090"/>
-          </a:xfrm>
-          <a:prstGeom prst="rect">
-            <a:avLst/>
-          </a:prstGeom>
-          <a:solidFill>
-            <a:schemeClr val="accent4"/>
-          </a:solidFill>
-          <a:ln>
-            <a:noFill/>
-          </a:ln>
-          <a:effectLst/>
-        </p:spPr>
-        <p:style>
-          <a:lnRef idx="1">
-            <a:schemeClr val="accent1"/>
-          </a:lnRef>
-          <a:fillRef idx="3">
-            <a:schemeClr val="accent1"/>
-          </a:fillRef>
-          <a:effectRef idx="2">
-            <a:schemeClr val="accent1"/>
-          </a:effectRef>
-          <a:fontRef idx="minor">
-            <a:schemeClr val="lt1"/>
-          </a:fontRef>
-        </p:style>
-        <p:txBody>
-          <a:bodyPr rtlCol="0" anchor="ctr"/>
-          <a:lstStyle/>
-          <a:p>
-            <a:pPr algn="ctr"/>
-            <a:endParaRPr lang="en-US"/>
-          </a:p>
-        </p:txBody>
-      </p:sp>
-      <p:sp>
-        <p:nvSpPr>
-          <p:cNvPr id="24" name="Rectangle 23"/>
-          <p:cNvSpPr/>
-          <p:nvPr/>
-        </p:nvSpPr>
-        <p:spPr>
-          <a:xfrm>
-            <a:off x="6927913" y="3831258"/>
-            <a:ext cx="854964" cy="855090"/>
-          </a:xfrm>
-          <a:prstGeom prst="rect">
-            <a:avLst/>
-          </a:prstGeom>
-          <a:solidFill>
-            <a:schemeClr val="accent2"/>
-          </a:solidFill>
-          <a:ln>
-            <a:noFill/>
-          </a:ln>
-          <a:effectLst/>
-        </p:spPr>
-        <p:style>
-          <a:lnRef idx="1">
-            <a:schemeClr val="accent1"/>
-          </a:lnRef>
-          <a:fillRef idx="3">
-            <a:schemeClr val="accent1"/>
-          </a:fillRef>
-          <a:effectRef idx="2">
-            <a:schemeClr val="accent1"/>
-          </a:effectRef>
-          <a:fontRef idx="minor">
-            <a:schemeClr val="lt1"/>
-          </a:fontRef>
-        </p:style>
-        <p:txBody>
-          <a:bodyPr rtlCol="0" anchor="ctr"/>
-          <a:lstStyle/>
-          <a:p>
-            <a:pPr algn="ctr"/>
-            <a:endParaRPr lang="en-US"/>
-          </a:p>
-        </p:txBody>
-      </p:sp>
+      </p:cxnSp>
       <p:grpSp>
         <p:nvGrpSpPr>
-          <p:cNvPr id="20" name="Group 19"/>
+          <p:cNvPr id="25" name="Group 24"/>
           <p:cNvGrpSpPr/>
           <p:nvPr/>
         </p:nvGrpSpPr>
@@ -3792,29 +3654,29 @@
           <a:xfrm>
             <a:off x="5309905" y="2263611"/>
             <a:ext cx="2472973" cy="2422986"/>
-            <a:chOff x="745763" y="456651"/>
+            <a:chOff x="5309905" y="2263611"/>
             <a:chExt cx="2472973" cy="2422986"/>
           </a:xfrm>
         </p:grpSpPr>
         <p:sp>
           <p:nvSpPr>
-            <p:cNvPr id="4" name="Rectangle 3"/>
+            <p:cNvPr id="21" name="Rectangle 20"/>
             <p:cNvSpPr/>
             <p:nvPr/>
           </p:nvSpPr>
           <p:spPr>
             <a:xfrm>
-              <a:off x="1508807" y="1169460"/>
-              <a:ext cx="1709928" cy="1710177"/>
+              <a:off x="6927913" y="2976419"/>
+              <a:ext cx="854964" cy="855090"/>
             </a:xfrm>
             <a:prstGeom prst="rect">
               <a:avLst/>
             </a:prstGeom>
-            <a:noFill/>
+            <a:solidFill>
+              <a:schemeClr val="accent3"/>
+            </a:solidFill>
             <a:ln>
-              <a:solidFill>
-                <a:schemeClr val="tx1"/>
-              </a:solidFill>
+              <a:noFill/>
             </a:ln>
             <a:effectLst/>
           </p:spPr>
@@ -3841,361 +3703,807 @@
             </a:p>
           </p:txBody>
         </p:sp>
-        <p:cxnSp>
-          <p:nvCxnSpPr>
-            <p:cNvPr id="6" name="Straight Connector 5"/>
-            <p:cNvCxnSpPr>
-              <a:stCxn id="4" idx="0"/>
-              <a:endCxn id="4" idx="2"/>
-            </p:cNvCxnSpPr>
+        <p:sp>
+          <p:nvSpPr>
+            <p:cNvPr id="22" name="Rectangle 21"/>
+            <p:cNvSpPr/>
             <p:nvPr/>
-          </p:nvCxnSpPr>
+          </p:nvSpPr>
           <p:spPr>
             <a:xfrm>
-              <a:off x="2363771" y="1169460"/>
-              <a:ext cx="0" cy="1710177"/>
+              <a:off x="6072949" y="2976668"/>
+              <a:ext cx="854964" cy="855090"/>
             </a:xfrm>
-            <a:prstGeom prst="line">
+            <a:prstGeom prst="rect">
               <a:avLst/>
             </a:prstGeom>
+            <a:solidFill>
+              <a:schemeClr val="accent1"/>
+            </a:solidFill>
             <a:ln>
-              <a:solidFill>
-                <a:schemeClr val="tx1"/>
-              </a:solidFill>
+              <a:noFill/>
             </a:ln>
             <a:effectLst/>
           </p:spPr>
           <p:style>
-            <a:lnRef idx="2">
+            <a:lnRef idx="1">
               <a:schemeClr val="accent1"/>
             </a:lnRef>
-            <a:fillRef idx="0">
+            <a:fillRef idx="3">
               <a:schemeClr val="accent1"/>
             </a:fillRef>
-            <a:effectRef idx="1">
+            <a:effectRef idx="2">
               <a:schemeClr val="accent1"/>
             </a:effectRef>
             <a:fontRef idx="minor">
-              <a:schemeClr val="tx1"/>
+              <a:schemeClr val="lt1"/>
             </a:fontRef>
           </p:style>
-        </p:cxnSp>
-        <p:cxnSp>
-          <p:nvCxnSpPr>
-            <p:cNvPr id="7" name="Straight Connector 6"/>
-            <p:cNvCxnSpPr>
-              <a:stCxn id="4" idx="1"/>
-              <a:endCxn id="4" idx="3"/>
-            </p:cNvCxnSpPr>
-            <p:nvPr/>
-          </p:nvCxnSpPr>
-          <p:spPr>
-            <a:xfrm>
-              <a:off x="1508807" y="2024549"/>
-              <a:ext cx="1709928" cy="0"/>
-            </a:xfrm>
-            <a:prstGeom prst="line">
-              <a:avLst/>
-            </a:prstGeom>
-            <a:ln>
-              <a:solidFill>
-                <a:schemeClr val="tx1"/>
-              </a:solidFill>
-            </a:ln>
-            <a:effectLst/>
-          </p:spPr>
-          <p:style>
-            <a:lnRef idx="2">
-              <a:schemeClr val="accent1"/>
-            </a:lnRef>
-            <a:fillRef idx="0">
-              <a:schemeClr val="accent1"/>
-            </a:fillRef>
-            <a:effectRef idx="1">
-              <a:schemeClr val="accent1"/>
-            </a:effectRef>
-            <a:fontRef idx="minor">
-              <a:schemeClr val="tx1"/>
-            </a:fontRef>
-          </p:style>
-        </p:cxnSp>
-        <p:sp>
-          <p:nvSpPr>
-            <p:cNvPr id="12" name="TextBox 11"/>
-            <p:cNvSpPr txBox="1"/>
-            <p:nvPr/>
-          </p:nvSpPr>
-          <p:spPr>
-            <a:xfrm>
-              <a:off x="1508807" y="456651"/>
-              <a:ext cx="1709928" cy="369332"/>
-            </a:xfrm>
-            <a:prstGeom prst="rect">
-              <a:avLst/>
-            </a:prstGeom>
-            <a:noFill/>
-          </p:spPr>
           <p:txBody>
-            <a:bodyPr wrap="square" rtlCol="0">
-              <a:spAutoFit/>
-            </a:bodyPr>
+            <a:bodyPr rtlCol="0" anchor="ctr"/>
             <a:lstStyle/>
             <a:p>
-              <a:r>
-                <a:rPr lang="en-US" dirty="0" smtClean="0">
-                  <a:latin typeface="Times New Roman"/>
-                  <a:cs typeface="Times New Roman"/>
-                </a:rPr>
-                <a:t>List 2</a:t>
-              </a:r>
-              <a:endParaRPr lang="en-US" dirty="0">
-                <a:latin typeface="Times New Roman"/>
-                <a:cs typeface="Times New Roman"/>
-              </a:endParaRPr>
+              <a:pPr algn="ctr"/>
+              <a:endParaRPr lang="en-US"/>
             </a:p>
           </p:txBody>
         </p:sp>
         <p:sp>
           <p:nvSpPr>
-            <p:cNvPr id="13" name="TextBox 12"/>
-            <p:cNvSpPr txBox="1"/>
+            <p:cNvPr id="23" name="Rectangle 22"/>
+            <p:cNvSpPr/>
             <p:nvPr/>
           </p:nvSpPr>
           <p:spPr>
-            <a:xfrm rot="16200000">
-              <a:off x="75465" y="1840007"/>
-              <a:ext cx="1709928" cy="369332"/>
+            <a:xfrm>
+              <a:off x="6072950" y="3831258"/>
+              <a:ext cx="854964" cy="855090"/>
             </a:xfrm>
             <a:prstGeom prst="rect">
               <a:avLst/>
             </a:prstGeom>
-            <a:noFill/>
+            <a:solidFill>
+              <a:schemeClr val="accent4"/>
+            </a:solidFill>
+            <a:ln>
+              <a:noFill/>
+            </a:ln>
+            <a:effectLst/>
           </p:spPr>
+          <p:style>
+            <a:lnRef idx="1">
+              <a:schemeClr val="accent1"/>
+            </a:lnRef>
+            <a:fillRef idx="3">
+              <a:schemeClr val="accent1"/>
+            </a:fillRef>
+            <a:effectRef idx="2">
+              <a:schemeClr val="accent1"/>
+            </a:effectRef>
+            <a:fontRef idx="minor">
+              <a:schemeClr val="lt1"/>
+            </a:fontRef>
+          </p:style>
           <p:txBody>
-            <a:bodyPr wrap="square" rtlCol="0">
-              <a:spAutoFit/>
-            </a:bodyPr>
+            <a:bodyPr rtlCol="0" anchor="ctr"/>
             <a:lstStyle/>
             <a:p>
-              <a:r>
-                <a:rPr lang="en-US" dirty="0" smtClean="0">
-                  <a:latin typeface="Times New Roman"/>
-                  <a:cs typeface="Times New Roman"/>
-                </a:rPr>
-                <a:t>List 1</a:t>
-              </a:r>
-              <a:endParaRPr lang="en-US" dirty="0">
-                <a:latin typeface="Times New Roman"/>
-                <a:cs typeface="Times New Roman"/>
-              </a:endParaRPr>
+              <a:pPr algn="ctr"/>
+              <a:endParaRPr lang="en-US"/>
             </a:p>
           </p:txBody>
         </p:sp>
         <p:sp>
           <p:nvSpPr>
-            <p:cNvPr id="14" name="TextBox 13"/>
-            <p:cNvSpPr txBox="1"/>
+            <p:cNvPr id="24" name="Rectangle 23"/>
+            <p:cNvSpPr/>
             <p:nvPr/>
           </p:nvSpPr>
           <p:spPr>
-            <a:xfrm rot="16200000">
-              <a:off x="469177" y="1839758"/>
-              <a:ext cx="1709928" cy="369332"/>
+            <a:xfrm>
+              <a:off x="6927913" y="3831258"/>
+              <a:ext cx="854964" cy="855090"/>
             </a:xfrm>
             <a:prstGeom prst="rect">
               <a:avLst/>
             </a:prstGeom>
-            <a:noFill/>
+            <a:solidFill>
+              <a:schemeClr val="accent2"/>
+            </a:solidFill>
+            <a:ln>
+              <a:noFill/>
+            </a:ln>
+            <a:effectLst/>
           </p:spPr>
+          <p:style>
+            <a:lnRef idx="1">
+              <a:schemeClr val="accent1"/>
+            </a:lnRef>
+            <a:fillRef idx="3">
+              <a:schemeClr val="accent1"/>
+            </a:fillRef>
+            <a:effectRef idx="2">
+              <a:schemeClr val="accent1"/>
+            </a:effectRef>
+            <a:fontRef idx="minor">
+              <a:schemeClr val="lt1"/>
+            </a:fontRef>
+          </p:style>
           <p:txBody>
-            <a:bodyPr wrap="square" rtlCol="0">
-              <a:spAutoFit/>
-            </a:bodyPr>
+            <a:bodyPr rtlCol="0" anchor="ctr"/>
             <a:lstStyle/>
             <a:p>
-              <a:r>
-                <a:rPr lang="en-US" dirty="0" smtClean="0">
-                  <a:latin typeface="Times New Roman"/>
-                  <a:cs typeface="Times New Roman"/>
-                </a:rPr>
-                <a:t>Yes          No</a:t>
-              </a:r>
-              <a:endParaRPr lang="en-US" dirty="0">
-                <a:latin typeface="Times New Roman"/>
-                <a:cs typeface="Times New Roman"/>
-              </a:endParaRPr>
+              <a:pPr algn="ctr"/>
+              <a:endParaRPr lang="en-US"/>
             </a:p>
           </p:txBody>
         </p:sp>
-        <p:sp>
-          <p:nvSpPr>
-            <p:cNvPr id="15" name="TextBox 14"/>
-            <p:cNvSpPr txBox="1"/>
+        <p:grpSp>
+          <p:nvGrpSpPr>
+            <p:cNvPr id="20" name="Group 19"/>
+            <p:cNvGrpSpPr/>
             <p:nvPr/>
-          </p:nvSpPr>
-          <p:spPr>
+          </p:nvGrpSpPr>
+          <p:grpSpPr>
             <a:xfrm>
-              <a:off x="1508808" y="813409"/>
-              <a:ext cx="1709928" cy="369332"/>
+              <a:off x="5309905" y="2263611"/>
+              <a:ext cx="2472973" cy="2422986"/>
+              <a:chOff x="745763" y="456651"/>
+              <a:chExt cx="2472973" cy="2422986"/>
             </a:xfrm>
-            <a:prstGeom prst="rect">
-              <a:avLst/>
-            </a:prstGeom>
-            <a:noFill/>
-          </p:spPr>
-          <p:txBody>
-            <a:bodyPr wrap="square" rtlCol="0">
-              <a:spAutoFit/>
-            </a:bodyPr>
-            <a:lstStyle/>
-            <a:p>
-              <a:r>
-                <a:rPr lang="en-US" dirty="0" smtClean="0">
+          </p:grpSpPr>
+          <p:sp>
+            <p:nvSpPr>
+              <p:cNvPr id="4" name="Rectangle 3"/>
+              <p:cNvSpPr/>
+              <p:nvPr/>
+            </p:nvSpPr>
+            <p:spPr>
+              <a:xfrm>
+                <a:off x="1508807" y="1169460"/>
+                <a:ext cx="1709928" cy="1710177"/>
+              </a:xfrm>
+              <a:prstGeom prst="rect">
+                <a:avLst/>
+              </a:prstGeom>
+              <a:noFill/>
+              <a:ln>
+                <a:solidFill>
+                  <a:schemeClr val="tx1"/>
+                </a:solidFill>
+              </a:ln>
+              <a:effectLst/>
+            </p:spPr>
+            <p:style>
+              <a:lnRef idx="1">
+                <a:schemeClr val="accent1"/>
+              </a:lnRef>
+              <a:fillRef idx="3">
+                <a:schemeClr val="accent1"/>
+              </a:fillRef>
+              <a:effectRef idx="2">
+                <a:schemeClr val="accent1"/>
+              </a:effectRef>
+              <a:fontRef idx="minor">
+                <a:schemeClr val="lt1"/>
+              </a:fontRef>
+            </p:style>
+            <p:txBody>
+              <a:bodyPr rtlCol="0" anchor="ctr"/>
+              <a:lstStyle/>
+              <a:p>
+                <a:pPr algn="ctr"/>
+                <a:endParaRPr lang="en-US"/>
+              </a:p>
+            </p:txBody>
+          </p:sp>
+          <p:cxnSp>
+            <p:nvCxnSpPr>
+              <p:cNvPr id="6" name="Straight Connector 5"/>
+              <p:cNvCxnSpPr>
+                <a:stCxn id="4" idx="0"/>
+                <a:endCxn id="4" idx="2"/>
+              </p:cNvCxnSpPr>
+              <p:nvPr/>
+            </p:nvCxnSpPr>
+            <p:spPr>
+              <a:xfrm>
+                <a:off x="2363771" y="1169460"/>
+                <a:ext cx="0" cy="1710177"/>
+              </a:xfrm>
+              <a:prstGeom prst="line">
+                <a:avLst/>
+              </a:prstGeom>
+              <a:ln>
+                <a:solidFill>
+                  <a:schemeClr val="tx1"/>
+                </a:solidFill>
+              </a:ln>
+              <a:effectLst/>
+            </p:spPr>
+            <p:style>
+              <a:lnRef idx="2">
+                <a:schemeClr val="accent1"/>
+              </a:lnRef>
+              <a:fillRef idx="0">
+                <a:schemeClr val="accent1"/>
+              </a:fillRef>
+              <a:effectRef idx="1">
+                <a:schemeClr val="accent1"/>
+              </a:effectRef>
+              <a:fontRef idx="minor">
+                <a:schemeClr val="tx1"/>
+              </a:fontRef>
+            </p:style>
+          </p:cxnSp>
+          <p:cxnSp>
+            <p:nvCxnSpPr>
+              <p:cNvPr id="7" name="Straight Connector 6"/>
+              <p:cNvCxnSpPr>
+                <a:stCxn id="4" idx="1"/>
+                <a:endCxn id="4" idx="3"/>
+              </p:cNvCxnSpPr>
+              <p:nvPr/>
+            </p:nvCxnSpPr>
+            <p:spPr>
+              <a:xfrm>
+                <a:off x="1508807" y="2024549"/>
+                <a:ext cx="1709928" cy="0"/>
+              </a:xfrm>
+              <a:prstGeom prst="line">
+                <a:avLst/>
+              </a:prstGeom>
+              <a:ln>
+                <a:solidFill>
+                  <a:schemeClr val="tx1"/>
+                </a:solidFill>
+              </a:ln>
+              <a:effectLst/>
+            </p:spPr>
+            <p:style>
+              <a:lnRef idx="2">
+                <a:schemeClr val="accent1"/>
+              </a:lnRef>
+              <a:fillRef idx="0">
+                <a:schemeClr val="accent1"/>
+              </a:fillRef>
+              <a:effectRef idx="1">
+                <a:schemeClr val="accent1"/>
+              </a:effectRef>
+              <a:fontRef idx="minor">
+                <a:schemeClr val="tx1"/>
+              </a:fontRef>
+            </p:style>
+          </p:cxnSp>
+          <p:sp>
+            <p:nvSpPr>
+              <p:cNvPr id="12" name="TextBox 11"/>
+              <p:cNvSpPr txBox="1"/>
+              <p:nvPr/>
+            </p:nvSpPr>
+            <p:spPr>
+              <a:xfrm>
+                <a:off x="1508807" y="456651"/>
+                <a:ext cx="1709928" cy="369332"/>
+              </a:xfrm>
+              <a:prstGeom prst="rect">
+                <a:avLst/>
+              </a:prstGeom>
+              <a:noFill/>
+            </p:spPr>
+            <p:txBody>
+              <a:bodyPr wrap="square" rtlCol="0">
+                <a:spAutoFit/>
+              </a:bodyPr>
+              <a:lstStyle/>
+              <a:p>
+                <a:r>
+                  <a:rPr lang="en-US" dirty="0" smtClean="0">
+                    <a:latin typeface="Times New Roman"/>
+                    <a:cs typeface="Times New Roman"/>
+                  </a:rPr>
+                  <a:t>List 2</a:t>
+                </a:r>
+                <a:endParaRPr lang="en-US" dirty="0">
                   <a:latin typeface="Times New Roman"/>
                   <a:cs typeface="Times New Roman"/>
-                </a:rPr>
-                <a:t>Yes          No</a:t>
-              </a:r>
-              <a:endParaRPr lang="en-US" dirty="0">
-                <a:latin typeface="Times New Roman"/>
-                <a:cs typeface="Times New Roman"/>
-              </a:endParaRPr>
-            </a:p>
-          </p:txBody>
-        </p:sp>
-        <p:sp>
-          <p:nvSpPr>
-            <p:cNvPr id="16" name="TextBox 15"/>
-            <p:cNvSpPr txBox="1"/>
-            <p:nvPr/>
-          </p:nvSpPr>
-          <p:spPr>
-            <a:xfrm>
-              <a:off x="2602663" y="1405838"/>
-              <a:ext cx="414949" cy="369332"/>
-            </a:xfrm>
-            <a:prstGeom prst="rect">
-              <a:avLst/>
-            </a:prstGeom>
-            <a:noFill/>
-          </p:spPr>
-          <p:txBody>
-            <a:bodyPr wrap="square" rtlCol="0">
-              <a:spAutoFit/>
-            </a:bodyPr>
-            <a:lstStyle/>
-            <a:p>
-              <a:r>
-                <a:rPr lang="en-US" dirty="0" smtClean="0">
+                </a:endParaRPr>
+              </a:p>
+            </p:txBody>
+          </p:sp>
+          <p:sp>
+            <p:nvSpPr>
+              <p:cNvPr id="13" name="TextBox 12"/>
+              <p:cNvSpPr txBox="1"/>
+              <p:nvPr/>
+            </p:nvSpPr>
+            <p:spPr>
+              <a:xfrm rot="16200000">
+                <a:off x="75465" y="1840007"/>
+                <a:ext cx="1709928" cy="369332"/>
+              </a:xfrm>
+              <a:prstGeom prst="rect">
+                <a:avLst/>
+              </a:prstGeom>
+              <a:noFill/>
+            </p:spPr>
+            <p:txBody>
+              <a:bodyPr wrap="square" rtlCol="0">
+                <a:spAutoFit/>
+              </a:bodyPr>
+              <a:lstStyle/>
+              <a:p>
+                <a:r>
+                  <a:rPr lang="en-US" dirty="0" smtClean="0">
+                    <a:latin typeface="Times New Roman"/>
+                    <a:cs typeface="Times New Roman"/>
+                  </a:rPr>
+                  <a:t>List 1</a:t>
+                </a:r>
+                <a:endParaRPr lang="en-US" dirty="0">
                   <a:latin typeface="Times New Roman"/>
                   <a:cs typeface="Times New Roman"/>
-                </a:rPr>
-                <a:t>??</a:t>
-              </a:r>
-              <a:endParaRPr lang="en-US" dirty="0">
-                <a:latin typeface="Times New Roman"/>
-                <a:cs typeface="Times New Roman"/>
-              </a:endParaRPr>
-            </a:p>
-          </p:txBody>
-        </p:sp>
-        <p:sp>
-          <p:nvSpPr>
-            <p:cNvPr id="17" name="TextBox 16"/>
-            <p:cNvSpPr txBox="1"/>
-            <p:nvPr/>
-          </p:nvSpPr>
-          <p:spPr>
-            <a:xfrm>
-              <a:off x="2653715" y="2241005"/>
-              <a:ext cx="312845" cy="369332"/>
-            </a:xfrm>
-            <a:prstGeom prst="rect">
-              <a:avLst/>
-            </a:prstGeom>
-            <a:noFill/>
-          </p:spPr>
-          <p:txBody>
-            <a:bodyPr wrap="square" rtlCol="0">
-              <a:spAutoFit/>
-            </a:bodyPr>
-            <a:lstStyle/>
-            <a:p>
-              <a:r>
-                <a:rPr lang="en-US" dirty="0">
+                </a:endParaRPr>
+              </a:p>
+            </p:txBody>
+          </p:sp>
+          <p:sp>
+            <p:nvSpPr>
+              <p:cNvPr id="14" name="TextBox 13"/>
+              <p:cNvSpPr txBox="1"/>
+              <p:nvPr/>
+            </p:nvSpPr>
+            <p:spPr>
+              <a:xfrm rot="16200000">
+                <a:off x="469177" y="1839758"/>
+                <a:ext cx="1709928" cy="369332"/>
+              </a:xfrm>
+              <a:prstGeom prst="rect">
+                <a:avLst/>
+              </a:prstGeom>
+              <a:noFill/>
+            </p:spPr>
+            <p:txBody>
+              <a:bodyPr wrap="square" rtlCol="0">
+                <a:spAutoFit/>
+              </a:bodyPr>
+              <a:lstStyle/>
+              <a:p>
+                <a:r>
+                  <a:rPr lang="en-US" dirty="0" smtClean="0">
+                    <a:latin typeface="Times New Roman"/>
+                    <a:cs typeface="Times New Roman"/>
+                  </a:rPr>
+                  <a:t>Yes          No</a:t>
+                </a:r>
+                <a:endParaRPr lang="en-US" dirty="0">
                   <a:latin typeface="Times New Roman"/>
                   <a:cs typeface="Times New Roman"/>
-                </a:rPr>
-                <a:t>1</a:t>
-              </a:r>
-            </a:p>
-          </p:txBody>
-        </p:sp>
-        <p:sp>
-          <p:nvSpPr>
-            <p:cNvPr id="18" name="TextBox 17"/>
-            <p:cNvSpPr txBox="1"/>
-            <p:nvPr/>
-          </p:nvSpPr>
-          <p:spPr>
-            <a:xfrm>
-              <a:off x="1788427" y="2241005"/>
-              <a:ext cx="312845" cy="369332"/>
-            </a:xfrm>
-            <a:prstGeom prst="rect">
-              <a:avLst/>
-            </a:prstGeom>
-            <a:noFill/>
-          </p:spPr>
-          <p:txBody>
-            <a:bodyPr wrap="square" rtlCol="0">
-              <a:spAutoFit/>
-            </a:bodyPr>
-            <a:lstStyle/>
-            <a:p>
-              <a:r>
-                <a:rPr lang="en-US" dirty="0">
+                </a:endParaRPr>
+              </a:p>
+            </p:txBody>
+          </p:sp>
+          <p:sp>
+            <p:nvSpPr>
+              <p:cNvPr id="15" name="TextBox 14"/>
+              <p:cNvSpPr txBox="1"/>
+              <p:nvPr/>
+            </p:nvSpPr>
+            <p:spPr>
+              <a:xfrm>
+                <a:off x="1508808" y="813409"/>
+                <a:ext cx="1709928" cy="369332"/>
+              </a:xfrm>
+              <a:prstGeom prst="rect">
+                <a:avLst/>
+              </a:prstGeom>
+              <a:noFill/>
+            </p:spPr>
+            <p:txBody>
+              <a:bodyPr wrap="square" rtlCol="0">
+                <a:spAutoFit/>
+              </a:bodyPr>
+              <a:lstStyle/>
+              <a:p>
+                <a:r>
+                  <a:rPr lang="en-US" dirty="0" smtClean="0">
+                    <a:latin typeface="Times New Roman"/>
+                    <a:cs typeface="Times New Roman"/>
+                  </a:rPr>
+                  <a:t>Yes          No</a:t>
+                </a:r>
+                <a:endParaRPr lang="en-US" dirty="0">
                   <a:latin typeface="Times New Roman"/>
                   <a:cs typeface="Times New Roman"/>
-                </a:rPr>
-                <a:t>1</a:t>
-              </a:r>
-            </a:p>
-          </p:txBody>
-        </p:sp>
-        <p:sp>
-          <p:nvSpPr>
-            <p:cNvPr id="19" name="TextBox 18"/>
-            <p:cNvSpPr txBox="1"/>
-            <p:nvPr/>
-          </p:nvSpPr>
-          <p:spPr>
-            <a:xfrm>
-              <a:off x="1788427" y="1405838"/>
-              <a:ext cx="312845" cy="369332"/>
-            </a:xfrm>
-            <a:prstGeom prst="rect">
-              <a:avLst/>
-            </a:prstGeom>
-            <a:noFill/>
-          </p:spPr>
-          <p:txBody>
-            <a:bodyPr wrap="square" rtlCol="0">
-              <a:spAutoFit/>
-            </a:bodyPr>
-            <a:lstStyle/>
-            <a:p>
-              <a:r>
-                <a:rPr lang="en-US" dirty="0">
+                </a:endParaRPr>
+              </a:p>
+            </p:txBody>
+          </p:sp>
+          <p:sp>
+            <p:nvSpPr>
+              <p:cNvPr id="16" name="TextBox 15"/>
+              <p:cNvSpPr txBox="1"/>
+              <p:nvPr/>
+            </p:nvSpPr>
+            <p:spPr>
+              <a:xfrm>
+                <a:off x="2602663" y="1405838"/>
+                <a:ext cx="414949" cy="369332"/>
+              </a:xfrm>
+              <a:prstGeom prst="rect">
+                <a:avLst/>
+              </a:prstGeom>
+              <a:noFill/>
+            </p:spPr>
+            <p:txBody>
+              <a:bodyPr wrap="square" rtlCol="0">
+                <a:spAutoFit/>
+              </a:bodyPr>
+              <a:lstStyle/>
+              <a:p>
+                <a:r>
+                  <a:rPr lang="en-US" dirty="0" smtClean="0">
+                    <a:latin typeface="Times New Roman"/>
+                    <a:cs typeface="Times New Roman"/>
+                  </a:rPr>
+                  <a:t>??</a:t>
+                </a:r>
+                <a:endParaRPr lang="en-US" dirty="0">
                   <a:latin typeface="Times New Roman"/>
                   <a:cs typeface="Times New Roman"/>
-                </a:rPr>
-                <a:t>1</a:t>
-              </a:r>
-            </a:p>
-          </p:txBody>
-        </p:sp>
+                </a:endParaRPr>
+              </a:p>
+            </p:txBody>
+          </p:sp>
+          <p:sp>
+            <p:nvSpPr>
+              <p:cNvPr id="17" name="TextBox 16"/>
+              <p:cNvSpPr txBox="1"/>
+              <p:nvPr/>
+            </p:nvSpPr>
+            <p:spPr>
+              <a:xfrm>
+                <a:off x="2653715" y="2241005"/>
+                <a:ext cx="312845" cy="369332"/>
+              </a:xfrm>
+              <a:prstGeom prst="rect">
+                <a:avLst/>
+              </a:prstGeom>
+              <a:noFill/>
+            </p:spPr>
+            <p:txBody>
+              <a:bodyPr wrap="square" rtlCol="0">
+                <a:spAutoFit/>
+              </a:bodyPr>
+              <a:lstStyle/>
+              <a:p>
+                <a:r>
+                  <a:rPr lang="en-US" dirty="0">
+                    <a:latin typeface="Times New Roman"/>
+                    <a:cs typeface="Times New Roman"/>
+                  </a:rPr>
+                  <a:t>1</a:t>
+                </a:r>
+              </a:p>
+            </p:txBody>
+          </p:sp>
+          <p:sp>
+            <p:nvSpPr>
+              <p:cNvPr id="18" name="TextBox 17"/>
+              <p:cNvSpPr txBox="1"/>
+              <p:nvPr/>
+            </p:nvSpPr>
+            <p:spPr>
+              <a:xfrm>
+                <a:off x="1788427" y="2241005"/>
+                <a:ext cx="312845" cy="369332"/>
+              </a:xfrm>
+              <a:prstGeom prst="rect">
+                <a:avLst/>
+              </a:prstGeom>
+              <a:noFill/>
+            </p:spPr>
+            <p:txBody>
+              <a:bodyPr wrap="square" rtlCol="0">
+                <a:spAutoFit/>
+              </a:bodyPr>
+              <a:lstStyle/>
+              <a:p>
+                <a:r>
+                  <a:rPr lang="en-US" dirty="0">
+                    <a:latin typeface="Times New Roman"/>
+                    <a:cs typeface="Times New Roman"/>
+                  </a:rPr>
+                  <a:t>1</a:t>
+                </a:r>
+              </a:p>
+            </p:txBody>
+          </p:sp>
+          <p:sp>
+            <p:nvSpPr>
+              <p:cNvPr id="19" name="TextBox 18"/>
+              <p:cNvSpPr txBox="1"/>
+              <p:nvPr/>
+            </p:nvSpPr>
+            <p:spPr>
+              <a:xfrm>
+                <a:off x="1788427" y="1405838"/>
+                <a:ext cx="312845" cy="369332"/>
+              </a:xfrm>
+              <a:prstGeom prst="rect">
+                <a:avLst/>
+              </a:prstGeom>
+              <a:noFill/>
+            </p:spPr>
+            <p:txBody>
+              <a:bodyPr wrap="square" rtlCol="0">
+                <a:spAutoFit/>
+              </a:bodyPr>
+              <a:lstStyle/>
+              <a:p>
+                <a:r>
+                  <a:rPr lang="en-US" dirty="0">
+                    <a:latin typeface="Times New Roman"/>
+                    <a:cs typeface="Times New Roman"/>
+                  </a:rPr>
+                  <a:t>1</a:t>
+                </a:r>
+              </a:p>
+            </p:txBody>
+          </p:sp>
+        </p:grpSp>
       </p:grpSp>
+      <p:pic>
+        <p:nvPicPr>
+          <p:cNvPr id="26" name="Picture 25" descr="example_for_rl_crc.png"/>
+          <p:cNvPicPr>
+            <a:picLocks noChangeAspect="1"/>
+          </p:cNvPicPr>
+          <p:nvPr/>
+        </p:nvPicPr>
+        <p:blipFill>
+          <a:blip r:embed="rId2">
+            <a:extLst>
+              <a:ext uri="{28A0092B-C50C-407E-A947-70E740481C1C}">
+                <a14:useLocalDpi xmlns:a14="http://schemas.microsoft.com/office/drawing/2010/main" val="0"/>
+              </a:ext>
+            </a:extLst>
+          </a:blip>
+          <a:stretch>
+            <a:fillRect/>
+          </a:stretch>
+        </p:blipFill>
+        <p:spPr>
+          <a:xfrm>
+            <a:off x="497536" y="2434851"/>
+            <a:ext cx="3680533" cy="2294558"/>
+          </a:xfrm>
+          <a:prstGeom prst="rect">
+            <a:avLst/>
+          </a:prstGeom>
+        </p:spPr>
+      </p:pic>
+      <p:sp>
+        <p:nvSpPr>
+          <p:cNvPr id="29" name="Rectangle 28"/>
+          <p:cNvSpPr/>
+          <p:nvPr/>
+        </p:nvSpPr>
+        <p:spPr>
+          <a:xfrm>
+            <a:off x="543169" y="2801815"/>
+            <a:ext cx="3591169" cy="1215293"/>
+          </a:xfrm>
+          <a:prstGeom prst="rect">
+            <a:avLst/>
+          </a:prstGeom>
+          <a:noFill/>
+          <a:ln w="38100" cmpd="sng">
+            <a:solidFill>
+              <a:schemeClr val="accent4"/>
+            </a:solidFill>
+          </a:ln>
+          <a:effectLst/>
+        </p:spPr>
+        <p:style>
+          <a:lnRef idx="1">
+            <a:schemeClr val="accent1"/>
+          </a:lnRef>
+          <a:fillRef idx="3">
+            <a:schemeClr val="accent1"/>
+          </a:fillRef>
+          <a:effectRef idx="2">
+            <a:schemeClr val="accent1"/>
+          </a:effectRef>
+          <a:fontRef idx="minor">
+            <a:schemeClr val="lt1"/>
+          </a:fontRef>
+        </p:style>
+        <p:txBody>
+          <a:bodyPr rtlCol="0" anchor="ctr"/>
+          <a:lstStyle/>
+          <a:p>
+            <a:pPr algn="ctr"/>
+            <a:endParaRPr lang="en-US"/>
+          </a:p>
+        </p:txBody>
+      </p:sp>
+      <p:sp>
+        <p:nvSpPr>
+          <p:cNvPr id="30" name="Rectangle 29"/>
+          <p:cNvSpPr/>
+          <p:nvPr/>
+        </p:nvSpPr>
+        <p:spPr>
+          <a:xfrm>
+            <a:off x="543169" y="4047965"/>
+            <a:ext cx="3591169" cy="305205"/>
+          </a:xfrm>
+          <a:prstGeom prst="rect">
+            <a:avLst/>
+          </a:prstGeom>
+          <a:noFill/>
+          <a:ln w="38100" cmpd="sng">
+            <a:solidFill>
+              <a:schemeClr val="accent1"/>
+            </a:solidFill>
+          </a:ln>
+          <a:effectLst/>
+        </p:spPr>
+        <p:style>
+          <a:lnRef idx="1">
+            <a:schemeClr val="accent1"/>
+          </a:lnRef>
+          <a:fillRef idx="3">
+            <a:schemeClr val="accent1"/>
+          </a:fillRef>
+          <a:effectRef idx="2">
+            <a:schemeClr val="accent1"/>
+          </a:effectRef>
+          <a:fontRef idx="minor">
+            <a:schemeClr val="lt1"/>
+          </a:fontRef>
+        </p:style>
+        <p:txBody>
+          <a:bodyPr rtlCol="0" anchor="ctr"/>
+          <a:lstStyle/>
+          <a:p>
+            <a:pPr algn="ctr"/>
+            <a:endParaRPr lang="en-US"/>
+          </a:p>
+        </p:txBody>
+      </p:sp>
+      <p:sp>
+        <p:nvSpPr>
+          <p:cNvPr id="31" name="Rectangle 30"/>
+          <p:cNvSpPr/>
+          <p:nvPr/>
+        </p:nvSpPr>
+        <p:spPr>
+          <a:xfrm>
+            <a:off x="543169" y="4384895"/>
+            <a:ext cx="3591169" cy="305205"/>
+          </a:xfrm>
+          <a:prstGeom prst="rect">
+            <a:avLst/>
+          </a:prstGeom>
+          <a:noFill/>
+          <a:ln w="38100" cmpd="sng">
+            <a:solidFill>
+              <a:schemeClr val="accent2"/>
+            </a:solidFill>
+          </a:ln>
+          <a:effectLst/>
+        </p:spPr>
+        <p:style>
+          <a:lnRef idx="1">
+            <a:schemeClr val="accent1"/>
+          </a:lnRef>
+          <a:fillRef idx="3">
+            <a:schemeClr val="accent1"/>
+          </a:fillRef>
+          <a:effectRef idx="2">
+            <a:schemeClr val="accent1"/>
+          </a:effectRef>
+          <a:fontRef idx="minor">
+            <a:schemeClr val="lt1"/>
+          </a:fontRef>
+        </p:style>
+        <p:txBody>
+          <a:bodyPr rtlCol="0" anchor="ctr"/>
+          <a:lstStyle/>
+          <a:p>
+            <a:pPr algn="ctr"/>
+            <a:endParaRPr lang="en-US"/>
+          </a:p>
+        </p:txBody>
+      </p:sp>
+      <p:cxnSp>
+        <p:nvCxnSpPr>
+          <p:cNvPr id="39" name="Straight Arrow Connector 38"/>
+          <p:cNvCxnSpPr>
+            <a:stCxn id="30" idx="3"/>
+            <a:endCxn id="22" idx="1"/>
+          </p:cNvCxnSpPr>
+          <p:nvPr/>
+        </p:nvCxnSpPr>
+        <p:spPr>
+          <a:xfrm flipV="1">
+            <a:off x="4134338" y="3404213"/>
+            <a:ext cx="1938611" cy="796355"/>
+          </a:xfrm>
+          <a:prstGeom prst="straightConnector1">
+            <a:avLst/>
+          </a:prstGeom>
+          <a:ln>
+            <a:solidFill>
+              <a:schemeClr val="accent1"/>
+            </a:solidFill>
+            <a:prstDash val="sysDash"/>
+            <a:headEnd type="none"/>
+            <a:tailEnd type="triangle" w="lg" len="lg"/>
+          </a:ln>
+          <a:effectLst/>
+        </p:spPr>
+        <p:style>
+          <a:lnRef idx="2">
+            <a:schemeClr val="accent1"/>
+          </a:lnRef>
+          <a:fillRef idx="0">
+            <a:schemeClr val="accent1"/>
+          </a:fillRef>
+          <a:effectRef idx="1">
+            <a:schemeClr val="accent1"/>
+          </a:effectRef>
+          <a:fontRef idx="minor">
+            <a:schemeClr val="tx1"/>
+          </a:fontRef>
+        </p:style>
+      </p:cxnSp>
+      <p:cxnSp>
+        <p:nvCxnSpPr>
+          <p:cNvPr id="46" name="Curved Connector 45"/>
+          <p:cNvCxnSpPr>
+            <a:endCxn id="24" idx="2"/>
+          </p:cNvCxnSpPr>
+          <p:nvPr/>
+        </p:nvCxnSpPr>
+        <p:spPr>
+          <a:xfrm>
+            <a:off x="4134338" y="4686348"/>
+            <a:ext cx="3221057" cy="12700"/>
+          </a:xfrm>
+          <a:prstGeom prst="curvedConnector4">
+            <a:avLst>
+              <a:gd name="adj1" fmla="val -239"/>
+              <a:gd name="adj2" fmla="val 2028890"/>
+            </a:avLst>
+          </a:prstGeom>
+          <a:ln>
+            <a:solidFill>
+              <a:schemeClr val="accent2"/>
+            </a:solidFill>
+            <a:prstDash val="sysDash"/>
+            <a:headEnd type="none"/>
+            <a:tailEnd type="triangle" w="lg" len="lg"/>
+          </a:ln>
+          <a:effectLst/>
+        </p:spPr>
+        <p:style>
+          <a:lnRef idx="2">
+            <a:schemeClr val="accent1"/>
+          </a:lnRef>
+          <a:fillRef idx="0">
+            <a:schemeClr val="accent1"/>
+          </a:fillRef>
+          <a:effectRef idx="1">
+            <a:schemeClr val="accent1"/>
+          </a:effectRef>
+          <a:fontRef idx="minor">
+            <a:schemeClr val="tx1"/>
+          </a:fontRef>
+        </p:style>
+      </p:cxnSp>
     </p:spTree>
     <p:extLst>
       <p:ext uri="{BB962C8B-B14F-4D97-AF65-F5344CB8AC3E}">

--- a/slides/figure/make_figs.pptx
+++ b/slides/figure/make_figs.pptx
@@ -7,6 +7,7 @@
   <p:sldIdLst>
     <p:sldId id="256" r:id="rId2"/>
     <p:sldId id="257" r:id="rId3"/>
+    <p:sldId id="258" r:id="rId4"/>
   </p:sldIdLst>
   <p:sldSz cx="9144000" cy="6858000" type="screen4x3"/>
   <p:notesSz cx="6858000" cy="9144000"/>
@@ -3602,48 +3603,6 @@
           <a:chExt cx="0" cy="0"/>
         </a:xfrm>
       </p:grpSpPr>
-      <p:cxnSp>
-        <p:nvCxnSpPr>
-          <p:cNvPr id="37" name="Straight Arrow Connector 36"/>
-          <p:cNvCxnSpPr>
-            <a:stCxn id="29" idx="3"/>
-            <a:endCxn id="23" idx="1"/>
-          </p:cNvCxnSpPr>
-          <p:nvPr/>
-        </p:nvCxnSpPr>
-        <p:spPr>
-          <a:xfrm>
-            <a:off x="4134338" y="3409462"/>
-            <a:ext cx="1938612" cy="849341"/>
-          </a:xfrm>
-          <a:prstGeom prst="straightConnector1">
-            <a:avLst/>
-          </a:prstGeom>
-          <a:ln>
-            <a:solidFill>
-              <a:schemeClr val="accent4"/>
-            </a:solidFill>
-            <a:prstDash val="sysDash"/>
-            <a:headEnd type="none"/>
-            <a:tailEnd type="triangle" w="lg" len="lg"/>
-          </a:ln>
-          <a:effectLst/>
-        </p:spPr>
-        <p:style>
-          <a:lnRef idx="2">
-            <a:schemeClr val="accent1"/>
-          </a:lnRef>
-          <a:fillRef idx="0">
-            <a:schemeClr val="accent1"/>
-          </a:fillRef>
-          <a:effectRef idx="1">
-            <a:schemeClr val="accent1"/>
-          </a:effectRef>
-          <a:fontRef idx="minor">
-            <a:schemeClr val="tx1"/>
-          </a:fontRef>
-        </p:style>
-      </p:cxnSp>
       <p:grpSp>
         <p:nvGrpSpPr>
           <p:cNvPr id="25" name="Group 24"/>
@@ -3652,7 +3611,7 @@
         </p:nvGrpSpPr>
         <p:grpSpPr>
           <a:xfrm>
-            <a:off x="5309905" y="2263611"/>
+            <a:off x="7336879" y="2051053"/>
             <a:ext cx="2472973" cy="2422986"/>
             <a:chOff x="5309905" y="2263611"/>
             <a:chExt cx="2472973" cy="2422986"/>
@@ -4275,7 +4234,7 @@
         </p:blipFill>
         <p:spPr>
           <a:xfrm>
-            <a:off x="497536" y="2434851"/>
+            <a:off x="-819459" y="2465708"/>
             <a:ext cx="3680533" cy="2294558"/>
           </a:xfrm>
           <a:prstGeom prst="rect">
@@ -4291,7 +4250,7 @@
         </p:nvSpPr>
         <p:spPr>
           <a:xfrm>
-            <a:off x="543169" y="2801815"/>
+            <a:off x="-773826" y="2832672"/>
             <a:ext cx="3591169" cy="1215293"/>
           </a:xfrm>
           <a:prstGeom prst="rect">
@@ -4336,7 +4295,7 @@
         </p:nvSpPr>
         <p:spPr>
           <a:xfrm>
-            <a:off x="543169" y="4047965"/>
+            <a:off x="-773826" y="4078822"/>
             <a:ext cx="3591169" cy="305205"/>
           </a:xfrm>
           <a:prstGeom prst="rect">
@@ -4381,7 +4340,7 @@
         </p:nvSpPr>
         <p:spPr>
           <a:xfrm>
-            <a:off x="543169" y="4384895"/>
+            <a:off x="-773826" y="4415752"/>
             <a:ext cx="3591169" cy="305205"/>
           </a:xfrm>
           <a:prstGeom prst="rect">
@@ -4418,29 +4377,341 @@
           </a:p>
         </p:txBody>
       </p:sp>
+      <p:sp>
+        <p:nvSpPr>
+          <p:cNvPr id="61" name="TextBox 60"/>
+          <p:cNvSpPr txBox="1"/>
+          <p:nvPr/>
+        </p:nvSpPr>
+        <p:spPr>
+          <a:xfrm>
+            <a:off x="4115610" y="3425646"/>
+            <a:ext cx="2093081" cy="369332"/>
+          </a:xfrm>
+          <a:prstGeom prst="rect">
+            <a:avLst/>
+          </a:prstGeom>
+          <a:noFill/>
+        </p:spPr>
+        <p:txBody>
+          <a:bodyPr wrap="square" rtlCol="0">
+            <a:spAutoFit/>
+          </a:bodyPr>
+          <a:lstStyle/>
+          <a:p>
+            <a:r>
+              <a:rPr lang="el-GR" b="1" dirty="0" smtClean="0">
+                <a:latin typeface="Times New Roman"/>
+                <a:cs typeface="Times New Roman"/>
+              </a:rPr>
+              <a:t>Λ</a:t>
+            </a:r>
+            <a:r>
+              <a:rPr lang="en-US" b="1" dirty="0" smtClean="0">
+                <a:latin typeface="Times New Roman"/>
+                <a:cs typeface="Times New Roman"/>
+              </a:rPr>
+              <a:t> = {</a:t>
+            </a:r>
+            <a:r>
+              <a:rPr lang="en-US" b="1" dirty="0" smtClean="0">
+                <a:solidFill>
+                  <a:schemeClr val="accent4"/>
+                </a:solidFill>
+                <a:latin typeface="Times New Roman"/>
+                <a:cs typeface="Times New Roman"/>
+              </a:rPr>
+              <a:t>1</a:t>
+            </a:r>
+            <a:r>
+              <a:rPr lang="en-US" b="1" dirty="0" smtClean="0">
+                <a:latin typeface="Times New Roman"/>
+                <a:cs typeface="Times New Roman"/>
+              </a:rPr>
+              <a:t>,</a:t>
+            </a:r>
+            <a:r>
+              <a:rPr lang="en-US" b="1" dirty="0" smtClean="0">
+                <a:solidFill>
+                  <a:schemeClr val="accent4"/>
+                </a:solidFill>
+                <a:latin typeface="Times New Roman"/>
+                <a:cs typeface="Times New Roman"/>
+              </a:rPr>
+              <a:t> 1</a:t>
+            </a:r>
+            <a:r>
+              <a:rPr lang="en-US" b="1" dirty="0" smtClean="0">
+                <a:solidFill>
+                  <a:srgbClr val="000000"/>
+                </a:solidFill>
+                <a:latin typeface="Times New Roman"/>
+                <a:cs typeface="Times New Roman"/>
+              </a:rPr>
+              <a:t>,</a:t>
+            </a:r>
+            <a:r>
+              <a:rPr lang="en-US" b="1" dirty="0" smtClean="0">
+                <a:solidFill>
+                  <a:schemeClr val="accent4"/>
+                </a:solidFill>
+                <a:latin typeface="Times New Roman"/>
+                <a:cs typeface="Times New Roman"/>
+              </a:rPr>
+              <a:t> 1</a:t>
+            </a:r>
+            <a:r>
+              <a:rPr lang="en-US" b="1" dirty="0" smtClean="0">
+                <a:solidFill>
+                  <a:srgbClr val="000000"/>
+                </a:solidFill>
+                <a:latin typeface="Times New Roman"/>
+                <a:cs typeface="Times New Roman"/>
+              </a:rPr>
+              <a:t>,</a:t>
+            </a:r>
+            <a:r>
+              <a:rPr lang="en-US" b="1" dirty="0" smtClean="0">
+                <a:solidFill>
+                  <a:schemeClr val="accent4"/>
+                </a:solidFill>
+                <a:latin typeface="Times New Roman"/>
+                <a:cs typeface="Times New Roman"/>
+              </a:rPr>
+              <a:t> 1</a:t>
+            </a:r>
+            <a:r>
+              <a:rPr lang="en-US" b="1" dirty="0" smtClean="0">
+                <a:latin typeface="Times New Roman"/>
+                <a:cs typeface="Times New Roman"/>
+              </a:rPr>
+              <a:t>, </a:t>
+            </a:r>
+            <a:r>
+              <a:rPr lang="en-US" b="1" dirty="0" smtClean="0">
+                <a:solidFill>
+                  <a:schemeClr val="accent1"/>
+                </a:solidFill>
+                <a:latin typeface="Times New Roman"/>
+                <a:cs typeface="Times New Roman"/>
+              </a:rPr>
+              <a:t>5</a:t>
+            </a:r>
+            <a:r>
+              <a:rPr lang="en-US" b="1" dirty="0" smtClean="0">
+                <a:latin typeface="Times New Roman"/>
+                <a:cs typeface="Times New Roman"/>
+              </a:rPr>
+              <a:t>, </a:t>
+            </a:r>
+            <a:r>
+              <a:rPr lang="en-US" b="1" dirty="0" smtClean="0">
+                <a:solidFill>
+                  <a:schemeClr val="accent2"/>
+                </a:solidFill>
+                <a:latin typeface="Times New Roman"/>
+                <a:cs typeface="Times New Roman"/>
+              </a:rPr>
+              <a:t>6</a:t>
+            </a:r>
+            <a:r>
+              <a:rPr lang="en-US" b="1" dirty="0" smtClean="0">
+                <a:latin typeface="Times New Roman"/>
+                <a:cs typeface="Times New Roman"/>
+              </a:rPr>
+              <a:t>}</a:t>
+            </a:r>
+            <a:endParaRPr lang="en-US" b="1" dirty="0">
+              <a:latin typeface="Times New Roman"/>
+              <a:cs typeface="Times New Roman"/>
+            </a:endParaRPr>
+          </a:p>
+        </p:txBody>
+      </p:sp>
+      <p:sp>
+        <p:nvSpPr>
+          <p:cNvPr id="62" name="Oval 61"/>
+          <p:cNvSpPr/>
+          <p:nvPr/>
+        </p:nvSpPr>
+        <p:spPr>
+          <a:xfrm>
+            <a:off x="3786359" y="2234600"/>
+            <a:ext cx="2681025" cy="2255249"/>
+          </a:xfrm>
+          <a:prstGeom prst="ellipse">
+            <a:avLst/>
+          </a:prstGeom>
+          <a:noFill/>
+          <a:ln>
+            <a:solidFill>
+              <a:schemeClr val="tx1"/>
+            </a:solidFill>
+          </a:ln>
+          <a:effectLst/>
+        </p:spPr>
+        <p:style>
+          <a:lnRef idx="1">
+            <a:schemeClr val="accent1"/>
+          </a:lnRef>
+          <a:fillRef idx="3">
+            <a:schemeClr val="accent1"/>
+          </a:fillRef>
+          <a:effectRef idx="2">
+            <a:schemeClr val="accent1"/>
+          </a:effectRef>
+          <a:fontRef idx="minor">
+            <a:schemeClr val="lt1"/>
+          </a:fontRef>
+        </p:style>
+        <p:txBody>
+          <a:bodyPr rtlCol="0" anchor="ctr"/>
+          <a:lstStyle/>
+          <a:p>
+            <a:pPr algn="ctr"/>
+            <a:endParaRPr lang="en-US"/>
+          </a:p>
+        </p:txBody>
+      </p:sp>
+      <p:sp>
+        <p:nvSpPr>
+          <p:cNvPr id="63" name="TextBox 62"/>
+          <p:cNvSpPr txBox="1"/>
+          <p:nvPr/>
+        </p:nvSpPr>
+        <p:spPr>
+          <a:xfrm>
+            <a:off x="4350791" y="2333245"/>
+            <a:ext cx="1669760" cy="369332"/>
+          </a:xfrm>
+          <a:prstGeom prst="rect">
+            <a:avLst/>
+          </a:prstGeom>
+          <a:noFill/>
+        </p:spPr>
+        <p:txBody>
+          <a:bodyPr wrap="square" rtlCol="0">
+            <a:spAutoFit/>
+          </a:bodyPr>
+          <a:lstStyle/>
+          <a:p>
+            <a:r>
+              <a:rPr lang="en-US" dirty="0" smtClean="0">
+                <a:latin typeface="Times New Roman"/>
+                <a:cs typeface="Times New Roman"/>
+              </a:rPr>
+              <a:t>Record linkage</a:t>
+            </a:r>
+            <a:endParaRPr lang="en-US" dirty="0">
+              <a:latin typeface="Times New Roman"/>
+              <a:cs typeface="Times New Roman"/>
+            </a:endParaRPr>
+          </a:p>
+        </p:txBody>
+      </p:sp>
+      <p:sp>
+        <p:nvSpPr>
+          <p:cNvPr id="64" name="Oval 63"/>
+          <p:cNvSpPr/>
+          <p:nvPr/>
+        </p:nvSpPr>
+        <p:spPr>
+          <a:xfrm rot="2526329">
+            <a:off x="9126894" y="1893261"/>
+            <a:ext cx="1265223" cy="1800442"/>
+          </a:xfrm>
+          <a:prstGeom prst="ellipse">
+            <a:avLst/>
+          </a:prstGeom>
+          <a:noFill/>
+          <a:ln>
+            <a:solidFill>
+              <a:srgbClr val="000000"/>
+            </a:solidFill>
+          </a:ln>
+          <a:effectLst/>
+        </p:spPr>
+        <p:style>
+          <a:lnRef idx="1">
+            <a:schemeClr val="accent1"/>
+          </a:lnRef>
+          <a:fillRef idx="3">
+            <a:schemeClr val="accent1"/>
+          </a:fillRef>
+          <a:effectRef idx="2">
+            <a:schemeClr val="accent1"/>
+          </a:effectRef>
+          <a:fontRef idx="minor">
+            <a:schemeClr val="lt1"/>
+          </a:fontRef>
+        </p:style>
+        <p:txBody>
+          <a:bodyPr rtlCol="0" anchor="ctr"/>
+          <a:lstStyle/>
+          <a:p>
+            <a:pPr algn="ctr"/>
+            <a:endParaRPr lang="en-US"/>
+          </a:p>
+        </p:txBody>
+      </p:sp>
+      <p:sp>
+        <p:nvSpPr>
+          <p:cNvPr id="65" name="TextBox 64"/>
+          <p:cNvSpPr txBox="1"/>
+          <p:nvPr/>
+        </p:nvSpPr>
+        <p:spPr>
+          <a:xfrm>
+            <a:off x="9809852" y="2114045"/>
+            <a:ext cx="775016" cy="369332"/>
+          </a:xfrm>
+          <a:prstGeom prst="rect">
+            <a:avLst/>
+          </a:prstGeom>
+          <a:noFill/>
+        </p:spPr>
+        <p:txBody>
+          <a:bodyPr wrap="square" rtlCol="0">
+            <a:spAutoFit/>
+          </a:bodyPr>
+          <a:lstStyle/>
+          <a:p>
+            <a:r>
+              <a:rPr lang="en-US" dirty="0" smtClean="0">
+                <a:latin typeface="Times New Roman"/>
+                <a:cs typeface="Times New Roman"/>
+              </a:rPr>
+              <a:t>CRC</a:t>
+            </a:r>
+            <a:endParaRPr lang="en-US" dirty="0">
+              <a:latin typeface="Times New Roman"/>
+              <a:cs typeface="Times New Roman"/>
+            </a:endParaRPr>
+          </a:p>
+        </p:txBody>
+      </p:sp>
       <p:cxnSp>
         <p:nvCxnSpPr>
-          <p:cNvPr id="39" name="Straight Arrow Connector 38"/>
+          <p:cNvPr id="67" name="Straight Arrow Connector 66"/>
           <p:cNvCxnSpPr>
-            <a:stCxn id="30" idx="3"/>
-            <a:endCxn id="22" idx="1"/>
+            <a:stCxn id="26" idx="3"/>
+            <a:endCxn id="61" idx="1"/>
           </p:cNvCxnSpPr>
           <p:nvPr/>
         </p:nvCxnSpPr>
         <p:spPr>
           <a:xfrm flipV="1">
-            <a:off x="4134338" y="3404213"/>
-            <a:ext cx="1938611" cy="796355"/>
+            <a:off x="2861074" y="3610312"/>
+            <a:ext cx="1254536" cy="2675"/>
           </a:xfrm>
           <a:prstGeom prst="straightConnector1">
             <a:avLst/>
           </a:prstGeom>
           <a:ln>
             <a:solidFill>
-              <a:schemeClr val="accent1"/>
+              <a:schemeClr val="tx1"/>
             </a:solidFill>
             <a:prstDash val="sysDash"/>
-            <a:headEnd type="none"/>
             <a:tailEnd type="triangle" w="lg" len="lg"/>
           </a:ln>
           <a:effectLst/>
@@ -4462,29 +4733,26 @@
       </p:cxnSp>
       <p:cxnSp>
         <p:nvCxnSpPr>
-          <p:cNvPr id="46" name="Curved Connector 45"/>
+          <p:cNvPr id="68" name="Straight Arrow Connector 67"/>
           <p:cNvCxnSpPr>
-            <a:endCxn id="24" idx="2"/>
+            <a:stCxn id="61" idx="3"/>
+            <a:endCxn id="13" idx="2"/>
           </p:cNvCxnSpPr>
           <p:nvPr/>
         </p:nvCxnSpPr>
         <p:spPr>
           <a:xfrm>
-            <a:off x="4134338" y="4686348"/>
-            <a:ext cx="3221057" cy="12700"/>
-          </a:xfrm>
-          <a:prstGeom prst="curvedConnector4">
-            <a:avLst>
-              <a:gd name="adj1" fmla="val -239"/>
-              <a:gd name="adj2" fmla="val 2028890"/>
-            </a:avLst>
+            <a:off x="6208691" y="3610312"/>
+            <a:ext cx="1497520" cy="8763"/>
+          </a:xfrm>
+          <a:prstGeom prst="straightConnector1">
+            <a:avLst/>
           </a:prstGeom>
           <a:ln>
             <a:solidFill>
-              <a:schemeClr val="accent2"/>
+              <a:schemeClr val="tx1"/>
             </a:solidFill>
             <a:prstDash val="sysDash"/>
-            <a:headEnd type="none"/>
             <a:tailEnd type="triangle" w="lg" len="lg"/>
           </a:ln>
           <a:effectLst/>
@@ -4508,6 +4776,1814 @@
     <p:extLst>
       <p:ext uri="{BB962C8B-B14F-4D97-AF65-F5344CB8AC3E}">
         <p14:creationId xmlns:p14="http://schemas.microsoft.com/office/powerpoint/2010/main" val="371076469"/>
+      </p:ext>
+    </p:extLst>
+  </p:cSld>
+  <p:clrMapOvr>
+    <a:masterClrMapping/>
+  </p:clrMapOvr>
+</p:sld>
+</file>
+
+<file path=ppt/slides/slide3.xml><?xml version="1.0" encoding="utf-8"?>
+<p:sld xmlns:a="http://schemas.openxmlformats.org/drawingml/2006/main" xmlns:r="http://schemas.openxmlformats.org/officeDocument/2006/relationships" xmlns:p="http://schemas.openxmlformats.org/presentationml/2006/main">
+  <p:cSld>
+    <p:spTree>
+      <p:nvGrpSpPr>
+        <p:cNvPr id="1" name=""/>
+        <p:cNvGrpSpPr/>
+        <p:nvPr/>
+      </p:nvGrpSpPr>
+      <p:grpSpPr>
+        <a:xfrm>
+          <a:off x="0" y="0"/>
+          <a:ext cx="0" cy="0"/>
+          <a:chOff x="0" y="0"/>
+          <a:chExt cx="0" cy="0"/>
+        </a:xfrm>
+      </p:grpSpPr>
+      <p:sp>
+        <p:nvSpPr>
+          <p:cNvPr id="27" name="Oval 26"/>
+          <p:cNvSpPr/>
+          <p:nvPr/>
+        </p:nvSpPr>
+        <p:spPr>
+          <a:xfrm>
+            <a:off x="823122" y="2148443"/>
+            <a:ext cx="1605927" cy="2072769"/>
+          </a:xfrm>
+          <a:prstGeom prst="ellipse">
+            <a:avLst/>
+          </a:prstGeom>
+          <a:solidFill>
+            <a:schemeClr val="accent2">
+              <a:alpha val="18000"/>
+            </a:schemeClr>
+          </a:solidFill>
+          <a:ln>
+            <a:noFill/>
+          </a:ln>
+        </p:spPr>
+        <p:style>
+          <a:lnRef idx="1">
+            <a:schemeClr val="accent1"/>
+          </a:lnRef>
+          <a:fillRef idx="3">
+            <a:schemeClr val="accent1"/>
+          </a:fillRef>
+          <a:effectRef idx="2">
+            <a:schemeClr val="accent1"/>
+          </a:effectRef>
+          <a:fontRef idx="minor">
+            <a:schemeClr val="lt1"/>
+          </a:fontRef>
+        </p:style>
+        <p:txBody>
+          <a:bodyPr rtlCol="0" anchor="ctr"/>
+          <a:lstStyle/>
+          <a:p>
+            <a:pPr algn="ctr"/>
+            <a:endParaRPr lang="en-US" dirty="0"/>
+          </a:p>
+        </p:txBody>
+      </p:sp>
+      <p:sp>
+        <p:nvSpPr>
+          <p:cNvPr id="4" name="Oval 3"/>
+          <p:cNvSpPr/>
+          <p:nvPr/>
+        </p:nvSpPr>
+        <p:spPr>
+          <a:xfrm>
+            <a:off x="1164129" y="1857804"/>
+            <a:ext cx="91440" cy="91440"/>
+          </a:xfrm>
+          <a:prstGeom prst="ellipse">
+            <a:avLst/>
+          </a:prstGeom>
+          <a:solidFill>
+            <a:schemeClr val="accent3"/>
+          </a:solidFill>
+          <a:ln>
+            <a:noFill/>
+          </a:ln>
+          <a:effectLst/>
+        </p:spPr>
+        <p:style>
+          <a:lnRef idx="1">
+            <a:schemeClr val="accent1"/>
+          </a:lnRef>
+          <a:fillRef idx="3">
+            <a:schemeClr val="accent1"/>
+          </a:fillRef>
+          <a:effectRef idx="2">
+            <a:schemeClr val="accent1"/>
+          </a:effectRef>
+          <a:fontRef idx="minor">
+            <a:schemeClr val="lt1"/>
+          </a:fontRef>
+        </p:style>
+        <p:txBody>
+          <a:bodyPr rtlCol="0" anchor="ctr"/>
+          <a:lstStyle/>
+          <a:p>
+            <a:pPr algn="ctr"/>
+            <a:endParaRPr lang="en-US"/>
+          </a:p>
+        </p:txBody>
+      </p:sp>
+      <p:sp>
+        <p:nvSpPr>
+          <p:cNvPr id="5" name="Oval 4"/>
+          <p:cNvSpPr/>
+          <p:nvPr/>
+        </p:nvSpPr>
+        <p:spPr>
+          <a:xfrm>
+            <a:off x="1164129" y="2528364"/>
+            <a:ext cx="91440" cy="91440"/>
+          </a:xfrm>
+          <a:prstGeom prst="ellipse">
+            <a:avLst/>
+          </a:prstGeom>
+          <a:solidFill>
+            <a:srgbClr val="C0504D"/>
+          </a:solidFill>
+          <a:ln>
+            <a:noFill/>
+          </a:ln>
+          <a:effectLst/>
+        </p:spPr>
+        <p:style>
+          <a:lnRef idx="1">
+            <a:schemeClr val="accent1"/>
+          </a:lnRef>
+          <a:fillRef idx="3">
+            <a:schemeClr val="accent1"/>
+          </a:fillRef>
+          <a:effectRef idx="2">
+            <a:schemeClr val="accent1"/>
+          </a:effectRef>
+          <a:fontRef idx="minor">
+            <a:schemeClr val="lt1"/>
+          </a:fontRef>
+        </p:style>
+        <p:txBody>
+          <a:bodyPr rtlCol="0" anchor="ctr"/>
+          <a:lstStyle/>
+          <a:p>
+            <a:pPr algn="ctr"/>
+            <a:endParaRPr lang="en-US"/>
+          </a:p>
+        </p:txBody>
+      </p:sp>
+      <p:sp>
+        <p:nvSpPr>
+          <p:cNvPr id="6" name="Oval 5"/>
+          <p:cNvSpPr/>
+          <p:nvPr/>
+        </p:nvSpPr>
+        <p:spPr>
+          <a:xfrm>
+            <a:off x="1468929" y="1992737"/>
+            <a:ext cx="91440" cy="91440"/>
+          </a:xfrm>
+          <a:prstGeom prst="ellipse">
+            <a:avLst/>
+          </a:prstGeom>
+          <a:solidFill>
+            <a:schemeClr val="accent3"/>
+          </a:solidFill>
+          <a:ln>
+            <a:noFill/>
+          </a:ln>
+          <a:effectLst/>
+        </p:spPr>
+        <p:style>
+          <a:lnRef idx="1">
+            <a:schemeClr val="accent1"/>
+          </a:lnRef>
+          <a:fillRef idx="3">
+            <a:schemeClr val="accent1"/>
+          </a:fillRef>
+          <a:effectRef idx="2">
+            <a:schemeClr val="accent1"/>
+          </a:effectRef>
+          <a:fontRef idx="minor">
+            <a:schemeClr val="lt1"/>
+          </a:fontRef>
+        </p:style>
+        <p:txBody>
+          <a:bodyPr rtlCol="0" anchor="ctr"/>
+          <a:lstStyle/>
+          <a:p>
+            <a:pPr algn="ctr"/>
+            <a:endParaRPr lang="en-US"/>
+          </a:p>
+        </p:txBody>
+      </p:sp>
+      <p:sp>
+        <p:nvSpPr>
+          <p:cNvPr id="7" name="Oval 6"/>
+          <p:cNvSpPr/>
+          <p:nvPr/>
+        </p:nvSpPr>
+        <p:spPr>
+          <a:xfrm>
+            <a:off x="1352575" y="2315004"/>
+            <a:ext cx="91440" cy="91440"/>
+          </a:xfrm>
+          <a:prstGeom prst="ellipse">
+            <a:avLst/>
+          </a:prstGeom>
+          <a:solidFill>
+            <a:srgbClr val="C0504D"/>
+          </a:solidFill>
+          <a:ln>
+            <a:noFill/>
+          </a:ln>
+          <a:effectLst/>
+        </p:spPr>
+        <p:style>
+          <a:lnRef idx="1">
+            <a:schemeClr val="accent1"/>
+          </a:lnRef>
+          <a:fillRef idx="3">
+            <a:schemeClr val="accent1"/>
+          </a:fillRef>
+          <a:effectRef idx="2">
+            <a:schemeClr val="accent1"/>
+          </a:effectRef>
+          <a:fontRef idx="minor">
+            <a:schemeClr val="lt1"/>
+          </a:fontRef>
+        </p:style>
+        <p:txBody>
+          <a:bodyPr rtlCol="0" anchor="ctr"/>
+          <a:lstStyle/>
+          <a:p>
+            <a:pPr algn="ctr"/>
+            <a:endParaRPr lang="en-US"/>
+          </a:p>
+        </p:txBody>
+      </p:sp>
+      <p:sp>
+        <p:nvSpPr>
+          <p:cNvPr id="8" name="Oval 7"/>
+          <p:cNvSpPr/>
+          <p:nvPr/>
+        </p:nvSpPr>
+        <p:spPr>
+          <a:xfrm>
+            <a:off x="1591153" y="2985564"/>
+            <a:ext cx="91440" cy="91440"/>
+          </a:xfrm>
+          <a:prstGeom prst="ellipse">
+            <a:avLst/>
+          </a:prstGeom>
+          <a:solidFill>
+            <a:srgbClr val="C0504D"/>
+          </a:solidFill>
+          <a:ln>
+            <a:noFill/>
+          </a:ln>
+          <a:effectLst/>
+        </p:spPr>
+        <p:style>
+          <a:lnRef idx="1">
+            <a:schemeClr val="accent1"/>
+          </a:lnRef>
+          <a:fillRef idx="3">
+            <a:schemeClr val="accent1"/>
+          </a:fillRef>
+          <a:effectRef idx="2">
+            <a:schemeClr val="accent1"/>
+          </a:effectRef>
+          <a:fontRef idx="minor">
+            <a:schemeClr val="lt1"/>
+          </a:fontRef>
+        </p:style>
+        <p:txBody>
+          <a:bodyPr rtlCol="0" anchor="ctr"/>
+          <a:lstStyle/>
+          <a:p>
+            <a:pPr algn="ctr"/>
+            <a:endParaRPr lang="en-US"/>
+          </a:p>
+        </p:txBody>
+      </p:sp>
+      <p:sp>
+        <p:nvSpPr>
+          <p:cNvPr id="9" name="Oval 8"/>
+          <p:cNvSpPr/>
+          <p:nvPr/>
+        </p:nvSpPr>
+        <p:spPr>
+          <a:xfrm>
+            <a:off x="1682593" y="2482644"/>
+            <a:ext cx="91440" cy="91440"/>
+          </a:xfrm>
+          <a:prstGeom prst="ellipse">
+            <a:avLst/>
+          </a:prstGeom>
+          <a:solidFill>
+            <a:srgbClr val="C0504D"/>
+          </a:solidFill>
+          <a:ln>
+            <a:noFill/>
+          </a:ln>
+          <a:effectLst/>
+        </p:spPr>
+        <p:style>
+          <a:lnRef idx="1">
+            <a:schemeClr val="accent1"/>
+          </a:lnRef>
+          <a:fillRef idx="3">
+            <a:schemeClr val="accent1"/>
+          </a:fillRef>
+          <a:effectRef idx="2">
+            <a:schemeClr val="accent1"/>
+          </a:effectRef>
+          <a:fontRef idx="minor">
+            <a:schemeClr val="lt1"/>
+          </a:fontRef>
+        </p:style>
+        <p:txBody>
+          <a:bodyPr rtlCol="0" anchor="ctr"/>
+          <a:lstStyle/>
+          <a:p>
+            <a:pPr algn="ctr"/>
+            <a:endParaRPr lang="en-US"/>
+          </a:p>
+        </p:txBody>
+      </p:sp>
+      <p:sp>
+        <p:nvSpPr>
+          <p:cNvPr id="11" name="Oval 10"/>
+          <p:cNvSpPr/>
+          <p:nvPr/>
+        </p:nvSpPr>
+        <p:spPr>
+          <a:xfrm>
+            <a:off x="1987089" y="2855649"/>
+            <a:ext cx="91440" cy="91440"/>
+          </a:xfrm>
+          <a:prstGeom prst="ellipse">
+            <a:avLst/>
+          </a:prstGeom>
+          <a:solidFill>
+            <a:schemeClr val="accent4"/>
+          </a:solidFill>
+          <a:ln>
+            <a:noFill/>
+          </a:ln>
+          <a:effectLst/>
+        </p:spPr>
+        <p:style>
+          <a:lnRef idx="1">
+            <a:schemeClr val="accent1"/>
+          </a:lnRef>
+          <a:fillRef idx="3">
+            <a:schemeClr val="accent1"/>
+          </a:fillRef>
+          <a:effectRef idx="2">
+            <a:schemeClr val="accent1"/>
+          </a:effectRef>
+          <a:fontRef idx="minor">
+            <a:schemeClr val="lt1"/>
+          </a:fontRef>
+        </p:style>
+        <p:txBody>
+          <a:bodyPr rtlCol="0" anchor="ctr"/>
+          <a:lstStyle/>
+          <a:p>
+            <a:pPr algn="ctr"/>
+            <a:endParaRPr lang="en-US"/>
+          </a:p>
+        </p:txBody>
+      </p:sp>
+      <p:sp>
+        <p:nvSpPr>
+          <p:cNvPr id="12" name="Oval 11"/>
+          <p:cNvSpPr/>
+          <p:nvPr/>
+        </p:nvSpPr>
+        <p:spPr>
+          <a:xfrm>
+            <a:off x="2383329" y="2057003"/>
+            <a:ext cx="91440" cy="91440"/>
+          </a:xfrm>
+          <a:prstGeom prst="ellipse">
+            <a:avLst/>
+          </a:prstGeom>
+          <a:solidFill>
+            <a:schemeClr val="accent3"/>
+          </a:solidFill>
+          <a:ln>
+            <a:noFill/>
+          </a:ln>
+          <a:effectLst/>
+        </p:spPr>
+        <p:style>
+          <a:lnRef idx="1">
+            <a:schemeClr val="accent1"/>
+          </a:lnRef>
+          <a:fillRef idx="3">
+            <a:schemeClr val="accent1"/>
+          </a:fillRef>
+          <a:effectRef idx="2">
+            <a:schemeClr val="accent1"/>
+          </a:effectRef>
+          <a:fontRef idx="minor">
+            <a:schemeClr val="lt1"/>
+          </a:fontRef>
+        </p:style>
+        <p:txBody>
+          <a:bodyPr rtlCol="0" anchor="ctr"/>
+          <a:lstStyle/>
+          <a:p>
+            <a:pPr algn="ctr"/>
+            <a:endParaRPr lang="en-US"/>
+          </a:p>
+        </p:txBody>
+      </p:sp>
+      <p:sp>
+        <p:nvSpPr>
+          <p:cNvPr id="13" name="Oval 12"/>
+          <p:cNvSpPr/>
+          <p:nvPr/>
+        </p:nvSpPr>
+        <p:spPr>
+          <a:xfrm>
+            <a:off x="2169969" y="3304971"/>
+            <a:ext cx="91440" cy="91440"/>
+          </a:xfrm>
+          <a:prstGeom prst="ellipse">
+            <a:avLst/>
+          </a:prstGeom>
+          <a:solidFill>
+            <a:schemeClr val="accent4"/>
+          </a:solidFill>
+          <a:ln>
+            <a:noFill/>
+          </a:ln>
+          <a:effectLst/>
+        </p:spPr>
+        <p:style>
+          <a:lnRef idx="1">
+            <a:schemeClr val="accent1"/>
+          </a:lnRef>
+          <a:fillRef idx="3">
+            <a:schemeClr val="accent1"/>
+          </a:fillRef>
+          <a:effectRef idx="2">
+            <a:schemeClr val="accent1"/>
+          </a:effectRef>
+          <a:fontRef idx="minor">
+            <a:schemeClr val="lt1"/>
+          </a:fontRef>
+        </p:style>
+        <p:txBody>
+          <a:bodyPr rtlCol="0" anchor="ctr"/>
+          <a:lstStyle/>
+          <a:p>
+            <a:pPr algn="ctr"/>
+            <a:endParaRPr lang="en-US"/>
+          </a:p>
+        </p:txBody>
+      </p:sp>
+      <p:sp>
+        <p:nvSpPr>
+          <p:cNvPr id="14" name="Oval 13"/>
+          <p:cNvSpPr/>
+          <p:nvPr/>
+        </p:nvSpPr>
+        <p:spPr>
+          <a:xfrm>
+            <a:off x="2514519" y="2764209"/>
+            <a:ext cx="91440" cy="91440"/>
+          </a:xfrm>
+          <a:prstGeom prst="ellipse">
+            <a:avLst/>
+          </a:prstGeom>
+          <a:solidFill>
+            <a:schemeClr val="accent1"/>
+          </a:solidFill>
+          <a:ln>
+            <a:noFill/>
+          </a:ln>
+          <a:effectLst/>
+        </p:spPr>
+        <p:style>
+          <a:lnRef idx="1">
+            <a:schemeClr val="accent1"/>
+          </a:lnRef>
+          <a:fillRef idx="3">
+            <a:schemeClr val="accent1"/>
+          </a:fillRef>
+          <a:effectRef idx="2">
+            <a:schemeClr val="accent1"/>
+          </a:effectRef>
+          <a:fontRef idx="minor">
+            <a:schemeClr val="lt1"/>
+          </a:fontRef>
+        </p:style>
+        <p:txBody>
+          <a:bodyPr rtlCol="0" anchor="ctr"/>
+          <a:lstStyle/>
+          <a:p>
+            <a:pPr algn="ctr"/>
+            <a:endParaRPr lang="en-US"/>
+          </a:p>
+        </p:txBody>
+      </p:sp>
+      <p:sp>
+        <p:nvSpPr>
+          <p:cNvPr id="15" name="Oval 14"/>
+          <p:cNvSpPr/>
+          <p:nvPr/>
+        </p:nvSpPr>
+        <p:spPr>
+          <a:xfrm>
+            <a:off x="1941369" y="1884509"/>
+            <a:ext cx="91440" cy="91440"/>
+          </a:xfrm>
+          <a:prstGeom prst="ellipse">
+            <a:avLst/>
+          </a:prstGeom>
+          <a:solidFill>
+            <a:schemeClr val="accent3"/>
+          </a:solidFill>
+          <a:ln>
+            <a:noFill/>
+          </a:ln>
+          <a:effectLst/>
+        </p:spPr>
+        <p:style>
+          <a:lnRef idx="1">
+            <a:schemeClr val="accent1"/>
+          </a:lnRef>
+          <a:fillRef idx="3">
+            <a:schemeClr val="accent1"/>
+          </a:fillRef>
+          <a:effectRef idx="2">
+            <a:schemeClr val="accent1"/>
+          </a:effectRef>
+          <a:fontRef idx="minor">
+            <a:schemeClr val="lt1"/>
+          </a:fontRef>
+        </p:style>
+        <p:txBody>
+          <a:bodyPr rtlCol="0" anchor="ctr"/>
+          <a:lstStyle/>
+          <a:p>
+            <a:pPr algn="ctr"/>
+            <a:endParaRPr lang="en-US"/>
+          </a:p>
+        </p:txBody>
+      </p:sp>
+      <p:sp>
+        <p:nvSpPr>
+          <p:cNvPr id="16" name="Oval 15"/>
+          <p:cNvSpPr/>
+          <p:nvPr/>
+        </p:nvSpPr>
+        <p:spPr>
+          <a:xfrm>
+            <a:off x="2901489" y="2574084"/>
+            <a:ext cx="91440" cy="91440"/>
+          </a:xfrm>
+          <a:prstGeom prst="ellipse">
+            <a:avLst/>
+          </a:prstGeom>
+          <a:solidFill>
+            <a:schemeClr val="accent1"/>
+          </a:solidFill>
+          <a:ln>
+            <a:noFill/>
+          </a:ln>
+          <a:effectLst/>
+        </p:spPr>
+        <p:style>
+          <a:lnRef idx="1">
+            <a:schemeClr val="accent1"/>
+          </a:lnRef>
+          <a:fillRef idx="3">
+            <a:schemeClr val="accent1"/>
+          </a:fillRef>
+          <a:effectRef idx="2">
+            <a:schemeClr val="accent1"/>
+          </a:effectRef>
+          <a:fontRef idx="minor">
+            <a:schemeClr val="lt1"/>
+          </a:fontRef>
+        </p:style>
+        <p:txBody>
+          <a:bodyPr rtlCol="0" anchor="ctr"/>
+          <a:lstStyle/>
+          <a:p>
+            <a:pPr algn="ctr"/>
+            <a:endParaRPr lang="en-US"/>
+          </a:p>
+        </p:txBody>
+      </p:sp>
+      <p:sp>
+        <p:nvSpPr>
+          <p:cNvPr id="17" name="Oval 16"/>
+          <p:cNvSpPr/>
+          <p:nvPr/>
+        </p:nvSpPr>
+        <p:spPr>
+          <a:xfrm>
+            <a:off x="2337609" y="2482644"/>
+            <a:ext cx="91440" cy="91440"/>
+          </a:xfrm>
+          <a:prstGeom prst="ellipse">
+            <a:avLst/>
+          </a:prstGeom>
+          <a:solidFill>
+            <a:schemeClr val="accent1"/>
+          </a:solidFill>
+          <a:ln>
+            <a:noFill/>
+          </a:ln>
+          <a:effectLst/>
+        </p:spPr>
+        <p:style>
+          <a:lnRef idx="1">
+            <a:schemeClr val="accent1"/>
+          </a:lnRef>
+          <a:fillRef idx="3">
+            <a:schemeClr val="accent1"/>
+          </a:fillRef>
+          <a:effectRef idx="2">
+            <a:schemeClr val="accent1"/>
+          </a:effectRef>
+          <a:fontRef idx="minor">
+            <a:schemeClr val="lt1"/>
+          </a:fontRef>
+        </p:style>
+        <p:txBody>
+          <a:bodyPr rtlCol="0" anchor="ctr"/>
+          <a:lstStyle/>
+          <a:p>
+            <a:pPr algn="ctr"/>
+            <a:endParaRPr lang="en-US"/>
+          </a:p>
+        </p:txBody>
+      </p:sp>
+      <p:sp>
+        <p:nvSpPr>
+          <p:cNvPr id="18" name="Oval 17"/>
+          <p:cNvSpPr/>
+          <p:nvPr/>
+        </p:nvSpPr>
+        <p:spPr>
+          <a:xfrm>
+            <a:off x="2299297" y="3183613"/>
+            <a:ext cx="91440" cy="91440"/>
+          </a:xfrm>
+          <a:prstGeom prst="ellipse">
+            <a:avLst/>
+          </a:prstGeom>
+          <a:solidFill>
+            <a:schemeClr val="accent4"/>
+          </a:solidFill>
+          <a:ln>
+            <a:noFill/>
+          </a:ln>
+          <a:effectLst/>
+        </p:spPr>
+        <p:style>
+          <a:lnRef idx="1">
+            <a:schemeClr val="accent1"/>
+          </a:lnRef>
+          <a:fillRef idx="3">
+            <a:schemeClr val="accent1"/>
+          </a:fillRef>
+          <a:effectRef idx="2">
+            <a:schemeClr val="accent1"/>
+          </a:effectRef>
+          <a:fontRef idx="minor">
+            <a:schemeClr val="lt1"/>
+          </a:fontRef>
+        </p:style>
+        <p:txBody>
+          <a:bodyPr rtlCol="0" anchor="ctr"/>
+          <a:lstStyle/>
+          <a:p>
+            <a:pPr algn="ctr"/>
+            <a:endParaRPr lang="en-US"/>
+          </a:p>
+        </p:txBody>
+      </p:sp>
+      <p:sp>
+        <p:nvSpPr>
+          <p:cNvPr id="19" name="Oval 18"/>
+          <p:cNvSpPr/>
+          <p:nvPr/>
+        </p:nvSpPr>
+        <p:spPr>
+          <a:xfrm>
+            <a:off x="1444015" y="3213531"/>
+            <a:ext cx="91440" cy="91440"/>
+          </a:xfrm>
+          <a:prstGeom prst="ellipse">
+            <a:avLst/>
+          </a:prstGeom>
+          <a:solidFill>
+            <a:srgbClr val="C0504D"/>
+          </a:solidFill>
+          <a:ln>
+            <a:noFill/>
+          </a:ln>
+          <a:effectLst/>
+        </p:spPr>
+        <p:style>
+          <a:lnRef idx="1">
+            <a:schemeClr val="accent1"/>
+          </a:lnRef>
+          <a:fillRef idx="3">
+            <a:schemeClr val="accent1"/>
+          </a:fillRef>
+          <a:effectRef idx="2">
+            <a:schemeClr val="accent1"/>
+          </a:effectRef>
+          <a:fontRef idx="minor">
+            <a:schemeClr val="lt1"/>
+          </a:fontRef>
+        </p:style>
+        <p:txBody>
+          <a:bodyPr rtlCol="0" anchor="ctr"/>
+          <a:lstStyle/>
+          <a:p>
+            <a:pPr algn="ctr"/>
+            <a:endParaRPr lang="en-US"/>
+          </a:p>
+        </p:txBody>
+      </p:sp>
+      <p:sp>
+        <p:nvSpPr>
+          <p:cNvPr id="20" name="Oval 19"/>
+          <p:cNvSpPr/>
+          <p:nvPr/>
+        </p:nvSpPr>
+        <p:spPr>
+          <a:xfrm>
+            <a:off x="2767325" y="2272413"/>
+            <a:ext cx="91440" cy="91440"/>
+          </a:xfrm>
+          <a:prstGeom prst="ellipse">
+            <a:avLst/>
+          </a:prstGeom>
+          <a:solidFill>
+            <a:schemeClr val="accent1"/>
+          </a:solidFill>
+          <a:ln>
+            <a:noFill/>
+          </a:ln>
+          <a:effectLst/>
+        </p:spPr>
+        <p:style>
+          <a:lnRef idx="1">
+            <a:schemeClr val="accent1"/>
+          </a:lnRef>
+          <a:fillRef idx="3">
+            <a:schemeClr val="accent1"/>
+          </a:fillRef>
+          <a:effectRef idx="2">
+            <a:schemeClr val="accent1"/>
+          </a:effectRef>
+          <a:fontRef idx="minor">
+            <a:schemeClr val="lt1"/>
+          </a:fontRef>
+        </p:style>
+        <p:txBody>
+          <a:bodyPr rtlCol="0" anchor="ctr"/>
+          <a:lstStyle/>
+          <a:p>
+            <a:pPr algn="ctr"/>
+            <a:endParaRPr lang="en-US"/>
+          </a:p>
+        </p:txBody>
+      </p:sp>
+      <p:sp>
+        <p:nvSpPr>
+          <p:cNvPr id="21" name="Oval 20"/>
+          <p:cNvSpPr/>
+          <p:nvPr/>
+        </p:nvSpPr>
+        <p:spPr>
+          <a:xfrm>
+            <a:off x="2767325" y="3057473"/>
+            <a:ext cx="91440" cy="91440"/>
+          </a:xfrm>
+          <a:prstGeom prst="ellipse">
+            <a:avLst/>
+          </a:prstGeom>
+          <a:solidFill>
+            <a:schemeClr val="accent1"/>
+          </a:solidFill>
+          <a:ln>
+            <a:noFill/>
+          </a:ln>
+          <a:effectLst/>
+        </p:spPr>
+        <p:style>
+          <a:lnRef idx="1">
+            <a:schemeClr val="accent1"/>
+          </a:lnRef>
+          <a:fillRef idx="3">
+            <a:schemeClr val="accent1"/>
+          </a:fillRef>
+          <a:effectRef idx="2">
+            <a:schemeClr val="accent1"/>
+          </a:effectRef>
+          <a:fontRef idx="minor">
+            <a:schemeClr val="lt1"/>
+          </a:fontRef>
+        </p:style>
+        <p:txBody>
+          <a:bodyPr rtlCol="0" anchor="ctr"/>
+          <a:lstStyle/>
+          <a:p>
+            <a:pPr algn="ctr"/>
+            <a:endParaRPr lang="en-US"/>
+          </a:p>
+        </p:txBody>
+      </p:sp>
+      <p:sp>
+        <p:nvSpPr>
+          <p:cNvPr id="22" name="Oval 21"/>
+          <p:cNvSpPr/>
+          <p:nvPr/>
+        </p:nvSpPr>
+        <p:spPr>
+          <a:xfrm>
+            <a:off x="1682593" y="1567375"/>
+            <a:ext cx="91440" cy="91440"/>
+          </a:xfrm>
+          <a:prstGeom prst="ellipse">
+            <a:avLst/>
+          </a:prstGeom>
+          <a:solidFill>
+            <a:schemeClr val="accent3"/>
+          </a:solidFill>
+          <a:ln>
+            <a:noFill/>
+          </a:ln>
+          <a:effectLst/>
+        </p:spPr>
+        <p:style>
+          <a:lnRef idx="1">
+            <a:schemeClr val="accent1"/>
+          </a:lnRef>
+          <a:fillRef idx="3">
+            <a:schemeClr val="accent1"/>
+          </a:fillRef>
+          <a:effectRef idx="2">
+            <a:schemeClr val="accent1"/>
+          </a:effectRef>
+          <a:fontRef idx="minor">
+            <a:schemeClr val="lt1"/>
+          </a:fontRef>
+        </p:style>
+        <p:txBody>
+          <a:bodyPr rtlCol="0" anchor="ctr"/>
+          <a:lstStyle/>
+          <a:p>
+            <a:pPr algn="ctr"/>
+            <a:endParaRPr lang="en-US"/>
+          </a:p>
+        </p:txBody>
+      </p:sp>
+      <p:sp>
+        <p:nvSpPr>
+          <p:cNvPr id="23" name="Oval 22"/>
+          <p:cNvSpPr/>
+          <p:nvPr/>
+        </p:nvSpPr>
+        <p:spPr>
+          <a:xfrm>
+            <a:off x="1308454" y="2855649"/>
+            <a:ext cx="91440" cy="91440"/>
+          </a:xfrm>
+          <a:prstGeom prst="ellipse">
+            <a:avLst/>
+          </a:prstGeom>
+          <a:solidFill>
+            <a:srgbClr val="C0504D"/>
+          </a:solidFill>
+          <a:ln>
+            <a:noFill/>
+          </a:ln>
+          <a:effectLst/>
+        </p:spPr>
+        <p:style>
+          <a:lnRef idx="1">
+            <a:schemeClr val="accent1"/>
+          </a:lnRef>
+          <a:fillRef idx="3">
+            <a:schemeClr val="accent1"/>
+          </a:fillRef>
+          <a:effectRef idx="2">
+            <a:schemeClr val="accent1"/>
+          </a:effectRef>
+          <a:fontRef idx="minor">
+            <a:schemeClr val="lt1"/>
+          </a:fontRef>
+        </p:style>
+        <p:txBody>
+          <a:bodyPr rtlCol="0" anchor="ctr"/>
+          <a:lstStyle/>
+          <a:p>
+            <a:pPr algn="ctr"/>
+            <a:endParaRPr lang="en-US"/>
+          </a:p>
+        </p:txBody>
+      </p:sp>
+      <p:sp>
+        <p:nvSpPr>
+          <p:cNvPr id="24" name="Oval 23"/>
+          <p:cNvSpPr/>
+          <p:nvPr/>
+        </p:nvSpPr>
+        <p:spPr>
+          <a:xfrm>
+            <a:off x="2855769" y="1947017"/>
+            <a:ext cx="91440" cy="91440"/>
+          </a:xfrm>
+          <a:prstGeom prst="ellipse">
+            <a:avLst/>
+          </a:prstGeom>
+          <a:solidFill>
+            <a:schemeClr val="accent3"/>
+          </a:solidFill>
+          <a:ln>
+            <a:noFill/>
+          </a:ln>
+          <a:effectLst/>
+        </p:spPr>
+        <p:style>
+          <a:lnRef idx="1">
+            <a:schemeClr val="accent1"/>
+          </a:lnRef>
+          <a:fillRef idx="3">
+            <a:schemeClr val="accent1"/>
+          </a:fillRef>
+          <a:effectRef idx="2">
+            <a:schemeClr val="accent1"/>
+          </a:effectRef>
+          <a:fontRef idx="minor">
+            <a:schemeClr val="lt1"/>
+          </a:fontRef>
+        </p:style>
+        <p:txBody>
+          <a:bodyPr rtlCol="0" anchor="ctr"/>
+          <a:lstStyle/>
+          <a:p>
+            <a:pPr algn="ctr"/>
+            <a:endParaRPr lang="en-US"/>
+          </a:p>
+        </p:txBody>
+      </p:sp>
+      <p:sp>
+        <p:nvSpPr>
+          <p:cNvPr id="26" name="TextBox 25"/>
+          <p:cNvSpPr txBox="1"/>
+          <p:nvPr/>
+        </p:nvSpPr>
+        <p:spPr>
+          <a:xfrm>
+            <a:off x="834883" y="1105276"/>
+            <a:ext cx="1388702" cy="369332"/>
+          </a:xfrm>
+          <a:prstGeom prst="rect">
+            <a:avLst/>
+          </a:prstGeom>
+          <a:noFill/>
+        </p:spPr>
+        <p:txBody>
+          <a:bodyPr wrap="square" rtlCol="0">
+            <a:spAutoFit/>
+          </a:bodyPr>
+          <a:lstStyle/>
+          <a:p>
+            <a:r>
+              <a:rPr lang="en-US" dirty="0" smtClean="0">
+                <a:latin typeface="Times New Roman"/>
+                <a:cs typeface="Times New Roman"/>
+              </a:rPr>
+              <a:t>Population</a:t>
+            </a:r>
+            <a:endParaRPr lang="en-US" dirty="0">
+              <a:latin typeface="Times New Roman"/>
+              <a:cs typeface="Times New Roman"/>
+            </a:endParaRPr>
+          </a:p>
+        </p:txBody>
+      </p:sp>
+      <p:sp>
+        <p:nvSpPr>
+          <p:cNvPr id="28" name="Oval 27"/>
+          <p:cNvSpPr/>
+          <p:nvPr/>
+        </p:nvSpPr>
+        <p:spPr>
+          <a:xfrm>
+            <a:off x="1857904" y="2148443"/>
+            <a:ext cx="2539918" cy="1531890"/>
+          </a:xfrm>
+          <a:prstGeom prst="ellipse">
+            <a:avLst/>
+          </a:prstGeom>
+          <a:solidFill>
+            <a:schemeClr val="accent1">
+              <a:alpha val="18000"/>
+            </a:schemeClr>
+          </a:solidFill>
+          <a:ln>
+            <a:noFill/>
+          </a:ln>
+        </p:spPr>
+        <p:style>
+          <a:lnRef idx="1">
+            <a:schemeClr val="accent1"/>
+          </a:lnRef>
+          <a:fillRef idx="3">
+            <a:schemeClr val="accent1"/>
+          </a:fillRef>
+          <a:effectRef idx="2">
+            <a:schemeClr val="accent1"/>
+          </a:effectRef>
+          <a:fontRef idx="minor">
+            <a:schemeClr val="lt1"/>
+          </a:fontRef>
+        </p:style>
+        <p:txBody>
+          <a:bodyPr rtlCol="0" anchor="ctr"/>
+          <a:lstStyle/>
+          <a:p>
+            <a:pPr algn="ctr"/>
+            <a:endParaRPr lang="en-US"/>
+          </a:p>
+        </p:txBody>
+      </p:sp>
+      <p:sp>
+        <p:nvSpPr>
+          <p:cNvPr id="25" name="Rectangle 24"/>
+          <p:cNvSpPr/>
+          <p:nvPr/>
+        </p:nvSpPr>
+        <p:spPr>
+          <a:xfrm>
+            <a:off x="823122" y="1105277"/>
+            <a:ext cx="2422330" cy="2433958"/>
+          </a:xfrm>
+          <a:prstGeom prst="rect">
+            <a:avLst/>
+          </a:prstGeom>
+          <a:noFill/>
+          <a:ln>
+            <a:solidFill>
+              <a:schemeClr val="tx1"/>
+            </a:solidFill>
+          </a:ln>
+          <a:effectLst/>
+        </p:spPr>
+        <p:style>
+          <a:lnRef idx="1">
+            <a:schemeClr val="accent1"/>
+          </a:lnRef>
+          <a:fillRef idx="3">
+            <a:schemeClr val="accent1"/>
+          </a:fillRef>
+          <a:effectRef idx="2">
+            <a:schemeClr val="accent1"/>
+          </a:effectRef>
+          <a:fontRef idx="minor">
+            <a:schemeClr val="lt1"/>
+          </a:fontRef>
+        </p:style>
+        <p:txBody>
+          <a:bodyPr rtlCol="0" anchor="ctr"/>
+          <a:lstStyle/>
+          <a:p>
+            <a:pPr algn="ctr"/>
+            <a:endParaRPr lang="en-US"/>
+          </a:p>
+        </p:txBody>
+      </p:sp>
+      <p:sp>
+        <p:nvSpPr>
+          <p:cNvPr id="29" name="TextBox 28"/>
+          <p:cNvSpPr txBox="1"/>
+          <p:nvPr/>
+        </p:nvSpPr>
+        <p:spPr>
+          <a:xfrm>
+            <a:off x="1079682" y="3539235"/>
+            <a:ext cx="1388702" cy="369332"/>
+          </a:xfrm>
+          <a:prstGeom prst="rect">
+            <a:avLst/>
+          </a:prstGeom>
+          <a:noFill/>
+        </p:spPr>
+        <p:txBody>
+          <a:bodyPr wrap="square" rtlCol="0">
+            <a:spAutoFit/>
+          </a:bodyPr>
+          <a:lstStyle/>
+          <a:p>
+            <a:r>
+              <a:rPr lang="en-US" dirty="0" smtClean="0">
+                <a:solidFill>
+                  <a:schemeClr val="accent2"/>
+                </a:solidFill>
+                <a:latin typeface="Times New Roman"/>
+                <a:cs typeface="Times New Roman"/>
+              </a:rPr>
+              <a:t>Capture 1</a:t>
+            </a:r>
+            <a:endParaRPr lang="en-US" dirty="0">
+              <a:solidFill>
+                <a:schemeClr val="accent2"/>
+              </a:solidFill>
+              <a:latin typeface="Times New Roman"/>
+              <a:cs typeface="Times New Roman"/>
+            </a:endParaRPr>
+          </a:p>
+        </p:txBody>
+      </p:sp>
+      <p:sp>
+        <p:nvSpPr>
+          <p:cNvPr id="30" name="TextBox 29"/>
+          <p:cNvSpPr txBox="1"/>
+          <p:nvPr/>
+        </p:nvSpPr>
+        <p:spPr>
+          <a:xfrm>
+            <a:off x="3279171" y="2688141"/>
+            <a:ext cx="1388702" cy="369332"/>
+          </a:xfrm>
+          <a:prstGeom prst="rect">
+            <a:avLst/>
+          </a:prstGeom>
+          <a:noFill/>
+        </p:spPr>
+        <p:txBody>
+          <a:bodyPr wrap="square" rtlCol="0">
+            <a:spAutoFit/>
+          </a:bodyPr>
+          <a:lstStyle/>
+          <a:p>
+            <a:r>
+              <a:rPr lang="en-US" dirty="0" smtClean="0">
+                <a:solidFill>
+                  <a:schemeClr val="accent1"/>
+                </a:solidFill>
+                <a:latin typeface="Times New Roman"/>
+                <a:cs typeface="Times New Roman"/>
+              </a:rPr>
+              <a:t>Capture 2</a:t>
+            </a:r>
+            <a:endParaRPr lang="en-US" dirty="0">
+              <a:solidFill>
+                <a:schemeClr val="accent1"/>
+              </a:solidFill>
+              <a:latin typeface="Times New Roman"/>
+              <a:cs typeface="Times New Roman"/>
+            </a:endParaRPr>
+          </a:p>
+        </p:txBody>
+      </p:sp>
+      <p:grpSp>
+        <p:nvGrpSpPr>
+          <p:cNvPr id="31" name="Group 30"/>
+          <p:cNvGrpSpPr/>
+          <p:nvPr/>
+        </p:nvGrpSpPr>
+        <p:grpSpPr>
+          <a:xfrm>
+            <a:off x="5149727" y="1152360"/>
+            <a:ext cx="2472973" cy="2422986"/>
+            <a:chOff x="5309905" y="2263611"/>
+            <a:chExt cx="2472973" cy="2422986"/>
+          </a:xfrm>
+        </p:grpSpPr>
+        <p:sp>
+          <p:nvSpPr>
+            <p:cNvPr id="32" name="Rectangle 31"/>
+            <p:cNvSpPr/>
+            <p:nvPr/>
+          </p:nvSpPr>
+          <p:spPr>
+            <a:xfrm>
+              <a:off x="6927913" y="2976419"/>
+              <a:ext cx="854964" cy="855090"/>
+            </a:xfrm>
+            <a:prstGeom prst="rect">
+              <a:avLst/>
+            </a:prstGeom>
+            <a:solidFill>
+              <a:schemeClr val="accent3"/>
+            </a:solidFill>
+            <a:ln>
+              <a:noFill/>
+            </a:ln>
+            <a:effectLst/>
+          </p:spPr>
+          <p:style>
+            <a:lnRef idx="1">
+              <a:schemeClr val="accent1"/>
+            </a:lnRef>
+            <a:fillRef idx="3">
+              <a:schemeClr val="accent1"/>
+            </a:fillRef>
+            <a:effectRef idx="2">
+              <a:schemeClr val="accent1"/>
+            </a:effectRef>
+            <a:fontRef idx="minor">
+              <a:schemeClr val="lt1"/>
+            </a:fontRef>
+          </p:style>
+          <p:txBody>
+            <a:bodyPr rtlCol="0" anchor="ctr"/>
+            <a:lstStyle/>
+            <a:p>
+              <a:pPr algn="ctr"/>
+              <a:endParaRPr lang="en-US"/>
+            </a:p>
+          </p:txBody>
+        </p:sp>
+        <p:sp>
+          <p:nvSpPr>
+            <p:cNvPr id="33" name="Rectangle 32"/>
+            <p:cNvSpPr/>
+            <p:nvPr/>
+          </p:nvSpPr>
+          <p:spPr>
+            <a:xfrm>
+              <a:off x="6072949" y="2976668"/>
+              <a:ext cx="854964" cy="855090"/>
+            </a:xfrm>
+            <a:prstGeom prst="rect">
+              <a:avLst/>
+            </a:prstGeom>
+            <a:solidFill>
+              <a:schemeClr val="accent1"/>
+            </a:solidFill>
+            <a:ln>
+              <a:noFill/>
+            </a:ln>
+            <a:effectLst/>
+          </p:spPr>
+          <p:style>
+            <a:lnRef idx="1">
+              <a:schemeClr val="accent1"/>
+            </a:lnRef>
+            <a:fillRef idx="3">
+              <a:schemeClr val="accent1"/>
+            </a:fillRef>
+            <a:effectRef idx="2">
+              <a:schemeClr val="accent1"/>
+            </a:effectRef>
+            <a:fontRef idx="minor">
+              <a:schemeClr val="lt1"/>
+            </a:fontRef>
+          </p:style>
+          <p:txBody>
+            <a:bodyPr rtlCol="0" anchor="ctr"/>
+            <a:lstStyle/>
+            <a:p>
+              <a:pPr algn="ctr"/>
+              <a:endParaRPr lang="en-US"/>
+            </a:p>
+          </p:txBody>
+        </p:sp>
+        <p:sp>
+          <p:nvSpPr>
+            <p:cNvPr id="34" name="Rectangle 33"/>
+            <p:cNvSpPr/>
+            <p:nvPr/>
+          </p:nvSpPr>
+          <p:spPr>
+            <a:xfrm>
+              <a:off x="6072950" y="3831258"/>
+              <a:ext cx="854964" cy="855090"/>
+            </a:xfrm>
+            <a:prstGeom prst="rect">
+              <a:avLst/>
+            </a:prstGeom>
+            <a:solidFill>
+              <a:schemeClr val="accent4"/>
+            </a:solidFill>
+            <a:ln>
+              <a:noFill/>
+            </a:ln>
+            <a:effectLst/>
+          </p:spPr>
+          <p:style>
+            <a:lnRef idx="1">
+              <a:schemeClr val="accent1"/>
+            </a:lnRef>
+            <a:fillRef idx="3">
+              <a:schemeClr val="accent1"/>
+            </a:fillRef>
+            <a:effectRef idx="2">
+              <a:schemeClr val="accent1"/>
+            </a:effectRef>
+            <a:fontRef idx="minor">
+              <a:schemeClr val="lt1"/>
+            </a:fontRef>
+          </p:style>
+          <p:txBody>
+            <a:bodyPr rtlCol="0" anchor="ctr"/>
+            <a:lstStyle/>
+            <a:p>
+              <a:pPr algn="ctr"/>
+              <a:endParaRPr lang="en-US"/>
+            </a:p>
+          </p:txBody>
+        </p:sp>
+        <p:sp>
+          <p:nvSpPr>
+            <p:cNvPr id="35" name="Rectangle 34"/>
+            <p:cNvSpPr/>
+            <p:nvPr/>
+          </p:nvSpPr>
+          <p:spPr>
+            <a:xfrm>
+              <a:off x="6927913" y="3831258"/>
+              <a:ext cx="854964" cy="855090"/>
+            </a:xfrm>
+            <a:prstGeom prst="rect">
+              <a:avLst/>
+            </a:prstGeom>
+            <a:solidFill>
+              <a:schemeClr val="accent2"/>
+            </a:solidFill>
+            <a:ln>
+              <a:noFill/>
+            </a:ln>
+            <a:effectLst/>
+          </p:spPr>
+          <p:style>
+            <a:lnRef idx="1">
+              <a:schemeClr val="accent1"/>
+            </a:lnRef>
+            <a:fillRef idx="3">
+              <a:schemeClr val="accent1"/>
+            </a:fillRef>
+            <a:effectRef idx="2">
+              <a:schemeClr val="accent1"/>
+            </a:effectRef>
+            <a:fontRef idx="minor">
+              <a:schemeClr val="lt1"/>
+            </a:fontRef>
+          </p:style>
+          <p:txBody>
+            <a:bodyPr rtlCol="0" anchor="ctr"/>
+            <a:lstStyle/>
+            <a:p>
+              <a:pPr algn="ctr"/>
+              <a:endParaRPr lang="en-US"/>
+            </a:p>
+          </p:txBody>
+        </p:sp>
+        <p:grpSp>
+          <p:nvGrpSpPr>
+            <p:cNvPr id="36" name="Group 35"/>
+            <p:cNvGrpSpPr/>
+            <p:nvPr/>
+          </p:nvGrpSpPr>
+          <p:grpSpPr>
+            <a:xfrm>
+              <a:off x="5309905" y="2263611"/>
+              <a:ext cx="2472973" cy="2422986"/>
+              <a:chOff x="745763" y="456651"/>
+              <a:chExt cx="2472973" cy="2422986"/>
+            </a:xfrm>
+          </p:grpSpPr>
+          <p:sp>
+            <p:nvSpPr>
+              <p:cNvPr id="37" name="Rectangle 36"/>
+              <p:cNvSpPr/>
+              <p:nvPr/>
+            </p:nvSpPr>
+            <p:spPr>
+              <a:xfrm>
+                <a:off x="1508807" y="1169460"/>
+                <a:ext cx="1709928" cy="1710177"/>
+              </a:xfrm>
+              <a:prstGeom prst="rect">
+                <a:avLst/>
+              </a:prstGeom>
+              <a:noFill/>
+              <a:ln>
+                <a:solidFill>
+                  <a:schemeClr val="tx1"/>
+                </a:solidFill>
+              </a:ln>
+              <a:effectLst/>
+            </p:spPr>
+            <p:style>
+              <a:lnRef idx="1">
+                <a:schemeClr val="accent1"/>
+              </a:lnRef>
+              <a:fillRef idx="3">
+                <a:schemeClr val="accent1"/>
+              </a:fillRef>
+              <a:effectRef idx="2">
+                <a:schemeClr val="accent1"/>
+              </a:effectRef>
+              <a:fontRef idx="minor">
+                <a:schemeClr val="lt1"/>
+              </a:fontRef>
+            </p:style>
+            <p:txBody>
+              <a:bodyPr rtlCol="0" anchor="ctr"/>
+              <a:lstStyle/>
+              <a:p>
+                <a:pPr algn="ctr"/>
+                <a:endParaRPr lang="en-US"/>
+              </a:p>
+            </p:txBody>
+          </p:sp>
+          <p:cxnSp>
+            <p:nvCxnSpPr>
+              <p:cNvPr id="38" name="Straight Connector 37"/>
+              <p:cNvCxnSpPr>
+                <a:stCxn id="37" idx="0"/>
+                <a:endCxn id="37" idx="2"/>
+              </p:cNvCxnSpPr>
+              <p:nvPr/>
+            </p:nvCxnSpPr>
+            <p:spPr>
+              <a:xfrm>
+                <a:off x="2363771" y="1169460"/>
+                <a:ext cx="0" cy="1710177"/>
+              </a:xfrm>
+              <a:prstGeom prst="line">
+                <a:avLst/>
+              </a:prstGeom>
+              <a:ln>
+                <a:solidFill>
+                  <a:schemeClr val="tx1"/>
+                </a:solidFill>
+              </a:ln>
+              <a:effectLst/>
+            </p:spPr>
+            <p:style>
+              <a:lnRef idx="2">
+                <a:schemeClr val="accent1"/>
+              </a:lnRef>
+              <a:fillRef idx="0">
+                <a:schemeClr val="accent1"/>
+              </a:fillRef>
+              <a:effectRef idx="1">
+                <a:schemeClr val="accent1"/>
+              </a:effectRef>
+              <a:fontRef idx="minor">
+                <a:schemeClr val="tx1"/>
+              </a:fontRef>
+            </p:style>
+          </p:cxnSp>
+          <p:cxnSp>
+            <p:nvCxnSpPr>
+              <p:cNvPr id="39" name="Straight Connector 38"/>
+              <p:cNvCxnSpPr>
+                <a:stCxn id="37" idx="1"/>
+                <a:endCxn id="37" idx="3"/>
+              </p:cNvCxnSpPr>
+              <p:nvPr/>
+            </p:nvCxnSpPr>
+            <p:spPr>
+              <a:xfrm>
+                <a:off x="1508807" y="2024549"/>
+                <a:ext cx="1709928" cy="0"/>
+              </a:xfrm>
+              <a:prstGeom prst="line">
+                <a:avLst/>
+              </a:prstGeom>
+              <a:ln>
+                <a:solidFill>
+                  <a:schemeClr val="tx1"/>
+                </a:solidFill>
+              </a:ln>
+              <a:effectLst/>
+            </p:spPr>
+            <p:style>
+              <a:lnRef idx="2">
+                <a:schemeClr val="accent1"/>
+              </a:lnRef>
+              <a:fillRef idx="0">
+                <a:schemeClr val="accent1"/>
+              </a:fillRef>
+              <a:effectRef idx="1">
+                <a:schemeClr val="accent1"/>
+              </a:effectRef>
+              <a:fontRef idx="minor">
+                <a:schemeClr val="tx1"/>
+              </a:fontRef>
+            </p:style>
+          </p:cxnSp>
+          <p:sp>
+            <p:nvSpPr>
+              <p:cNvPr id="40" name="TextBox 39"/>
+              <p:cNvSpPr txBox="1"/>
+              <p:nvPr/>
+            </p:nvSpPr>
+            <p:spPr>
+              <a:xfrm>
+                <a:off x="1508807" y="456651"/>
+                <a:ext cx="1709928" cy="369332"/>
+              </a:xfrm>
+              <a:prstGeom prst="rect">
+                <a:avLst/>
+              </a:prstGeom>
+              <a:noFill/>
+            </p:spPr>
+            <p:txBody>
+              <a:bodyPr wrap="square" rtlCol="0">
+                <a:spAutoFit/>
+              </a:bodyPr>
+              <a:lstStyle/>
+              <a:p>
+                <a:r>
+                  <a:rPr lang="en-US" dirty="0" smtClean="0">
+                    <a:latin typeface="Times New Roman"/>
+                    <a:cs typeface="Times New Roman"/>
+                  </a:rPr>
+                  <a:t>List 2</a:t>
+                </a:r>
+                <a:endParaRPr lang="en-US" dirty="0">
+                  <a:latin typeface="Times New Roman"/>
+                  <a:cs typeface="Times New Roman"/>
+                </a:endParaRPr>
+              </a:p>
+            </p:txBody>
+          </p:sp>
+          <p:sp>
+            <p:nvSpPr>
+              <p:cNvPr id="41" name="TextBox 40"/>
+              <p:cNvSpPr txBox="1"/>
+              <p:nvPr/>
+            </p:nvSpPr>
+            <p:spPr>
+              <a:xfrm rot="16200000">
+                <a:off x="75465" y="1840007"/>
+                <a:ext cx="1709928" cy="369332"/>
+              </a:xfrm>
+              <a:prstGeom prst="rect">
+                <a:avLst/>
+              </a:prstGeom>
+              <a:noFill/>
+            </p:spPr>
+            <p:txBody>
+              <a:bodyPr wrap="square" rtlCol="0">
+                <a:spAutoFit/>
+              </a:bodyPr>
+              <a:lstStyle/>
+              <a:p>
+                <a:r>
+                  <a:rPr lang="en-US" dirty="0" smtClean="0">
+                    <a:latin typeface="Times New Roman"/>
+                    <a:cs typeface="Times New Roman"/>
+                  </a:rPr>
+                  <a:t>List 1</a:t>
+                </a:r>
+                <a:endParaRPr lang="en-US" dirty="0">
+                  <a:latin typeface="Times New Roman"/>
+                  <a:cs typeface="Times New Roman"/>
+                </a:endParaRPr>
+              </a:p>
+            </p:txBody>
+          </p:sp>
+          <p:sp>
+            <p:nvSpPr>
+              <p:cNvPr id="42" name="TextBox 41"/>
+              <p:cNvSpPr txBox="1"/>
+              <p:nvPr/>
+            </p:nvSpPr>
+            <p:spPr>
+              <a:xfrm rot="16200000">
+                <a:off x="469177" y="1839758"/>
+                <a:ext cx="1709928" cy="369332"/>
+              </a:xfrm>
+              <a:prstGeom prst="rect">
+                <a:avLst/>
+              </a:prstGeom>
+              <a:noFill/>
+            </p:spPr>
+            <p:txBody>
+              <a:bodyPr wrap="square" rtlCol="0">
+                <a:spAutoFit/>
+              </a:bodyPr>
+              <a:lstStyle/>
+              <a:p>
+                <a:r>
+                  <a:rPr lang="en-US" dirty="0" smtClean="0">
+                    <a:latin typeface="Times New Roman"/>
+                    <a:cs typeface="Times New Roman"/>
+                  </a:rPr>
+                  <a:t>Yes          No</a:t>
+                </a:r>
+                <a:endParaRPr lang="en-US" dirty="0">
+                  <a:latin typeface="Times New Roman"/>
+                  <a:cs typeface="Times New Roman"/>
+                </a:endParaRPr>
+              </a:p>
+            </p:txBody>
+          </p:sp>
+          <p:sp>
+            <p:nvSpPr>
+              <p:cNvPr id="43" name="TextBox 42"/>
+              <p:cNvSpPr txBox="1"/>
+              <p:nvPr/>
+            </p:nvSpPr>
+            <p:spPr>
+              <a:xfrm>
+                <a:off x="1508808" y="813409"/>
+                <a:ext cx="1709928" cy="369332"/>
+              </a:xfrm>
+              <a:prstGeom prst="rect">
+                <a:avLst/>
+              </a:prstGeom>
+              <a:noFill/>
+            </p:spPr>
+            <p:txBody>
+              <a:bodyPr wrap="square" rtlCol="0">
+                <a:spAutoFit/>
+              </a:bodyPr>
+              <a:lstStyle/>
+              <a:p>
+                <a:r>
+                  <a:rPr lang="en-US" dirty="0" smtClean="0">
+                    <a:latin typeface="Times New Roman"/>
+                    <a:cs typeface="Times New Roman"/>
+                  </a:rPr>
+                  <a:t>Yes          No</a:t>
+                </a:r>
+                <a:endParaRPr lang="en-US" dirty="0">
+                  <a:latin typeface="Times New Roman"/>
+                  <a:cs typeface="Times New Roman"/>
+                </a:endParaRPr>
+              </a:p>
+            </p:txBody>
+          </p:sp>
+          <p:sp>
+            <p:nvSpPr>
+              <p:cNvPr id="44" name="TextBox 43"/>
+              <p:cNvSpPr txBox="1"/>
+              <p:nvPr/>
+            </p:nvSpPr>
+            <p:spPr>
+              <a:xfrm>
+                <a:off x="2602663" y="1405838"/>
+                <a:ext cx="414949" cy="369332"/>
+              </a:xfrm>
+              <a:prstGeom prst="rect">
+                <a:avLst/>
+              </a:prstGeom>
+              <a:noFill/>
+            </p:spPr>
+            <p:txBody>
+              <a:bodyPr wrap="square" rtlCol="0">
+                <a:spAutoFit/>
+              </a:bodyPr>
+              <a:lstStyle/>
+              <a:p>
+                <a:r>
+                  <a:rPr lang="en-US" dirty="0" smtClean="0">
+                    <a:latin typeface="Times New Roman"/>
+                    <a:cs typeface="Times New Roman"/>
+                  </a:rPr>
+                  <a:t>6</a:t>
+                </a:r>
+                <a:endParaRPr lang="en-US" dirty="0">
+                  <a:latin typeface="Times New Roman"/>
+                  <a:cs typeface="Times New Roman"/>
+                </a:endParaRPr>
+              </a:p>
+            </p:txBody>
+          </p:sp>
+          <p:sp>
+            <p:nvSpPr>
+              <p:cNvPr id="45" name="TextBox 44"/>
+              <p:cNvSpPr txBox="1"/>
+              <p:nvPr/>
+            </p:nvSpPr>
+            <p:spPr>
+              <a:xfrm>
+                <a:off x="2653715" y="2241005"/>
+                <a:ext cx="312845" cy="369332"/>
+              </a:xfrm>
+              <a:prstGeom prst="rect">
+                <a:avLst/>
+              </a:prstGeom>
+              <a:noFill/>
+            </p:spPr>
+            <p:txBody>
+              <a:bodyPr wrap="square" rtlCol="0">
+                <a:spAutoFit/>
+              </a:bodyPr>
+              <a:lstStyle/>
+              <a:p>
+                <a:r>
+                  <a:rPr lang="en-US" dirty="0" smtClean="0">
+                    <a:latin typeface="Times New Roman"/>
+                    <a:cs typeface="Times New Roman"/>
+                  </a:rPr>
+                  <a:t>6</a:t>
+                </a:r>
+                <a:endParaRPr lang="en-US" dirty="0">
+                  <a:latin typeface="Times New Roman"/>
+                  <a:cs typeface="Times New Roman"/>
+                </a:endParaRPr>
+              </a:p>
+            </p:txBody>
+          </p:sp>
+          <p:sp>
+            <p:nvSpPr>
+              <p:cNvPr id="46" name="TextBox 45"/>
+              <p:cNvSpPr txBox="1"/>
+              <p:nvPr/>
+            </p:nvSpPr>
+            <p:spPr>
+              <a:xfrm>
+                <a:off x="1788427" y="2241005"/>
+                <a:ext cx="312845" cy="369332"/>
+              </a:xfrm>
+              <a:prstGeom prst="rect">
+                <a:avLst/>
+              </a:prstGeom>
+              <a:noFill/>
+            </p:spPr>
+            <p:txBody>
+              <a:bodyPr wrap="square" rtlCol="0">
+                <a:spAutoFit/>
+              </a:bodyPr>
+              <a:lstStyle/>
+              <a:p>
+                <a:r>
+                  <a:rPr lang="en-US" dirty="0" smtClean="0">
+                    <a:latin typeface="Times New Roman"/>
+                    <a:cs typeface="Times New Roman"/>
+                  </a:rPr>
+                  <a:t>3</a:t>
+                </a:r>
+                <a:endParaRPr lang="en-US" dirty="0">
+                  <a:latin typeface="Times New Roman"/>
+                  <a:cs typeface="Times New Roman"/>
+                </a:endParaRPr>
+              </a:p>
+            </p:txBody>
+          </p:sp>
+          <p:sp>
+            <p:nvSpPr>
+              <p:cNvPr id="47" name="TextBox 46"/>
+              <p:cNvSpPr txBox="1"/>
+              <p:nvPr/>
+            </p:nvSpPr>
+            <p:spPr>
+              <a:xfrm>
+                <a:off x="1788427" y="1405838"/>
+                <a:ext cx="312845" cy="369332"/>
+              </a:xfrm>
+              <a:prstGeom prst="rect">
+                <a:avLst/>
+              </a:prstGeom>
+              <a:noFill/>
+            </p:spPr>
+            <p:txBody>
+              <a:bodyPr wrap="square" rtlCol="0">
+                <a:spAutoFit/>
+              </a:bodyPr>
+              <a:lstStyle/>
+              <a:p>
+                <a:r>
+                  <a:rPr lang="en-US" dirty="0" smtClean="0">
+                    <a:latin typeface="Times New Roman"/>
+                    <a:cs typeface="Times New Roman"/>
+                  </a:rPr>
+                  <a:t>5</a:t>
+                </a:r>
+                <a:endParaRPr lang="en-US" dirty="0">
+                  <a:latin typeface="Times New Roman"/>
+                  <a:cs typeface="Times New Roman"/>
+                </a:endParaRPr>
+              </a:p>
+            </p:txBody>
+          </p:sp>
+        </p:grpSp>
+      </p:grpSp>
+    </p:spTree>
+    <p:extLst>
+      <p:ext uri="{BB962C8B-B14F-4D97-AF65-F5344CB8AC3E}">
+        <p14:creationId xmlns:p14="http://schemas.microsoft.com/office/powerpoint/2010/main" val="2757227025"/>
       </p:ext>
     </p:extLst>
   </p:cSld>

--- a/slides/figure/make_figs.pptx
+++ b/slides/figure/make_figs.pptx
@@ -4,10 +4,15 @@
   <p:sldMasterIdLst>
     <p:sldMasterId id="2147483648" r:id="rId1"/>
   </p:sldMasterIdLst>
+  <p:notesMasterIdLst>
+    <p:notesMasterId r:id="rId7"/>
+  </p:notesMasterIdLst>
   <p:sldIdLst>
     <p:sldId id="256" r:id="rId2"/>
     <p:sldId id="257" r:id="rId3"/>
     <p:sldId id="258" r:id="rId4"/>
+    <p:sldId id="259" r:id="rId5"/>
+    <p:sldId id="260" r:id="rId6"/>
   </p:sldIdLst>
   <p:sldSz cx="9144000" cy="6858000" type="screen4x3"/>
   <p:notesSz cx="6858000" cy="9144000"/>
@@ -107,6 +112,440 @@
     </a:lvl9pPr>
   </p:defaultTextStyle>
 </p:presentation>
+</file>
+
+<file path=ppt/notesMasters/notesMaster1.xml><?xml version="1.0" encoding="utf-8"?>
+<p:notesMaster xmlns:a="http://schemas.openxmlformats.org/drawingml/2006/main" xmlns:r="http://schemas.openxmlformats.org/officeDocument/2006/relationships" xmlns:p="http://schemas.openxmlformats.org/presentationml/2006/main">
+  <p:cSld>
+    <p:bg>
+      <p:bgRef idx="1001">
+        <a:schemeClr val="bg1"/>
+      </p:bgRef>
+    </p:bg>
+    <p:spTree>
+      <p:nvGrpSpPr>
+        <p:cNvPr id="1" name=""/>
+        <p:cNvGrpSpPr/>
+        <p:nvPr/>
+      </p:nvGrpSpPr>
+      <p:grpSpPr>
+        <a:xfrm>
+          <a:off x="0" y="0"/>
+          <a:ext cx="0" cy="0"/>
+          <a:chOff x="0" y="0"/>
+          <a:chExt cx="0" cy="0"/>
+        </a:xfrm>
+      </p:grpSpPr>
+      <p:sp>
+        <p:nvSpPr>
+          <p:cNvPr id="2" name="Header Placeholder 1"/>
+          <p:cNvSpPr>
+            <a:spLocks noGrp="1"/>
+          </p:cNvSpPr>
+          <p:nvPr>
+            <p:ph type="hdr" sz="quarter"/>
+          </p:nvPr>
+        </p:nvSpPr>
+        <p:spPr>
+          <a:xfrm>
+            <a:off x="0" y="0"/>
+            <a:ext cx="2971800" cy="457200"/>
+          </a:xfrm>
+          <a:prstGeom prst="rect">
+            <a:avLst/>
+          </a:prstGeom>
+        </p:spPr>
+        <p:txBody>
+          <a:bodyPr vert="horz" lIns="91440" tIns="45720" rIns="91440" bIns="45720" rtlCol="0"/>
+          <a:lstStyle>
+            <a:lvl1pPr algn="l">
+              <a:defRPr sz="1200"/>
+            </a:lvl1pPr>
+          </a:lstStyle>
+          <a:p>
+            <a:endParaRPr lang="en-US"/>
+          </a:p>
+        </p:txBody>
+      </p:sp>
+      <p:sp>
+        <p:nvSpPr>
+          <p:cNvPr id="3" name="Date Placeholder 2"/>
+          <p:cNvSpPr>
+            <a:spLocks noGrp="1"/>
+          </p:cNvSpPr>
+          <p:nvPr>
+            <p:ph type="dt" idx="1"/>
+          </p:nvPr>
+        </p:nvSpPr>
+        <p:spPr>
+          <a:xfrm>
+            <a:off x="3884613" y="0"/>
+            <a:ext cx="2971800" cy="457200"/>
+          </a:xfrm>
+          <a:prstGeom prst="rect">
+            <a:avLst/>
+          </a:prstGeom>
+        </p:spPr>
+        <p:txBody>
+          <a:bodyPr vert="horz" lIns="91440" tIns="45720" rIns="91440" bIns="45720" rtlCol="0"/>
+          <a:lstStyle>
+            <a:lvl1pPr algn="r">
+              <a:defRPr sz="1200"/>
+            </a:lvl1pPr>
+          </a:lstStyle>
+          <a:p>
+            <a:fld id="{9C87DB71-12EC-6D43-BA27-2ADB0CDE6E8A}" type="datetimeFigureOut">
+              <a:rPr lang="en-US" smtClean="0"/>
+              <a:t>6/24/18</a:t>
+            </a:fld>
+            <a:endParaRPr lang="en-US"/>
+          </a:p>
+        </p:txBody>
+      </p:sp>
+      <p:sp>
+        <p:nvSpPr>
+          <p:cNvPr id="4" name="Slide Image Placeholder 3"/>
+          <p:cNvSpPr>
+            <a:spLocks noGrp="1" noRot="1" noChangeAspect="1"/>
+          </p:cNvSpPr>
+          <p:nvPr>
+            <p:ph type="sldImg" idx="2"/>
+          </p:nvPr>
+        </p:nvSpPr>
+        <p:spPr>
+          <a:xfrm>
+            <a:off x="1143000" y="685800"/>
+            <a:ext cx="4572000" cy="3429000"/>
+          </a:xfrm>
+          <a:prstGeom prst="rect">
+            <a:avLst/>
+          </a:prstGeom>
+          <a:noFill/>
+          <a:ln w="12700">
+            <a:solidFill>
+              <a:prstClr val="black"/>
+            </a:solidFill>
+          </a:ln>
+        </p:spPr>
+        <p:txBody>
+          <a:bodyPr vert="horz" lIns="91440" tIns="45720" rIns="91440" bIns="45720" rtlCol="0" anchor="ctr"/>
+          <a:lstStyle/>
+          <a:p>
+            <a:endParaRPr lang="en-US"/>
+          </a:p>
+        </p:txBody>
+      </p:sp>
+      <p:sp>
+        <p:nvSpPr>
+          <p:cNvPr id="5" name="Notes Placeholder 4"/>
+          <p:cNvSpPr>
+            <a:spLocks noGrp="1"/>
+          </p:cNvSpPr>
+          <p:nvPr>
+            <p:ph type="body" sz="quarter" idx="3"/>
+          </p:nvPr>
+        </p:nvSpPr>
+        <p:spPr>
+          <a:xfrm>
+            <a:off x="685800" y="4343400"/>
+            <a:ext cx="5486400" cy="4114800"/>
+          </a:xfrm>
+          <a:prstGeom prst="rect">
+            <a:avLst/>
+          </a:prstGeom>
+        </p:spPr>
+        <p:txBody>
+          <a:bodyPr vert="horz" lIns="91440" tIns="45720" rIns="91440" bIns="45720" rtlCol="0"/>
+          <a:lstStyle/>
+          <a:p>
+            <a:pPr lvl="0"/>
+            <a:r>
+              <a:rPr lang="en-US" smtClean="0"/>
+              <a:t>Click to edit Master text styles</a:t>
+            </a:r>
+          </a:p>
+          <a:p>
+            <a:pPr lvl="1"/>
+            <a:r>
+              <a:rPr lang="en-US" smtClean="0"/>
+              <a:t>Second level</a:t>
+            </a:r>
+          </a:p>
+          <a:p>
+            <a:pPr lvl="2"/>
+            <a:r>
+              <a:rPr lang="en-US" smtClean="0"/>
+              <a:t>Third level</a:t>
+            </a:r>
+          </a:p>
+          <a:p>
+            <a:pPr lvl="3"/>
+            <a:r>
+              <a:rPr lang="en-US" smtClean="0"/>
+              <a:t>Fourth level</a:t>
+            </a:r>
+          </a:p>
+          <a:p>
+            <a:pPr lvl="4"/>
+            <a:r>
+              <a:rPr lang="en-US" smtClean="0"/>
+              <a:t>Fifth level</a:t>
+            </a:r>
+            <a:endParaRPr lang="en-US"/>
+          </a:p>
+        </p:txBody>
+      </p:sp>
+      <p:sp>
+        <p:nvSpPr>
+          <p:cNvPr id="6" name="Footer Placeholder 5"/>
+          <p:cNvSpPr>
+            <a:spLocks noGrp="1"/>
+          </p:cNvSpPr>
+          <p:nvPr>
+            <p:ph type="ftr" sz="quarter" idx="4"/>
+          </p:nvPr>
+        </p:nvSpPr>
+        <p:spPr>
+          <a:xfrm>
+            <a:off x="0" y="8685213"/>
+            <a:ext cx="2971800" cy="457200"/>
+          </a:xfrm>
+          <a:prstGeom prst="rect">
+            <a:avLst/>
+          </a:prstGeom>
+        </p:spPr>
+        <p:txBody>
+          <a:bodyPr vert="horz" lIns="91440" tIns="45720" rIns="91440" bIns="45720" rtlCol="0" anchor="b"/>
+          <a:lstStyle>
+            <a:lvl1pPr algn="l">
+              <a:defRPr sz="1200"/>
+            </a:lvl1pPr>
+          </a:lstStyle>
+          <a:p>
+            <a:endParaRPr lang="en-US"/>
+          </a:p>
+        </p:txBody>
+      </p:sp>
+      <p:sp>
+        <p:nvSpPr>
+          <p:cNvPr id="7" name="Slide Number Placeholder 6"/>
+          <p:cNvSpPr>
+            <a:spLocks noGrp="1"/>
+          </p:cNvSpPr>
+          <p:nvPr>
+            <p:ph type="sldNum" sz="quarter" idx="5"/>
+          </p:nvPr>
+        </p:nvSpPr>
+        <p:spPr>
+          <a:xfrm>
+            <a:off x="3884613" y="8685213"/>
+            <a:ext cx="2971800" cy="457200"/>
+          </a:xfrm>
+          <a:prstGeom prst="rect">
+            <a:avLst/>
+          </a:prstGeom>
+        </p:spPr>
+        <p:txBody>
+          <a:bodyPr vert="horz" lIns="91440" tIns="45720" rIns="91440" bIns="45720" rtlCol="0" anchor="b"/>
+          <a:lstStyle>
+            <a:lvl1pPr algn="r">
+              <a:defRPr sz="1200"/>
+            </a:lvl1pPr>
+          </a:lstStyle>
+          <a:p>
+            <a:fld id="{69F43514-956C-6F40-9D37-24480CC7F350}" type="slidenum">
+              <a:rPr lang="en-US" smtClean="0"/>
+              <a:t>‹#›</a:t>
+            </a:fld>
+            <a:endParaRPr lang="en-US"/>
+          </a:p>
+        </p:txBody>
+      </p:sp>
+    </p:spTree>
+    <p:extLst>
+      <p:ext uri="{BB962C8B-B14F-4D97-AF65-F5344CB8AC3E}">
+        <p14:creationId xmlns:p14="http://schemas.microsoft.com/office/powerpoint/2010/main" val="1385861031"/>
+      </p:ext>
+    </p:extLst>
+  </p:cSld>
+  <p:clrMap bg1="lt1" tx1="dk1" bg2="lt2" tx2="dk2" accent1="accent1" accent2="accent2" accent3="accent3" accent4="accent4" accent5="accent5" accent6="accent6" hlink="hlink" folHlink="folHlink"/>
+  <p:notesStyle>
+    <a:lvl1pPr marL="0" algn="l" defTabSz="457200" rtl="0" eaLnBrk="1" latinLnBrk="0" hangingPunct="1">
+      <a:defRPr sz="1200" kern="1200">
+        <a:solidFill>
+          <a:schemeClr val="tx1"/>
+        </a:solidFill>
+        <a:latin typeface="+mn-lt"/>
+        <a:ea typeface="+mn-ea"/>
+        <a:cs typeface="+mn-cs"/>
+      </a:defRPr>
+    </a:lvl1pPr>
+    <a:lvl2pPr marL="457200" algn="l" defTabSz="457200" rtl="0" eaLnBrk="1" latinLnBrk="0" hangingPunct="1">
+      <a:defRPr sz="1200" kern="1200">
+        <a:solidFill>
+          <a:schemeClr val="tx1"/>
+        </a:solidFill>
+        <a:latin typeface="+mn-lt"/>
+        <a:ea typeface="+mn-ea"/>
+        <a:cs typeface="+mn-cs"/>
+      </a:defRPr>
+    </a:lvl2pPr>
+    <a:lvl3pPr marL="914400" algn="l" defTabSz="457200" rtl="0" eaLnBrk="1" latinLnBrk="0" hangingPunct="1">
+      <a:defRPr sz="1200" kern="1200">
+        <a:solidFill>
+          <a:schemeClr val="tx1"/>
+        </a:solidFill>
+        <a:latin typeface="+mn-lt"/>
+        <a:ea typeface="+mn-ea"/>
+        <a:cs typeface="+mn-cs"/>
+      </a:defRPr>
+    </a:lvl3pPr>
+    <a:lvl4pPr marL="1371600" algn="l" defTabSz="457200" rtl="0" eaLnBrk="1" latinLnBrk="0" hangingPunct="1">
+      <a:defRPr sz="1200" kern="1200">
+        <a:solidFill>
+          <a:schemeClr val="tx1"/>
+        </a:solidFill>
+        <a:latin typeface="+mn-lt"/>
+        <a:ea typeface="+mn-ea"/>
+        <a:cs typeface="+mn-cs"/>
+      </a:defRPr>
+    </a:lvl4pPr>
+    <a:lvl5pPr marL="1828800" algn="l" defTabSz="457200" rtl="0" eaLnBrk="1" latinLnBrk="0" hangingPunct="1">
+      <a:defRPr sz="1200" kern="1200">
+        <a:solidFill>
+          <a:schemeClr val="tx1"/>
+        </a:solidFill>
+        <a:latin typeface="+mn-lt"/>
+        <a:ea typeface="+mn-ea"/>
+        <a:cs typeface="+mn-cs"/>
+      </a:defRPr>
+    </a:lvl5pPr>
+    <a:lvl6pPr marL="2286000" algn="l" defTabSz="457200" rtl="0" eaLnBrk="1" latinLnBrk="0" hangingPunct="1">
+      <a:defRPr sz="1200" kern="1200">
+        <a:solidFill>
+          <a:schemeClr val="tx1"/>
+        </a:solidFill>
+        <a:latin typeface="+mn-lt"/>
+        <a:ea typeface="+mn-ea"/>
+        <a:cs typeface="+mn-cs"/>
+      </a:defRPr>
+    </a:lvl6pPr>
+    <a:lvl7pPr marL="2743200" algn="l" defTabSz="457200" rtl="0" eaLnBrk="1" latinLnBrk="0" hangingPunct="1">
+      <a:defRPr sz="1200" kern="1200">
+        <a:solidFill>
+          <a:schemeClr val="tx1"/>
+        </a:solidFill>
+        <a:latin typeface="+mn-lt"/>
+        <a:ea typeface="+mn-ea"/>
+        <a:cs typeface="+mn-cs"/>
+      </a:defRPr>
+    </a:lvl7pPr>
+    <a:lvl8pPr marL="3200400" algn="l" defTabSz="457200" rtl="0" eaLnBrk="1" latinLnBrk="0" hangingPunct="1">
+      <a:defRPr sz="1200" kern="1200">
+        <a:solidFill>
+          <a:schemeClr val="tx1"/>
+        </a:solidFill>
+        <a:latin typeface="+mn-lt"/>
+        <a:ea typeface="+mn-ea"/>
+        <a:cs typeface="+mn-cs"/>
+      </a:defRPr>
+    </a:lvl8pPr>
+    <a:lvl9pPr marL="3657600" algn="l" defTabSz="457200" rtl="0" eaLnBrk="1" latinLnBrk="0" hangingPunct="1">
+      <a:defRPr sz="1200" kern="1200">
+        <a:solidFill>
+          <a:schemeClr val="tx1"/>
+        </a:solidFill>
+        <a:latin typeface="+mn-lt"/>
+        <a:ea typeface="+mn-ea"/>
+        <a:cs typeface="+mn-cs"/>
+      </a:defRPr>
+    </a:lvl9pPr>
+  </p:notesStyle>
+</p:notesMaster>
+</file>
+
+<file path=ppt/notesSlides/notesSlide1.xml><?xml version="1.0" encoding="utf-8"?>
+<p:notes xmlns:a="http://schemas.openxmlformats.org/drawingml/2006/main" xmlns:r="http://schemas.openxmlformats.org/officeDocument/2006/relationships" xmlns:p="http://schemas.openxmlformats.org/presentationml/2006/main">
+  <p:cSld>
+    <p:spTree>
+      <p:nvGrpSpPr>
+        <p:cNvPr id="1" name=""/>
+        <p:cNvGrpSpPr/>
+        <p:nvPr/>
+      </p:nvGrpSpPr>
+      <p:grpSpPr>
+        <a:xfrm>
+          <a:off x="0" y="0"/>
+          <a:ext cx="0" cy="0"/>
+          <a:chOff x="0" y="0"/>
+          <a:chExt cx="0" cy="0"/>
+        </a:xfrm>
+      </p:grpSpPr>
+      <p:sp>
+        <p:nvSpPr>
+          <p:cNvPr id="2" name="Slide Image Placeholder 1"/>
+          <p:cNvSpPr>
+            <a:spLocks noGrp="1" noRot="1" noChangeAspect="1"/>
+          </p:cNvSpPr>
+          <p:nvPr>
+            <p:ph type="sldImg"/>
+          </p:nvPr>
+        </p:nvSpPr>
+        <p:spPr/>
+      </p:sp>
+      <p:sp>
+        <p:nvSpPr>
+          <p:cNvPr id="3" name="Notes Placeholder 2"/>
+          <p:cNvSpPr>
+            <a:spLocks noGrp="1"/>
+          </p:cNvSpPr>
+          <p:nvPr>
+            <p:ph type="body" idx="1"/>
+          </p:nvPr>
+        </p:nvSpPr>
+        <p:spPr/>
+        <p:txBody>
+          <a:bodyPr/>
+          <a:lstStyle/>
+          <a:p>
+            <a:endParaRPr lang="en-US" dirty="0"/>
+          </a:p>
+        </p:txBody>
+      </p:sp>
+      <p:sp>
+        <p:nvSpPr>
+          <p:cNvPr id="4" name="Slide Number Placeholder 3"/>
+          <p:cNvSpPr>
+            <a:spLocks noGrp="1"/>
+          </p:cNvSpPr>
+          <p:nvPr>
+            <p:ph type="sldNum" sz="quarter" idx="10"/>
+          </p:nvPr>
+        </p:nvSpPr>
+        <p:spPr/>
+        <p:txBody>
+          <a:bodyPr/>
+          <a:lstStyle/>
+          <a:p>
+            <a:fld id="{69F43514-956C-6F40-9D37-24480CC7F350}" type="slidenum">
+              <a:rPr lang="en-US" smtClean="0"/>
+              <a:t>5</a:t>
+            </a:fld>
+            <a:endParaRPr lang="en-US"/>
+          </a:p>
+        </p:txBody>
+      </p:sp>
+    </p:spTree>
+    <p:extLst>
+      <p:ext uri="{BB962C8B-B14F-4D97-AF65-F5344CB8AC3E}">
+        <p14:creationId xmlns:p14="http://schemas.microsoft.com/office/powerpoint/2010/main" val="2028539527"/>
+      </p:ext>
+    </p:extLst>
+  </p:cSld>
+  <p:clrMapOvr>
+    <a:masterClrMapping/>
+  </p:clrMapOvr>
+</p:notes>
 </file>
 
 <file path=ppt/slideLayouts/slideLayout1.xml><?xml version="1.0" encoding="utf-8"?>
@@ -6593,6 +7032,2215 @@
 </p:sld>
 </file>
 
+<file path=ppt/slides/slide4.xml><?xml version="1.0" encoding="utf-8"?>
+<p:sld xmlns:a="http://schemas.openxmlformats.org/drawingml/2006/main" xmlns:r="http://schemas.openxmlformats.org/officeDocument/2006/relationships" xmlns:p="http://schemas.openxmlformats.org/presentationml/2006/main">
+  <p:cSld>
+    <p:spTree>
+      <p:nvGrpSpPr>
+        <p:cNvPr id="1" name=""/>
+        <p:cNvGrpSpPr/>
+        <p:nvPr/>
+      </p:nvGrpSpPr>
+      <p:grpSpPr>
+        <a:xfrm>
+          <a:off x="0" y="0"/>
+          <a:ext cx="0" cy="0"/>
+          <a:chOff x="0" y="0"/>
+          <a:chExt cx="0" cy="0"/>
+        </a:xfrm>
+      </p:grpSpPr>
+      <p:sp>
+        <p:nvSpPr>
+          <p:cNvPr id="4" name="Oval 3"/>
+          <p:cNvSpPr/>
+          <p:nvPr/>
+        </p:nvSpPr>
+        <p:spPr>
+          <a:xfrm>
+            <a:off x="776086" y="611441"/>
+            <a:ext cx="2010768" cy="1022967"/>
+          </a:xfrm>
+          <a:prstGeom prst="ellipse">
+            <a:avLst/>
+          </a:prstGeom>
+          <a:solidFill>
+            <a:schemeClr val="accent1"/>
+          </a:solidFill>
+          <a:ln>
+            <a:noFill/>
+          </a:ln>
+          <a:effectLst/>
+        </p:spPr>
+        <p:style>
+          <a:lnRef idx="1">
+            <a:schemeClr val="accent1"/>
+          </a:lnRef>
+          <a:fillRef idx="3">
+            <a:schemeClr val="accent1"/>
+          </a:fillRef>
+          <a:effectRef idx="2">
+            <a:schemeClr val="accent1"/>
+          </a:effectRef>
+          <a:fontRef idx="minor">
+            <a:schemeClr val="lt1"/>
+          </a:fontRef>
+        </p:style>
+        <p:txBody>
+          <a:bodyPr rtlCol="0" anchor="ctr"/>
+          <a:lstStyle/>
+          <a:p>
+            <a:pPr algn="ctr"/>
+            <a:r>
+              <a:rPr lang="en-US" dirty="0" smtClean="0">
+                <a:latin typeface="Times New Roman"/>
+                <a:cs typeface="Times New Roman"/>
+              </a:rPr>
+              <a:t>Google</a:t>
+            </a:r>
+            <a:endParaRPr lang="en-US" dirty="0">
+              <a:latin typeface="Times New Roman"/>
+              <a:cs typeface="Times New Roman"/>
+            </a:endParaRPr>
+          </a:p>
+        </p:txBody>
+      </p:sp>
+      <p:sp>
+        <p:nvSpPr>
+          <p:cNvPr id="5" name="Oval 4"/>
+          <p:cNvSpPr/>
+          <p:nvPr/>
+        </p:nvSpPr>
+        <p:spPr>
+          <a:xfrm>
+            <a:off x="3527199" y="611441"/>
+            <a:ext cx="2010768" cy="1022967"/>
+          </a:xfrm>
+          <a:prstGeom prst="ellipse">
+            <a:avLst/>
+          </a:prstGeom>
+          <a:solidFill>
+            <a:schemeClr val="accent2"/>
+          </a:solidFill>
+          <a:ln>
+            <a:noFill/>
+          </a:ln>
+          <a:effectLst/>
+        </p:spPr>
+        <p:style>
+          <a:lnRef idx="1">
+            <a:schemeClr val="accent1"/>
+          </a:lnRef>
+          <a:fillRef idx="3">
+            <a:schemeClr val="accent1"/>
+          </a:fillRef>
+          <a:effectRef idx="2">
+            <a:schemeClr val="accent1"/>
+          </a:effectRef>
+          <a:fontRef idx="minor">
+            <a:schemeClr val="lt1"/>
+          </a:fontRef>
+        </p:style>
+        <p:txBody>
+          <a:bodyPr rtlCol="0" anchor="ctr"/>
+          <a:lstStyle/>
+          <a:p>
+            <a:pPr algn="ctr"/>
+            <a:r>
+              <a:rPr lang="en-US" dirty="0" smtClean="0">
+                <a:latin typeface="Times New Roman"/>
+                <a:cs typeface="Times New Roman"/>
+              </a:rPr>
+              <a:t>Amazon</a:t>
+            </a:r>
+            <a:endParaRPr lang="en-US" dirty="0">
+              <a:latin typeface="Times New Roman"/>
+              <a:cs typeface="Times New Roman"/>
+            </a:endParaRPr>
+          </a:p>
+        </p:txBody>
+      </p:sp>
+      <p:sp>
+        <p:nvSpPr>
+          <p:cNvPr id="6" name="Oval 5"/>
+          <p:cNvSpPr/>
+          <p:nvPr/>
+        </p:nvSpPr>
+        <p:spPr>
+          <a:xfrm>
+            <a:off x="6290532" y="611441"/>
+            <a:ext cx="2010768" cy="1022967"/>
+          </a:xfrm>
+          <a:prstGeom prst="ellipse">
+            <a:avLst/>
+          </a:prstGeom>
+          <a:solidFill>
+            <a:schemeClr val="accent4"/>
+          </a:solidFill>
+          <a:ln>
+            <a:noFill/>
+          </a:ln>
+          <a:effectLst/>
+        </p:spPr>
+        <p:style>
+          <a:lnRef idx="1">
+            <a:schemeClr val="accent1"/>
+          </a:lnRef>
+          <a:fillRef idx="3">
+            <a:schemeClr val="accent1"/>
+          </a:fillRef>
+          <a:effectRef idx="2">
+            <a:schemeClr val="accent1"/>
+          </a:effectRef>
+          <a:fontRef idx="minor">
+            <a:schemeClr val="lt1"/>
+          </a:fontRef>
+        </p:style>
+        <p:txBody>
+          <a:bodyPr rtlCol="0" anchor="ctr"/>
+          <a:lstStyle/>
+          <a:p>
+            <a:pPr algn="ctr"/>
+            <a:r>
+              <a:rPr lang="en-US" dirty="0" smtClean="0">
+                <a:latin typeface="Times New Roman"/>
+                <a:cs typeface="Times New Roman"/>
+              </a:rPr>
+              <a:t>Apple</a:t>
+            </a:r>
+            <a:endParaRPr lang="en-US" dirty="0">
+              <a:latin typeface="Times New Roman"/>
+              <a:cs typeface="Times New Roman"/>
+            </a:endParaRPr>
+          </a:p>
+        </p:txBody>
+      </p:sp>
+      <p:sp>
+        <p:nvSpPr>
+          <p:cNvPr id="7" name="Rectangle 6"/>
+          <p:cNvSpPr/>
+          <p:nvPr/>
+        </p:nvSpPr>
+        <p:spPr>
+          <a:xfrm>
+            <a:off x="776086" y="1951873"/>
+            <a:ext cx="2010768" cy="482089"/>
+          </a:xfrm>
+          <a:prstGeom prst="rect">
+            <a:avLst/>
+          </a:prstGeom>
+          <a:solidFill>
+            <a:schemeClr val="accent1"/>
+          </a:solidFill>
+          <a:ln>
+            <a:noFill/>
+          </a:ln>
+          <a:effectLst/>
+        </p:spPr>
+        <p:style>
+          <a:lnRef idx="1">
+            <a:schemeClr val="accent1"/>
+          </a:lnRef>
+          <a:fillRef idx="3">
+            <a:schemeClr val="accent1"/>
+          </a:fillRef>
+          <a:effectRef idx="2">
+            <a:schemeClr val="accent1"/>
+          </a:effectRef>
+          <a:fontRef idx="minor">
+            <a:schemeClr val="lt1"/>
+          </a:fontRef>
+        </p:style>
+        <p:txBody>
+          <a:bodyPr rtlCol="0" anchor="ctr"/>
+          <a:lstStyle/>
+          <a:p>
+            <a:pPr algn="ctr"/>
+            <a:r>
+              <a:rPr lang="en-US" sz="1600" dirty="0" smtClean="0">
+                <a:latin typeface="Times New Roman"/>
+                <a:cs typeface="Times New Roman"/>
+              </a:rPr>
+              <a:t>Michael Jordan</a:t>
+            </a:r>
+            <a:endParaRPr lang="en-US" sz="1600" dirty="0">
+              <a:latin typeface="Times New Roman"/>
+              <a:cs typeface="Times New Roman"/>
+            </a:endParaRPr>
+          </a:p>
+        </p:txBody>
+      </p:sp>
+      <p:sp>
+        <p:nvSpPr>
+          <p:cNvPr id="8" name="Rectangle 7"/>
+          <p:cNvSpPr/>
+          <p:nvPr/>
+        </p:nvSpPr>
+        <p:spPr>
+          <a:xfrm>
+            <a:off x="776086" y="2739219"/>
+            <a:ext cx="2010768" cy="482089"/>
+          </a:xfrm>
+          <a:prstGeom prst="rect">
+            <a:avLst/>
+          </a:prstGeom>
+          <a:solidFill>
+            <a:schemeClr val="accent1"/>
+          </a:solidFill>
+          <a:ln>
+            <a:noFill/>
+          </a:ln>
+          <a:effectLst/>
+        </p:spPr>
+        <p:style>
+          <a:lnRef idx="1">
+            <a:schemeClr val="accent1"/>
+          </a:lnRef>
+          <a:fillRef idx="3">
+            <a:schemeClr val="accent1"/>
+          </a:fillRef>
+          <a:effectRef idx="2">
+            <a:schemeClr val="accent1"/>
+          </a:effectRef>
+          <a:fontRef idx="minor">
+            <a:schemeClr val="lt1"/>
+          </a:fontRef>
+        </p:style>
+        <p:txBody>
+          <a:bodyPr rtlCol="0" anchor="ctr"/>
+          <a:lstStyle/>
+          <a:p>
+            <a:pPr algn="ctr"/>
+            <a:r>
+              <a:rPr lang="en-US" sz="1600" dirty="0" err="1" smtClean="0">
+                <a:latin typeface="Times New Roman"/>
+                <a:cs typeface="Times New Roman"/>
+              </a:rPr>
+              <a:t>Lebron</a:t>
+            </a:r>
+            <a:r>
+              <a:rPr lang="en-US" sz="1600" dirty="0" smtClean="0">
+                <a:latin typeface="Times New Roman"/>
+                <a:cs typeface="Times New Roman"/>
+              </a:rPr>
+              <a:t> James</a:t>
+            </a:r>
+            <a:endParaRPr lang="en-US" sz="1600" dirty="0">
+              <a:latin typeface="Times New Roman"/>
+              <a:cs typeface="Times New Roman"/>
+            </a:endParaRPr>
+          </a:p>
+        </p:txBody>
+      </p:sp>
+      <p:sp>
+        <p:nvSpPr>
+          <p:cNvPr id="9" name="Rectangle 8"/>
+          <p:cNvSpPr/>
+          <p:nvPr/>
+        </p:nvSpPr>
+        <p:spPr>
+          <a:xfrm>
+            <a:off x="776086" y="3538324"/>
+            <a:ext cx="2010768" cy="482089"/>
+          </a:xfrm>
+          <a:prstGeom prst="rect">
+            <a:avLst/>
+          </a:prstGeom>
+          <a:solidFill>
+            <a:schemeClr val="accent1"/>
+          </a:solidFill>
+          <a:ln>
+            <a:noFill/>
+          </a:ln>
+          <a:effectLst/>
+        </p:spPr>
+        <p:style>
+          <a:lnRef idx="1">
+            <a:schemeClr val="accent1"/>
+          </a:lnRef>
+          <a:fillRef idx="3">
+            <a:schemeClr val="accent1"/>
+          </a:fillRef>
+          <a:effectRef idx="2">
+            <a:schemeClr val="accent1"/>
+          </a:effectRef>
+          <a:fontRef idx="minor">
+            <a:schemeClr val="lt1"/>
+          </a:fontRef>
+        </p:style>
+        <p:txBody>
+          <a:bodyPr rtlCol="0" anchor="ctr"/>
+          <a:lstStyle/>
+          <a:p>
+            <a:pPr algn="ctr"/>
+            <a:r>
+              <a:rPr lang="en-US" sz="1600" dirty="0" smtClean="0">
+                <a:latin typeface="Times New Roman"/>
+                <a:cs typeface="Times New Roman"/>
+              </a:rPr>
+              <a:t>Kevin Durant</a:t>
+            </a:r>
+            <a:endParaRPr lang="en-US" sz="1600" dirty="0">
+              <a:latin typeface="Times New Roman"/>
+              <a:cs typeface="Times New Roman"/>
+            </a:endParaRPr>
+          </a:p>
+        </p:txBody>
+      </p:sp>
+      <p:sp>
+        <p:nvSpPr>
+          <p:cNvPr id="10" name="Rectangle 9"/>
+          <p:cNvSpPr/>
+          <p:nvPr/>
+        </p:nvSpPr>
+        <p:spPr>
+          <a:xfrm>
+            <a:off x="776086" y="4337427"/>
+            <a:ext cx="2010768" cy="482089"/>
+          </a:xfrm>
+          <a:prstGeom prst="rect">
+            <a:avLst/>
+          </a:prstGeom>
+          <a:solidFill>
+            <a:schemeClr val="accent1"/>
+          </a:solidFill>
+          <a:ln>
+            <a:noFill/>
+          </a:ln>
+          <a:effectLst/>
+        </p:spPr>
+        <p:style>
+          <a:lnRef idx="1">
+            <a:schemeClr val="accent1"/>
+          </a:lnRef>
+          <a:fillRef idx="3">
+            <a:schemeClr val="accent1"/>
+          </a:fillRef>
+          <a:effectRef idx="2">
+            <a:schemeClr val="accent1"/>
+          </a:effectRef>
+          <a:fontRef idx="minor">
+            <a:schemeClr val="lt1"/>
+          </a:fontRef>
+        </p:style>
+        <p:txBody>
+          <a:bodyPr rtlCol="0" anchor="ctr"/>
+          <a:lstStyle/>
+          <a:p>
+            <a:pPr algn="ctr"/>
+            <a:r>
+              <a:rPr lang="en-US" sz="1600" dirty="0" smtClean="0">
+                <a:latin typeface="Times New Roman"/>
+                <a:cs typeface="Times New Roman"/>
+              </a:rPr>
+              <a:t>Stephen Curry</a:t>
+            </a:r>
+            <a:endParaRPr lang="en-US" sz="1600" dirty="0">
+              <a:latin typeface="Times New Roman"/>
+              <a:cs typeface="Times New Roman"/>
+            </a:endParaRPr>
+          </a:p>
+        </p:txBody>
+      </p:sp>
+      <p:sp>
+        <p:nvSpPr>
+          <p:cNvPr id="11" name="Rectangle 10"/>
+          <p:cNvSpPr/>
+          <p:nvPr/>
+        </p:nvSpPr>
+        <p:spPr>
+          <a:xfrm>
+            <a:off x="3527199" y="1951873"/>
+            <a:ext cx="2010768" cy="482089"/>
+          </a:xfrm>
+          <a:prstGeom prst="rect">
+            <a:avLst/>
+          </a:prstGeom>
+          <a:solidFill>
+            <a:schemeClr val="accent2"/>
+          </a:solidFill>
+          <a:ln>
+            <a:noFill/>
+          </a:ln>
+          <a:effectLst/>
+        </p:spPr>
+        <p:style>
+          <a:lnRef idx="1">
+            <a:schemeClr val="accent1"/>
+          </a:lnRef>
+          <a:fillRef idx="3">
+            <a:schemeClr val="accent1"/>
+          </a:fillRef>
+          <a:effectRef idx="2">
+            <a:schemeClr val="accent1"/>
+          </a:effectRef>
+          <a:fontRef idx="minor">
+            <a:schemeClr val="lt1"/>
+          </a:fontRef>
+        </p:style>
+        <p:txBody>
+          <a:bodyPr rtlCol="0" anchor="ctr"/>
+          <a:lstStyle/>
+          <a:p>
+            <a:pPr algn="ctr"/>
+            <a:r>
+              <a:rPr lang="en-US" sz="1600" dirty="0" smtClean="0">
+                <a:latin typeface="Times New Roman"/>
+                <a:cs typeface="Times New Roman"/>
+              </a:rPr>
+              <a:t>Danny Glover</a:t>
+            </a:r>
+            <a:endParaRPr lang="en-US" sz="1600" dirty="0">
+              <a:latin typeface="Times New Roman"/>
+              <a:cs typeface="Times New Roman"/>
+            </a:endParaRPr>
+          </a:p>
+        </p:txBody>
+      </p:sp>
+      <p:sp>
+        <p:nvSpPr>
+          <p:cNvPr id="12" name="Rectangle 11"/>
+          <p:cNvSpPr/>
+          <p:nvPr/>
+        </p:nvSpPr>
+        <p:spPr>
+          <a:xfrm>
+            <a:off x="3527199" y="2739219"/>
+            <a:ext cx="2010768" cy="482089"/>
+          </a:xfrm>
+          <a:prstGeom prst="rect">
+            <a:avLst/>
+          </a:prstGeom>
+          <a:solidFill>
+            <a:schemeClr val="accent2"/>
+          </a:solidFill>
+          <a:ln>
+            <a:noFill/>
+          </a:ln>
+          <a:effectLst/>
+        </p:spPr>
+        <p:style>
+          <a:lnRef idx="1">
+            <a:schemeClr val="accent1"/>
+          </a:lnRef>
+          <a:fillRef idx="3">
+            <a:schemeClr val="accent1"/>
+          </a:fillRef>
+          <a:effectRef idx="2">
+            <a:schemeClr val="accent1"/>
+          </a:effectRef>
+          <a:fontRef idx="minor">
+            <a:schemeClr val="lt1"/>
+          </a:fontRef>
+        </p:style>
+        <p:txBody>
+          <a:bodyPr rtlCol="0" anchor="ctr"/>
+          <a:lstStyle/>
+          <a:p>
+            <a:pPr algn="ctr"/>
+            <a:r>
+              <a:rPr lang="en-US" sz="1600" dirty="0" smtClean="0">
+                <a:latin typeface="Times New Roman"/>
+                <a:cs typeface="Times New Roman"/>
+              </a:rPr>
+              <a:t>Chadwick </a:t>
+            </a:r>
+            <a:r>
+              <a:rPr lang="en-US" sz="1600" dirty="0" err="1" smtClean="0">
+                <a:latin typeface="Times New Roman"/>
+                <a:cs typeface="Times New Roman"/>
+              </a:rPr>
+              <a:t>Boseman</a:t>
+            </a:r>
+            <a:endParaRPr lang="en-US" sz="1600" dirty="0">
+              <a:latin typeface="Times New Roman"/>
+              <a:cs typeface="Times New Roman"/>
+            </a:endParaRPr>
+          </a:p>
+        </p:txBody>
+      </p:sp>
+      <p:sp>
+        <p:nvSpPr>
+          <p:cNvPr id="13" name="Rectangle 12"/>
+          <p:cNvSpPr/>
+          <p:nvPr/>
+        </p:nvSpPr>
+        <p:spPr>
+          <a:xfrm>
+            <a:off x="3527199" y="3538324"/>
+            <a:ext cx="2010768" cy="482089"/>
+          </a:xfrm>
+          <a:prstGeom prst="rect">
+            <a:avLst/>
+          </a:prstGeom>
+          <a:solidFill>
+            <a:schemeClr val="accent2"/>
+          </a:solidFill>
+          <a:ln>
+            <a:noFill/>
+          </a:ln>
+          <a:effectLst/>
+        </p:spPr>
+        <p:style>
+          <a:lnRef idx="1">
+            <a:schemeClr val="accent1"/>
+          </a:lnRef>
+          <a:fillRef idx="3">
+            <a:schemeClr val="accent1"/>
+          </a:fillRef>
+          <a:effectRef idx="2">
+            <a:schemeClr val="accent1"/>
+          </a:effectRef>
+          <a:fontRef idx="minor">
+            <a:schemeClr val="lt1"/>
+          </a:fontRef>
+        </p:style>
+        <p:txBody>
+          <a:bodyPr rtlCol="0" anchor="ctr"/>
+          <a:lstStyle/>
+          <a:p>
+            <a:pPr algn="ctr"/>
+            <a:r>
+              <a:rPr lang="en-US" sz="1600" dirty="0" smtClean="0">
+                <a:latin typeface="Times New Roman"/>
+                <a:cs typeface="Times New Roman"/>
+              </a:rPr>
+              <a:t>Michael Jordan</a:t>
+            </a:r>
+            <a:endParaRPr lang="en-US" sz="1600" dirty="0">
+              <a:latin typeface="Times New Roman"/>
+              <a:cs typeface="Times New Roman"/>
+            </a:endParaRPr>
+          </a:p>
+        </p:txBody>
+      </p:sp>
+      <p:sp>
+        <p:nvSpPr>
+          <p:cNvPr id="14" name="Rectangle 13"/>
+          <p:cNvSpPr/>
+          <p:nvPr/>
+        </p:nvSpPr>
+        <p:spPr>
+          <a:xfrm>
+            <a:off x="3527199" y="4337427"/>
+            <a:ext cx="2010768" cy="482089"/>
+          </a:xfrm>
+          <a:prstGeom prst="rect">
+            <a:avLst/>
+          </a:prstGeom>
+          <a:solidFill>
+            <a:schemeClr val="accent2"/>
+          </a:solidFill>
+          <a:ln>
+            <a:noFill/>
+          </a:ln>
+          <a:effectLst/>
+        </p:spPr>
+        <p:style>
+          <a:lnRef idx="1">
+            <a:schemeClr val="accent1"/>
+          </a:lnRef>
+          <a:fillRef idx="3">
+            <a:schemeClr val="accent1"/>
+          </a:fillRef>
+          <a:effectRef idx="2">
+            <a:schemeClr val="accent1"/>
+          </a:effectRef>
+          <a:fontRef idx="minor">
+            <a:schemeClr val="lt1"/>
+          </a:fontRef>
+        </p:style>
+        <p:txBody>
+          <a:bodyPr rtlCol="0" anchor="ctr"/>
+          <a:lstStyle/>
+          <a:p>
+            <a:pPr algn="ctr"/>
+            <a:r>
+              <a:rPr lang="en-US" sz="1600" dirty="0" smtClean="0">
+                <a:latin typeface="Times New Roman"/>
+                <a:cs typeface="Times New Roman"/>
+              </a:rPr>
+              <a:t>Donald Glover</a:t>
+            </a:r>
+            <a:endParaRPr lang="en-US" sz="1600" dirty="0">
+              <a:latin typeface="Times New Roman"/>
+              <a:cs typeface="Times New Roman"/>
+            </a:endParaRPr>
+          </a:p>
+        </p:txBody>
+      </p:sp>
+      <p:sp>
+        <p:nvSpPr>
+          <p:cNvPr id="15" name="Rectangle 14"/>
+          <p:cNvSpPr/>
+          <p:nvPr/>
+        </p:nvSpPr>
+        <p:spPr>
+          <a:xfrm>
+            <a:off x="6290532" y="1951873"/>
+            <a:ext cx="2010768" cy="482089"/>
+          </a:xfrm>
+          <a:prstGeom prst="rect">
+            <a:avLst/>
+          </a:prstGeom>
+          <a:solidFill>
+            <a:schemeClr val="accent4"/>
+          </a:solidFill>
+          <a:ln>
+            <a:noFill/>
+          </a:ln>
+          <a:effectLst/>
+        </p:spPr>
+        <p:style>
+          <a:lnRef idx="1">
+            <a:schemeClr val="accent1"/>
+          </a:lnRef>
+          <a:fillRef idx="3">
+            <a:schemeClr val="accent1"/>
+          </a:fillRef>
+          <a:effectRef idx="2">
+            <a:schemeClr val="accent1"/>
+          </a:effectRef>
+          <a:fontRef idx="minor">
+            <a:schemeClr val="lt1"/>
+          </a:fontRef>
+        </p:style>
+        <p:txBody>
+          <a:bodyPr rtlCol="0" anchor="ctr"/>
+          <a:lstStyle/>
+          <a:p>
+            <a:pPr algn="ctr"/>
+            <a:r>
+              <a:rPr lang="en-US" sz="1600" dirty="0" smtClean="0">
+                <a:latin typeface="Times New Roman"/>
+                <a:cs typeface="Times New Roman"/>
+              </a:rPr>
+              <a:t>Alan </a:t>
+            </a:r>
+            <a:r>
+              <a:rPr lang="en-US" sz="1600" dirty="0" err="1" smtClean="0">
+                <a:latin typeface="Times New Roman"/>
+                <a:cs typeface="Times New Roman"/>
+              </a:rPr>
+              <a:t>Gelfand</a:t>
+            </a:r>
+            <a:endParaRPr lang="en-US" sz="1600" dirty="0">
+              <a:latin typeface="Times New Roman"/>
+              <a:cs typeface="Times New Roman"/>
+            </a:endParaRPr>
+          </a:p>
+        </p:txBody>
+      </p:sp>
+      <p:sp>
+        <p:nvSpPr>
+          <p:cNvPr id="16" name="Rectangle 15"/>
+          <p:cNvSpPr/>
+          <p:nvPr/>
+        </p:nvSpPr>
+        <p:spPr>
+          <a:xfrm>
+            <a:off x="6290532" y="2739219"/>
+            <a:ext cx="2010768" cy="482089"/>
+          </a:xfrm>
+          <a:prstGeom prst="rect">
+            <a:avLst/>
+          </a:prstGeom>
+          <a:solidFill>
+            <a:schemeClr val="accent4"/>
+          </a:solidFill>
+          <a:ln>
+            <a:noFill/>
+          </a:ln>
+          <a:effectLst/>
+        </p:spPr>
+        <p:style>
+          <a:lnRef idx="1">
+            <a:schemeClr val="accent1"/>
+          </a:lnRef>
+          <a:fillRef idx="3">
+            <a:schemeClr val="accent1"/>
+          </a:fillRef>
+          <a:effectRef idx="2">
+            <a:schemeClr val="accent1"/>
+          </a:effectRef>
+          <a:fontRef idx="minor">
+            <a:schemeClr val="lt1"/>
+          </a:fontRef>
+        </p:style>
+        <p:txBody>
+          <a:bodyPr rtlCol="0" anchor="ctr"/>
+          <a:lstStyle/>
+          <a:p>
+            <a:pPr algn="ctr"/>
+            <a:r>
+              <a:rPr lang="en-US" sz="1600" dirty="0" smtClean="0">
+                <a:latin typeface="Times New Roman"/>
+                <a:cs typeface="Times New Roman"/>
+              </a:rPr>
+              <a:t>Ed George</a:t>
+            </a:r>
+            <a:endParaRPr lang="en-US" sz="1600" dirty="0">
+              <a:latin typeface="Times New Roman"/>
+              <a:cs typeface="Times New Roman"/>
+            </a:endParaRPr>
+          </a:p>
+        </p:txBody>
+      </p:sp>
+      <p:sp>
+        <p:nvSpPr>
+          <p:cNvPr id="17" name="Rectangle 16"/>
+          <p:cNvSpPr/>
+          <p:nvPr/>
+        </p:nvSpPr>
+        <p:spPr>
+          <a:xfrm>
+            <a:off x="6290532" y="3538324"/>
+            <a:ext cx="2010768" cy="482089"/>
+          </a:xfrm>
+          <a:prstGeom prst="rect">
+            <a:avLst/>
+          </a:prstGeom>
+          <a:solidFill>
+            <a:schemeClr val="accent4"/>
+          </a:solidFill>
+          <a:ln>
+            <a:noFill/>
+          </a:ln>
+          <a:effectLst/>
+        </p:spPr>
+        <p:style>
+          <a:lnRef idx="1">
+            <a:schemeClr val="accent1"/>
+          </a:lnRef>
+          <a:fillRef idx="3">
+            <a:schemeClr val="accent1"/>
+          </a:fillRef>
+          <a:effectRef idx="2">
+            <a:schemeClr val="accent1"/>
+          </a:effectRef>
+          <a:fontRef idx="minor">
+            <a:schemeClr val="lt1"/>
+          </a:fontRef>
+        </p:style>
+        <p:txBody>
+          <a:bodyPr rtlCol="0" anchor="ctr"/>
+          <a:lstStyle/>
+          <a:p>
+            <a:pPr algn="ctr"/>
+            <a:r>
+              <a:rPr lang="en-US" sz="1600" dirty="0" smtClean="0">
+                <a:latin typeface="Times New Roman"/>
+                <a:cs typeface="Times New Roman"/>
+              </a:rPr>
+              <a:t>Mike Jordan</a:t>
+            </a:r>
+            <a:endParaRPr lang="en-US" sz="1600" dirty="0">
+              <a:latin typeface="Times New Roman"/>
+              <a:cs typeface="Times New Roman"/>
+            </a:endParaRPr>
+          </a:p>
+        </p:txBody>
+      </p:sp>
+      <p:sp>
+        <p:nvSpPr>
+          <p:cNvPr id="18" name="Rectangle 17"/>
+          <p:cNvSpPr/>
+          <p:nvPr/>
+        </p:nvSpPr>
+        <p:spPr>
+          <a:xfrm>
+            <a:off x="6290532" y="4337427"/>
+            <a:ext cx="2010768" cy="482089"/>
+          </a:xfrm>
+          <a:prstGeom prst="rect">
+            <a:avLst/>
+          </a:prstGeom>
+          <a:solidFill>
+            <a:schemeClr val="accent4"/>
+          </a:solidFill>
+          <a:ln>
+            <a:noFill/>
+          </a:ln>
+          <a:effectLst/>
+        </p:spPr>
+        <p:style>
+          <a:lnRef idx="1">
+            <a:schemeClr val="accent1"/>
+          </a:lnRef>
+          <a:fillRef idx="3">
+            <a:schemeClr val="accent1"/>
+          </a:fillRef>
+          <a:effectRef idx="2">
+            <a:schemeClr val="accent1"/>
+          </a:effectRef>
+          <a:fontRef idx="minor">
+            <a:schemeClr val="lt1"/>
+          </a:fontRef>
+        </p:style>
+        <p:txBody>
+          <a:bodyPr rtlCol="0" anchor="ctr"/>
+          <a:lstStyle/>
+          <a:p>
+            <a:pPr algn="ctr"/>
+            <a:r>
+              <a:rPr lang="en-US" sz="1600" dirty="0" smtClean="0">
+                <a:latin typeface="Times New Roman"/>
+                <a:cs typeface="Times New Roman"/>
+              </a:rPr>
+              <a:t>Phillip </a:t>
+            </a:r>
+            <a:r>
+              <a:rPr lang="en-US" sz="1600" dirty="0" err="1" smtClean="0">
+                <a:latin typeface="Times New Roman"/>
+                <a:cs typeface="Times New Roman"/>
+              </a:rPr>
+              <a:t>Dawid</a:t>
+            </a:r>
+            <a:endParaRPr lang="en-US" sz="1600" dirty="0">
+              <a:latin typeface="Times New Roman"/>
+              <a:cs typeface="Times New Roman"/>
+            </a:endParaRPr>
+          </a:p>
+        </p:txBody>
+      </p:sp>
+      <p:cxnSp>
+        <p:nvCxnSpPr>
+          <p:cNvPr id="20" name="Straight Connector 19"/>
+          <p:cNvCxnSpPr>
+            <a:stCxn id="13" idx="3"/>
+            <a:endCxn id="17" idx="1"/>
+          </p:cNvCxnSpPr>
+          <p:nvPr/>
+        </p:nvCxnSpPr>
+        <p:spPr>
+          <a:xfrm>
+            <a:off x="5537967" y="3779369"/>
+            <a:ext cx="752565" cy="0"/>
+          </a:xfrm>
+          <a:prstGeom prst="line">
+            <a:avLst/>
+          </a:prstGeom>
+          <a:ln>
+            <a:solidFill>
+              <a:schemeClr val="tx1"/>
+            </a:solidFill>
+            <a:prstDash val="sysDash"/>
+          </a:ln>
+          <a:effectLst/>
+        </p:spPr>
+        <p:style>
+          <a:lnRef idx="2">
+            <a:schemeClr val="accent1"/>
+          </a:lnRef>
+          <a:fillRef idx="0">
+            <a:schemeClr val="accent1"/>
+          </a:fillRef>
+          <a:effectRef idx="1">
+            <a:schemeClr val="accent1"/>
+          </a:effectRef>
+          <a:fontRef idx="minor">
+            <a:schemeClr val="tx1"/>
+          </a:fontRef>
+        </p:style>
+      </p:cxnSp>
+      <p:cxnSp>
+        <p:nvCxnSpPr>
+          <p:cNvPr id="21" name="Straight Connector 20"/>
+          <p:cNvCxnSpPr>
+            <a:stCxn id="13" idx="1"/>
+            <a:endCxn id="7" idx="3"/>
+          </p:cNvCxnSpPr>
+          <p:nvPr/>
+        </p:nvCxnSpPr>
+        <p:spPr>
+          <a:xfrm flipH="1" flipV="1">
+            <a:off x="2786854" y="2192918"/>
+            <a:ext cx="740345" cy="1586451"/>
+          </a:xfrm>
+          <a:prstGeom prst="line">
+            <a:avLst/>
+          </a:prstGeom>
+          <a:ln>
+            <a:solidFill>
+              <a:schemeClr val="tx1"/>
+            </a:solidFill>
+            <a:prstDash val="sysDash"/>
+          </a:ln>
+          <a:effectLst/>
+        </p:spPr>
+        <p:style>
+          <a:lnRef idx="2">
+            <a:schemeClr val="accent1"/>
+          </a:lnRef>
+          <a:fillRef idx="0">
+            <a:schemeClr val="accent1"/>
+          </a:fillRef>
+          <a:effectRef idx="1">
+            <a:schemeClr val="accent1"/>
+          </a:effectRef>
+          <a:fontRef idx="minor">
+            <a:schemeClr val="tx1"/>
+          </a:fontRef>
+        </p:style>
+      </p:cxnSp>
+      <p:cxnSp>
+        <p:nvCxnSpPr>
+          <p:cNvPr id="27" name="Curved Connector 26"/>
+          <p:cNvCxnSpPr>
+            <a:stCxn id="11" idx="1"/>
+            <a:endCxn id="14" idx="1"/>
+          </p:cNvCxnSpPr>
+          <p:nvPr/>
+        </p:nvCxnSpPr>
+        <p:spPr>
+          <a:xfrm rot="10800000" flipV="1">
+            <a:off x="3527199" y="2192918"/>
+            <a:ext cx="12700" cy="2385554"/>
+          </a:xfrm>
+          <a:prstGeom prst="curvedConnector3">
+            <a:avLst>
+              <a:gd name="adj1" fmla="val 3559205"/>
+            </a:avLst>
+          </a:prstGeom>
+          <a:ln>
+            <a:solidFill>
+              <a:srgbClr val="000000"/>
+            </a:solidFill>
+            <a:prstDash val="sysDash"/>
+          </a:ln>
+          <a:effectLst/>
+        </p:spPr>
+        <p:style>
+          <a:lnRef idx="2">
+            <a:schemeClr val="accent1"/>
+          </a:lnRef>
+          <a:fillRef idx="0">
+            <a:schemeClr val="accent1"/>
+          </a:fillRef>
+          <a:effectRef idx="1">
+            <a:schemeClr val="accent1"/>
+          </a:effectRef>
+          <a:fontRef idx="minor">
+            <a:schemeClr val="tx1"/>
+          </a:fontRef>
+        </p:style>
+      </p:cxnSp>
+    </p:spTree>
+    <p:extLst>
+      <p:ext uri="{BB962C8B-B14F-4D97-AF65-F5344CB8AC3E}">
+        <p14:creationId xmlns:p14="http://schemas.microsoft.com/office/powerpoint/2010/main" val="1832534285"/>
+      </p:ext>
+    </p:extLst>
+  </p:cSld>
+  <p:clrMapOvr>
+    <a:masterClrMapping/>
+  </p:clrMapOvr>
+  <p:timing>
+    <p:tnLst>
+      <p:par>
+        <p:cTn xmlns:p14="http://schemas.microsoft.com/office/powerpoint/2010/main" id="1" dur="indefinite" restart="never" nodeType="tmRoot"/>
+      </p:par>
+    </p:tnLst>
+  </p:timing>
+</p:sld>
+</file>
+
+<file path=ppt/slides/slide5.xml><?xml version="1.0" encoding="utf-8"?>
+<p:sld xmlns:a="http://schemas.openxmlformats.org/drawingml/2006/main" xmlns:r="http://schemas.openxmlformats.org/officeDocument/2006/relationships" xmlns:p="http://schemas.openxmlformats.org/presentationml/2006/main">
+  <p:cSld>
+    <p:spTree>
+      <p:nvGrpSpPr>
+        <p:cNvPr id="1" name=""/>
+        <p:cNvGrpSpPr/>
+        <p:nvPr/>
+      </p:nvGrpSpPr>
+      <p:grpSpPr>
+        <a:xfrm>
+          <a:off x="0" y="0"/>
+          <a:ext cx="0" cy="0"/>
+          <a:chOff x="0" y="0"/>
+          <a:chExt cx="0" cy="0"/>
+        </a:xfrm>
+      </p:grpSpPr>
+      <p:cxnSp>
+        <p:nvCxnSpPr>
+          <p:cNvPr id="28" name="Straight Connector 27"/>
+          <p:cNvCxnSpPr>
+            <a:stCxn id="17" idx="1"/>
+            <a:endCxn id="2" idx="3"/>
+          </p:cNvCxnSpPr>
+          <p:nvPr/>
+        </p:nvCxnSpPr>
+        <p:spPr>
+          <a:xfrm flipH="1">
+            <a:off x="3595425" y="3779369"/>
+            <a:ext cx="2695107" cy="2074871"/>
+          </a:xfrm>
+          <a:prstGeom prst="line">
+            <a:avLst/>
+          </a:prstGeom>
+          <a:ln>
+            <a:solidFill>
+              <a:schemeClr val="tx1"/>
+            </a:solidFill>
+            <a:prstDash val="sysDash"/>
+          </a:ln>
+          <a:effectLst/>
+        </p:spPr>
+        <p:style>
+          <a:lnRef idx="2">
+            <a:schemeClr val="accent1"/>
+          </a:lnRef>
+          <a:fillRef idx="0">
+            <a:schemeClr val="accent1"/>
+          </a:fillRef>
+          <a:effectRef idx="1">
+            <a:schemeClr val="accent1"/>
+          </a:effectRef>
+          <a:fontRef idx="minor">
+            <a:schemeClr val="tx1"/>
+          </a:fontRef>
+        </p:style>
+      </p:cxnSp>
+      <p:sp>
+        <p:nvSpPr>
+          <p:cNvPr id="4" name="Oval 3"/>
+          <p:cNvSpPr/>
+          <p:nvPr/>
+        </p:nvSpPr>
+        <p:spPr>
+          <a:xfrm>
+            <a:off x="776086" y="611441"/>
+            <a:ext cx="2010768" cy="1022967"/>
+          </a:xfrm>
+          <a:prstGeom prst="ellipse">
+            <a:avLst/>
+          </a:prstGeom>
+          <a:solidFill>
+            <a:schemeClr val="accent1"/>
+          </a:solidFill>
+          <a:ln>
+            <a:noFill/>
+          </a:ln>
+          <a:effectLst/>
+        </p:spPr>
+        <p:style>
+          <a:lnRef idx="1">
+            <a:schemeClr val="accent1"/>
+          </a:lnRef>
+          <a:fillRef idx="3">
+            <a:schemeClr val="accent1"/>
+          </a:fillRef>
+          <a:effectRef idx="2">
+            <a:schemeClr val="accent1"/>
+          </a:effectRef>
+          <a:fontRef idx="minor">
+            <a:schemeClr val="lt1"/>
+          </a:fontRef>
+        </p:style>
+        <p:txBody>
+          <a:bodyPr rtlCol="0" anchor="ctr"/>
+          <a:lstStyle/>
+          <a:p>
+            <a:pPr algn="ctr"/>
+            <a:r>
+              <a:rPr lang="en-US" dirty="0" smtClean="0">
+                <a:latin typeface="Times New Roman"/>
+                <a:cs typeface="Times New Roman"/>
+              </a:rPr>
+              <a:t>Google</a:t>
+            </a:r>
+            <a:endParaRPr lang="en-US" dirty="0">
+              <a:latin typeface="Times New Roman"/>
+              <a:cs typeface="Times New Roman"/>
+            </a:endParaRPr>
+          </a:p>
+        </p:txBody>
+      </p:sp>
+      <p:sp>
+        <p:nvSpPr>
+          <p:cNvPr id="5" name="Oval 4"/>
+          <p:cNvSpPr/>
+          <p:nvPr/>
+        </p:nvSpPr>
+        <p:spPr>
+          <a:xfrm>
+            <a:off x="3527199" y="611441"/>
+            <a:ext cx="2010768" cy="1022967"/>
+          </a:xfrm>
+          <a:prstGeom prst="ellipse">
+            <a:avLst/>
+          </a:prstGeom>
+          <a:solidFill>
+            <a:schemeClr val="accent2"/>
+          </a:solidFill>
+          <a:ln>
+            <a:noFill/>
+          </a:ln>
+          <a:effectLst/>
+        </p:spPr>
+        <p:style>
+          <a:lnRef idx="1">
+            <a:schemeClr val="accent1"/>
+          </a:lnRef>
+          <a:fillRef idx="3">
+            <a:schemeClr val="accent1"/>
+          </a:fillRef>
+          <a:effectRef idx="2">
+            <a:schemeClr val="accent1"/>
+          </a:effectRef>
+          <a:fontRef idx="minor">
+            <a:schemeClr val="lt1"/>
+          </a:fontRef>
+        </p:style>
+        <p:txBody>
+          <a:bodyPr rtlCol="0" anchor="ctr"/>
+          <a:lstStyle/>
+          <a:p>
+            <a:pPr algn="ctr"/>
+            <a:r>
+              <a:rPr lang="en-US" dirty="0" smtClean="0">
+                <a:latin typeface="Times New Roman"/>
+                <a:cs typeface="Times New Roman"/>
+              </a:rPr>
+              <a:t>Amazon</a:t>
+            </a:r>
+            <a:endParaRPr lang="en-US" dirty="0">
+              <a:latin typeface="Times New Roman"/>
+              <a:cs typeface="Times New Roman"/>
+            </a:endParaRPr>
+          </a:p>
+        </p:txBody>
+      </p:sp>
+      <p:sp>
+        <p:nvSpPr>
+          <p:cNvPr id="6" name="Oval 5"/>
+          <p:cNvSpPr/>
+          <p:nvPr/>
+        </p:nvSpPr>
+        <p:spPr>
+          <a:xfrm>
+            <a:off x="6290532" y="611441"/>
+            <a:ext cx="2010768" cy="1022967"/>
+          </a:xfrm>
+          <a:prstGeom prst="ellipse">
+            <a:avLst/>
+          </a:prstGeom>
+          <a:solidFill>
+            <a:schemeClr val="accent4"/>
+          </a:solidFill>
+          <a:ln>
+            <a:noFill/>
+          </a:ln>
+          <a:effectLst/>
+        </p:spPr>
+        <p:style>
+          <a:lnRef idx="1">
+            <a:schemeClr val="accent1"/>
+          </a:lnRef>
+          <a:fillRef idx="3">
+            <a:schemeClr val="accent1"/>
+          </a:fillRef>
+          <a:effectRef idx="2">
+            <a:schemeClr val="accent1"/>
+          </a:effectRef>
+          <a:fontRef idx="minor">
+            <a:schemeClr val="lt1"/>
+          </a:fontRef>
+        </p:style>
+        <p:txBody>
+          <a:bodyPr rtlCol="0" anchor="ctr"/>
+          <a:lstStyle/>
+          <a:p>
+            <a:pPr algn="ctr"/>
+            <a:r>
+              <a:rPr lang="en-US" dirty="0" smtClean="0">
+                <a:latin typeface="Times New Roman"/>
+                <a:cs typeface="Times New Roman"/>
+              </a:rPr>
+              <a:t>Apple</a:t>
+            </a:r>
+            <a:endParaRPr lang="en-US" dirty="0">
+              <a:latin typeface="Times New Roman"/>
+              <a:cs typeface="Times New Roman"/>
+            </a:endParaRPr>
+          </a:p>
+        </p:txBody>
+      </p:sp>
+      <p:sp>
+        <p:nvSpPr>
+          <p:cNvPr id="7" name="Rectangle 6"/>
+          <p:cNvSpPr/>
+          <p:nvPr/>
+        </p:nvSpPr>
+        <p:spPr>
+          <a:xfrm>
+            <a:off x="776086" y="1951873"/>
+            <a:ext cx="2010768" cy="482089"/>
+          </a:xfrm>
+          <a:prstGeom prst="rect">
+            <a:avLst/>
+          </a:prstGeom>
+          <a:solidFill>
+            <a:schemeClr val="accent1"/>
+          </a:solidFill>
+          <a:ln>
+            <a:noFill/>
+          </a:ln>
+          <a:effectLst/>
+        </p:spPr>
+        <p:style>
+          <a:lnRef idx="1">
+            <a:schemeClr val="accent1"/>
+          </a:lnRef>
+          <a:fillRef idx="3">
+            <a:schemeClr val="accent1"/>
+          </a:fillRef>
+          <a:effectRef idx="2">
+            <a:schemeClr val="accent1"/>
+          </a:effectRef>
+          <a:fontRef idx="minor">
+            <a:schemeClr val="lt1"/>
+          </a:fontRef>
+        </p:style>
+        <p:txBody>
+          <a:bodyPr rtlCol="0" anchor="ctr"/>
+          <a:lstStyle/>
+          <a:p>
+            <a:pPr algn="ctr"/>
+            <a:r>
+              <a:rPr lang="en-US" sz="1600" dirty="0" smtClean="0">
+                <a:latin typeface="Times New Roman"/>
+                <a:cs typeface="Times New Roman"/>
+              </a:rPr>
+              <a:t>Michael Jordan</a:t>
+            </a:r>
+            <a:endParaRPr lang="en-US" sz="1600" dirty="0">
+              <a:latin typeface="Times New Roman"/>
+              <a:cs typeface="Times New Roman"/>
+            </a:endParaRPr>
+          </a:p>
+        </p:txBody>
+      </p:sp>
+      <p:sp>
+        <p:nvSpPr>
+          <p:cNvPr id="8" name="Rectangle 7"/>
+          <p:cNvSpPr/>
+          <p:nvPr/>
+        </p:nvSpPr>
+        <p:spPr>
+          <a:xfrm>
+            <a:off x="776086" y="2739219"/>
+            <a:ext cx="2010768" cy="482089"/>
+          </a:xfrm>
+          <a:prstGeom prst="rect">
+            <a:avLst/>
+          </a:prstGeom>
+          <a:solidFill>
+            <a:schemeClr val="accent1"/>
+          </a:solidFill>
+          <a:ln>
+            <a:noFill/>
+          </a:ln>
+          <a:effectLst/>
+        </p:spPr>
+        <p:style>
+          <a:lnRef idx="1">
+            <a:schemeClr val="accent1"/>
+          </a:lnRef>
+          <a:fillRef idx="3">
+            <a:schemeClr val="accent1"/>
+          </a:fillRef>
+          <a:effectRef idx="2">
+            <a:schemeClr val="accent1"/>
+          </a:effectRef>
+          <a:fontRef idx="minor">
+            <a:schemeClr val="lt1"/>
+          </a:fontRef>
+        </p:style>
+        <p:txBody>
+          <a:bodyPr rtlCol="0" anchor="ctr"/>
+          <a:lstStyle/>
+          <a:p>
+            <a:pPr algn="ctr"/>
+            <a:r>
+              <a:rPr lang="en-US" sz="1600" dirty="0" err="1" smtClean="0">
+                <a:latin typeface="Times New Roman"/>
+                <a:cs typeface="Times New Roman"/>
+              </a:rPr>
+              <a:t>Lebron</a:t>
+            </a:r>
+            <a:r>
+              <a:rPr lang="en-US" sz="1600" dirty="0" smtClean="0">
+                <a:latin typeface="Times New Roman"/>
+                <a:cs typeface="Times New Roman"/>
+              </a:rPr>
+              <a:t> James</a:t>
+            </a:r>
+            <a:endParaRPr lang="en-US" sz="1600" dirty="0">
+              <a:latin typeface="Times New Roman"/>
+              <a:cs typeface="Times New Roman"/>
+            </a:endParaRPr>
+          </a:p>
+        </p:txBody>
+      </p:sp>
+      <p:sp>
+        <p:nvSpPr>
+          <p:cNvPr id="9" name="Rectangle 8"/>
+          <p:cNvSpPr/>
+          <p:nvPr/>
+        </p:nvSpPr>
+        <p:spPr>
+          <a:xfrm>
+            <a:off x="776086" y="3538324"/>
+            <a:ext cx="2010768" cy="482089"/>
+          </a:xfrm>
+          <a:prstGeom prst="rect">
+            <a:avLst/>
+          </a:prstGeom>
+          <a:solidFill>
+            <a:schemeClr val="accent1"/>
+          </a:solidFill>
+          <a:ln>
+            <a:noFill/>
+          </a:ln>
+          <a:effectLst/>
+        </p:spPr>
+        <p:style>
+          <a:lnRef idx="1">
+            <a:schemeClr val="accent1"/>
+          </a:lnRef>
+          <a:fillRef idx="3">
+            <a:schemeClr val="accent1"/>
+          </a:fillRef>
+          <a:effectRef idx="2">
+            <a:schemeClr val="accent1"/>
+          </a:effectRef>
+          <a:fontRef idx="minor">
+            <a:schemeClr val="lt1"/>
+          </a:fontRef>
+        </p:style>
+        <p:txBody>
+          <a:bodyPr rtlCol="0" anchor="ctr"/>
+          <a:lstStyle/>
+          <a:p>
+            <a:pPr algn="ctr"/>
+            <a:r>
+              <a:rPr lang="en-US" sz="1600" dirty="0" smtClean="0">
+                <a:latin typeface="Times New Roman"/>
+                <a:cs typeface="Times New Roman"/>
+              </a:rPr>
+              <a:t>Kevin Durant</a:t>
+            </a:r>
+            <a:endParaRPr lang="en-US" sz="1600" dirty="0">
+              <a:latin typeface="Times New Roman"/>
+              <a:cs typeface="Times New Roman"/>
+            </a:endParaRPr>
+          </a:p>
+        </p:txBody>
+      </p:sp>
+      <p:sp>
+        <p:nvSpPr>
+          <p:cNvPr id="10" name="Rectangle 9"/>
+          <p:cNvSpPr/>
+          <p:nvPr/>
+        </p:nvSpPr>
+        <p:spPr>
+          <a:xfrm>
+            <a:off x="776086" y="4337427"/>
+            <a:ext cx="2010768" cy="482089"/>
+          </a:xfrm>
+          <a:prstGeom prst="rect">
+            <a:avLst/>
+          </a:prstGeom>
+          <a:solidFill>
+            <a:schemeClr val="accent1"/>
+          </a:solidFill>
+          <a:ln>
+            <a:noFill/>
+          </a:ln>
+          <a:effectLst/>
+        </p:spPr>
+        <p:style>
+          <a:lnRef idx="1">
+            <a:schemeClr val="accent1"/>
+          </a:lnRef>
+          <a:fillRef idx="3">
+            <a:schemeClr val="accent1"/>
+          </a:fillRef>
+          <a:effectRef idx="2">
+            <a:schemeClr val="accent1"/>
+          </a:effectRef>
+          <a:fontRef idx="minor">
+            <a:schemeClr val="lt1"/>
+          </a:fontRef>
+        </p:style>
+        <p:txBody>
+          <a:bodyPr rtlCol="0" anchor="ctr"/>
+          <a:lstStyle/>
+          <a:p>
+            <a:pPr algn="ctr"/>
+            <a:r>
+              <a:rPr lang="en-US" sz="1600" dirty="0" smtClean="0">
+                <a:latin typeface="Times New Roman"/>
+                <a:cs typeface="Times New Roman"/>
+              </a:rPr>
+              <a:t>Stephen Curry</a:t>
+            </a:r>
+            <a:endParaRPr lang="en-US" sz="1600" dirty="0">
+              <a:latin typeface="Times New Roman"/>
+              <a:cs typeface="Times New Roman"/>
+            </a:endParaRPr>
+          </a:p>
+        </p:txBody>
+      </p:sp>
+      <p:sp>
+        <p:nvSpPr>
+          <p:cNvPr id="11" name="Rectangle 10"/>
+          <p:cNvSpPr/>
+          <p:nvPr/>
+        </p:nvSpPr>
+        <p:spPr>
+          <a:xfrm>
+            <a:off x="3527199" y="1951873"/>
+            <a:ext cx="2010768" cy="482089"/>
+          </a:xfrm>
+          <a:prstGeom prst="rect">
+            <a:avLst/>
+          </a:prstGeom>
+          <a:solidFill>
+            <a:schemeClr val="accent2"/>
+          </a:solidFill>
+          <a:ln>
+            <a:noFill/>
+          </a:ln>
+          <a:effectLst/>
+        </p:spPr>
+        <p:style>
+          <a:lnRef idx="1">
+            <a:schemeClr val="accent1"/>
+          </a:lnRef>
+          <a:fillRef idx="3">
+            <a:schemeClr val="accent1"/>
+          </a:fillRef>
+          <a:effectRef idx="2">
+            <a:schemeClr val="accent1"/>
+          </a:effectRef>
+          <a:fontRef idx="minor">
+            <a:schemeClr val="lt1"/>
+          </a:fontRef>
+        </p:style>
+        <p:txBody>
+          <a:bodyPr rtlCol="0" anchor="ctr"/>
+          <a:lstStyle/>
+          <a:p>
+            <a:pPr algn="ctr"/>
+            <a:r>
+              <a:rPr lang="en-US" sz="1600" dirty="0" smtClean="0">
+                <a:latin typeface="Times New Roman"/>
+                <a:cs typeface="Times New Roman"/>
+              </a:rPr>
+              <a:t>Danny Glover</a:t>
+            </a:r>
+            <a:endParaRPr lang="en-US" sz="1600" dirty="0">
+              <a:latin typeface="Times New Roman"/>
+              <a:cs typeface="Times New Roman"/>
+            </a:endParaRPr>
+          </a:p>
+        </p:txBody>
+      </p:sp>
+      <p:sp>
+        <p:nvSpPr>
+          <p:cNvPr id="12" name="Rectangle 11"/>
+          <p:cNvSpPr/>
+          <p:nvPr/>
+        </p:nvSpPr>
+        <p:spPr>
+          <a:xfrm>
+            <a:off x="3527199" y="2739219"/>
+            <a:ext cx="2010768" cy="482089"/>
+          </a:xfrm>
+          <a:prstGeom prst="rect">
+            <a:avLst/>
+          </a:prstGeom>
+          <a:solidFill>
+            <a:schemeClr val="accent2"/>
+          </a:solidFill>
+          <a:ln>
+            <a:noFill/>
+          </a:ln>
+          <a:effectLst/>
+        </p:spPr>
+        <p:style>
+          <a:lnRef idx="1">
+            <a:schemeClr val="accent1"/>
+          </a:lnRef>
+          <a:fillRef idx="3">
+            <a:schemeClr val="accent1"/>
+          </a:fillRef>
+          <a:effectRef idx="2">
+            <a:schemeClr val="accent1"/>
+          </a:effectRef>
+          <a:fontRef idx="minor">
+            <a:schemeClr val="lt1"/>
+          </a:fontRef>
+        </p:style>
+        <p:txBody>
+          <a:bodyPr rtlCol="0" anchor="ctr"/>
+          <a:lstStyle/>
+          <a:p>
+            <a:pPr algn="ctr"/>
+            <a:r>
+              <a:rPr lang="en-US" sz="1600" dirty="0" smtClean="0">
+                <a:latin typeface="Times New Roman"/>
+                <a:cs typeface="Times New Roman"/>
+              </a:rPr>
+              <a:t>Chadwick </a:t>
+            </a:r>
+            <a:r>
+              <a:rPr lang="en-US" sz="1600" dirty="0" err="1" smtClean="0">
+                <a:latin typeface="Times New Roman"/>
+                <a:cs typeface="Times New Roman"/>
+              </a:rPr>
+              <a:t>Boseman</a:t>
+            </a:r>
+            <a:endParaRPr lang="en-US" sz="1600" dirty="0">
+              <a:latin typeface="Times New Roman"/>
+              <a:cs typeface="Times New Roman"/>
+            </a:endParaRPr>
+          </a:p>
+        </p:txBody>
+      </p:sp>
+      <p:sp>
+        <p:nvSpPr>
+          <p:cNvPr id="13" name="Rectangle 12"/>
+          <p:cNvSpPr/>
+          <p:nvPr/>
+        </p:nvSpPr>
+        <p:spPr>
+          <a:xfrm>
+            <a:off x="3527199" y="3538324"/>
+            <a:ext cx="2010768" cy="482089"/>
+          </a:xfrm>
+          <a:prstGeom prst="rect">
+            <a:avLst/>
+          </a:prstGeom>
+          <a:solidFill>
+            <a:schemeClr val="accent2"/>
+          </a:solidFill>
+          <a:ln>
+            <a:noFill/>
+          </a:ln>
+          <a:effectLst/>
+        </p:spPr>
+        <p:style>
+          <a:lnRef idx="1">
+            <a:schemeClr val="accent1"/>
+          </a:lnRef>
+          <a:fillRef idx="3">
+            <a:schemeClr val="accent1"/>
+          </a:fillRef>
+          <a:effectRef idx="2">
+            <a:schemeClr val="accent1"/>
+          </a:effectRef>
+          <a:fontRef idx="minor">
+            <a:schemeClr val="lt1"/>
+          </a:fontRef>
+        </p:style>
+        <p:txBody>
+          <a:bodyPr rtlCol="0" anchor="ctr"/>
+          <a:lstStyle/>
+          <a:p>
+            <a:pPr algn="ctr"/>
+            <a:r>
+              <a:rPr lang="en-US" sz="1600" dirty="0" smtClean="0">
+                <a:latin typeface="Times New Roman"/>
+                <a:cs typeface="Times New Roman"/>
+              </a:rPr>
+              <a:t>Michael Jordan</a:t>
+            </a:r>
+            <a:endParaRPr lang="en-US" sz="1600" dirty="0">
+              <a:latin typeface="Times New Roman"/>
+              <a:cs typeface="Times New Roman"/>
+            </a:endParaRPr>
+          </a:p>
+        </p:txBody>
+      </p:sp>
+      <p:sp>
+        <p:nvSpPr>
+          <p:cNvPr id="14" name="Rectangle 13"/>
+          <p:cNvSpPr/>
+          <p:nvPr/>
+        </p:nvSpPr>
+        <p:spPr>
+          <a:xfrm>
+            <a:off x="3527199" y="4337427"/>
+            <a:ext cx="2010768" cy="482089"/>
+          </a:xfrm>
+          <a:prstGeom prst="rect">
+            <a:avLst/>
+          </a:prstGeom>
+          <a:solidFill>
+            <a:schemeClr val="accent2"/>
+          </a:solidFill>
+          <a:ln>
+            <a:noFill/>
+          </a:ln>
+          <a:effectLst/>
+        </p:spPr>
+        <p:style>
+          <a:lnRef idx="1">
+            <a:schemeClr val="accent1"/>
+          </a:lnRef>
+          <a:fillRef idx="3">
+            <a:schemeClr val="accent1"/>
+          </a:fillRef>
+          <a:effectRef idx="2">
+            <a:schemeClr val="accent1"/>
+          </a:effectRef>
+          <a:fontRef idx="minor">
+            <a:schemeClr val="lt1"/>
+          </a:fontRef>
+        </p:style>
+        <p:txBody>
+          <a:bodyPr rtlCol="0" anchor="ctr"/>
+          <a:lstStyle/>
+          <a:p>
+            <a:pPr algn="ctr"/>
+            <a:r>
+              <a:rPr lang="en-US" sz="1600" dirty="0" smtClean="0">
+                <a:latin typeface="Times New Roman"/>
+                <a:cs typeface="Times New Roman"/>
+              </a:rPr>
+              <a:t>Donald Glover</a:t>
+            </a:r>
+            <a:endParaRPr lang="en-US" sz="1600" dirty="0">
+              <a:latin typeface="Times New Roman"/>
+              <a:cs typeface="Times New Roman"/>
+            </a:endParaRPr>
+          </a:p>
+        </p:txBody>
+      </p:sp>
+      <p:sp>
+        <p:nvSpPr>
+          <p:cNvPr id="15" name="Rectangle 14"/>
+          <p:cNvSpPr/>
+          <p:nvPr/>
+        </p:nvSpPr>
+        <p:spPr>
+          <a:xfrm>
+            <a:off x="6290532" y="1951873"/>
+            <a:ext cx="2010768" cy="482089"/>
+          </a:xfrm>
+          <a:prstGeom prst="rect">
+            <a:avLst/>
+          </a:prstGeom>
+          <a:solidFill>
+            <a:schemeClr val="accent4"/>
+          </a:solidFill>
+          <a:ln>
+            <a:noFill/>
+          </a:ln>
+          <a:effectLst/>
+        </p:spPr>
+        <p:style>
+          <a:lnRef idx="1">
+            <a:schemeClr val="accent1"/>
+          </a:lnRef>
+          <a:fillRef idx="3">
+            <a:schemeClr val="accent1"/>
+          </a:fillRef>
+          <a:effectRef idx="2">
+            <a:schemeClr val="accent1"/>
+          </a:effectRef>
+          <a:fontRef idx="minor">
+            <a:schemeClr val="lt1"/>
+          </a:fontRef>
+        </p:style>
+        <p:txBody>
+          <a:bodyPr rtlCol="0" anchor="ctr"/>
+          <a:lstStyle/>
+          <a:p>
+            <a:pPr algn="ctr"/>
+            <a:r>
+              <a:rPr lang="en-US" sz="1600" dirty="0" smtClean="0">
+                <a:latin typeface="Times New Roman"/>
+                <a:cs typeface="Times New Roman"/>
+              </a:rPr>
+              <a:t>Alan </a:t>
+            </a:r>
+            <a:r>
+              <a:rPr lang="en-US" sz="1600" dirty="0" err="1" smtClean="0">
+                <a:latin typeface="Times New Roman"/>
+                <a:cs typeface="Times New Roman"/>
+              </a:rPr>
+              <a:t>Gelfand</a:t>
+            </a:r>
+            <a:endParaRPr lang="en-US" sz="1600" dirty="0">
+              <a:latin typeface="Times New Roman"/>
+              <a:cs typeface="Times New Roman"/>
+            </a:endParaRPr>
+          </a:p>
+        </p:txBody>
+      </p:sp>
+      <p:sp>
+        <p:nvSpPr>
+          <p:cNvPr id="16" name="Rectangle 15"/>
+          <p:cNvSpPr/>
+          <p:nvPr/>
+        </p:nvSpPr>
+        <p:spPr>
+          <a:xfrm>
+            <a:off x="6290532" y="2739219"/>
+            <a:ext cx="2010768" cy="482089"/>
+          </a:xfrm>
+          <a:prstGeom prst="rect">
+            <a:avLst/>
+          </a:prstGeom>
+          <a:solidFill>
+            <a:schemeClr val="accent4"/>
+          </a:solidFill>
+          <a:ln>
+            <a:noFill/>
+          </a:ln>
+          <a:effectLst/>
+        </p:spPr>
+        <p:style>
+          <a:lnRef idx="1">
+            <a:schemeClr val="accent1"/>
+          </a:lnRef>
+          <a:fillRef idx="3">
+            <a:schemeClr val="accent1"/>
+          </a:fillRef>
+          <a:effectRef idx="2">
+            <a:schemeClr val="accent1"/>
+          </a:effectRef>
+          <a:fontRef idx="minor">
+            <a:schemeClr val="lt1"/>
+          </a:fontRef>
+        </p:style>
+        <p:txBody>
+          <a:bodyPr rtlCol="0" anchor="ctr"/>
+          <a:lstStyle/>
+          <a:p>
+            <a:pPr algn="ctr"/>
+            <a:r>
+              <a:rPr lang="en-US" sz="1600" dirty="0" smtClean="0">
+                <a:latin typeface="Times New Roman"/>
+                <a:cs typeface="Times New Roman"/>
+              </a:rPr>
+              <a:t>Ed George</a:t>
+            </a:r>
+            <a:endParaRPr lang="en-US" sz="1600" dirty="0">
+              <a:latin typeface="Times New Roman"/>
+              <a:cs typeface="Times New Roman"/>
+            </a:endParaRPr>
+          </a:p>
+        </p:txBody>
+      </p:sp>
+      <p:sp>
+        <p:nvSpPr>
+          <p:cNvPr id="17" name="Rectangle 16"/>
+          <p:cNvSpPr/>
+          <p:nvPr/>
+        </p:nvSpPr>
+        <p:spPr>
+          <a:xfrm>
+            <a:off x="6290532" y="3538324"/>
+            <a:ext cx="2010768" cy="482089"/>
+          </a:xfrm>
+          <a:prstGeom prst="rect">
+            <a:avLst/>
+          </a:prstGeom>
+          <a:solidFill>
+            <a:schemeClr val="accent4"/>
+          </a:solidFill>
+          <a:ln>
+            <a:noFill/>
+          </a:ln>
+          <a:effectLst/>
+        </p:spPr>
+        <p:style>
+          <a:lnRef idx="1">
+            <a:schemeClr val="accent1"/>
+          </a:lnRef>
+          <a:fillRef idx="3">
+            <a:schemeClr val="accent1"/>
+          </a:fillRef>
+          <a:effectRef idx="2">
+            <a:schemeClr val="accent1"/>
+          </a:effectRef>
+          <a:fontRef idx="minor">
+            <a:schemeClr val="lt1"/>
+          </a:fontRef>
+        </p:style>
+        <p:txBody>
+          <a:bodyPr rtlCol="0" anchor="ctr"/>
+          <a:lstStyle/>
+          <a:p>
+            <a:pPr algn="ctr"/>
+            <a:r>
+              <a:rPr lang="en-US" sz="1600" dirty="0" smtClean="0">
+                <a:latin typeface="Times New Roman"/>
+                <a:cs typeface="Times New Roman"/>
+              </a:rPr>
+              <a:t>Mike Jordan</a:t>
+            </a:r>
+            <a:endParaRPr lang="en-US" sz="1600" dirty="0">
+              <a:latin typeface="Times New Roman"/>
+              <a:cs typeface="Times New Roman"/>
+            </a:endParaRPr>
+          </a:p>
+        </p:txBody>
+      </p:sp>
+      <p:sp>
+        <p:nvSpPr>
+          <p:cNvPr id="18" name="Rectangle 17"/>
+          <p:cNvSpPr/>
+          <p:nvPr/>
+        </p:nvSpPr>
+        <p:spPr>
+          <a:xfrm>
+            <a:off x="6290532" y="4337427"/>
+            <a:ext cx="2010768" cy="482089"/>
+          </a:xfrm>
+          <a:prstGeom prst="rect">
+            <a:avLst/>
+          </a:prstGeom>
+          <a:solidFill>
+            <a:schemeClr val="accent4"/>
+          </a:solidFill>
+          <a:ln>
+            <a:noFill/>
+          </a:ln>
+          <a:effectLst/>
+        </p:spPr>
+        <p:style>
+          <a:lnRef idx="1">
+            <a:schemeClr val="accent1"/>
+          </a:lnRef>
+          <a:fillRef idx="3">
+            <a:schemeClr val="accent1"/>
+          </a:fillRef>
+          <a:effectRef idx="2">
+            <a:schemeClr val="accent1"/>
+          </a:effectRef>
+          <a:fontRef idx="minor">
+            <a:schemeClr val="lt1"/>
+          </a:fontRef>
+        </p:style>
+        <p:txBody>
+          <a:bodyPr rtlCol="0" anchor="ctr"/>
+          <a:lstStyle/>
+          <a:p>
+            <a:pPr algn="ctr"/>
+            <a:r>
+              <a:rPr lang="en-US" sz="1600" dirty="0" smtClean="0">
+                <a:latin typeface="Times New Roman"/>
+                <a:cs typeface="Times New Roman"/>
+              </a:rPr>
+              <a:t>Phillip </a:t>
+            </a:r>
+            <a:r>
+              <a:rPr lang="en-US" sz="1600" dirty="0" err="1" smtClean="0">
+                <a:latin typeface="Times New Roman"/>
+                <a:cs typeface="Times New Roman"/>
+              </a:rPr>
+              <a:t>Dawid</a:t>
+            </a:r>
+            <a:endParaRPr lang="en-US" sz="1600" dirty="0">
+              <a:latin typeface="Times New Roman"/>
+              <a:cs typeface="Times New Roman"/>
+            </a:endParaRPr>
+          </a:p>
+        </p:txBody>
+      </p:sp>
+      <p:sp>
+        <p:nvSpPr>
+          <p:cNvPr id="2" name="Rounded Rectangle 1"/>
+          <p:cNvSpPr/>
+          <p:nvPr/>
+        </p:nvSpPr>
+        <p:spPr>
+          <a:xfrm>
+            <a:off x="2681025" y="5397040"/>
+            <a:ext cx="914400" cy="914400"/>
+          </a:xfrm>
+          <a:prstGeom prst="roundRect">
+            <a:avLst/>
+          </a:prstGeom>
+          <a:solidFill>
+            <a:schemeClr val="accent3"/>
+          </a:solidFill>
+          <a:ln>
+            <a:noFill/>
+          </a:ln>
+          <a:effectLst/>
+        </p:spPr>
+        <p:style>
+          <a:lnRef idx="1">
+            <a:schemeClr val="accent1"/>
+          </a:lnRef>
+          <a:fillRef idx="3">
+            <a:schemeClr val="accent1"/>
+          </a:fillRef>
+          <a:effectRef idx="2">
+            <a:schemeClr val="accent1"/>
+          </a:effectRef>
+          <a:fontRef idx="minor">
+            <a:schemeClr val="lt1"/>
+          </a:fontRef>
+        </p:style>
+        <p:txBody>
+          <a:bodyPr rtlCol="0" anchor="ctr"/>
+          <a:lstStyle/>
+          <a:p>
+            <a:pPr algn="ctr"/>
+            <a:r>
+              <a:rPr lang="en-US" sz="1600" dirty="0" smtClean="0">
+                <a:latin typeface="Times New Roman"/>
+                <a:cs typeface="Times New Roman"/>
+              </a:rPr>
+              <a:t>MJ</a:t>
+            </a:r>
+            <a:endParaRPr lang="en-US" sz="1600" dirty="0">
+              <a:latin typeface="Times New Roman"/>
+              <a:cs typeface="Times New Roman"/>
+            </a:endParaRPr>
+          </a:p>
+        </p:txBody>
+      </p:sp>
+      <p:sp>
+        <p:nvSpPr>
+          <p:cNvPr id="22" name="Rounded Rectangle 21"/>
+          <p:cNvSpPr/>
+          <p:nvPr/>
+        </p:nvSpPr>
+        <p:spPr>
+          <a:xfrm>
+            <a:off x="5467414" y="5397040"/>
+            <a:ext cx="914400" cy="914400"/>
+          </a:xfrm>
+          <a:prstGeom prst="roundRect">
+            <a:avLst/>
+          </a:prstGeom>
+          <a:solidFill>
+            <a:schemeClr val="accent3"/>
+          </a:solidFill>
+          <a:ln>
+            <a:noFill/>
+          </a:ln>
+          <a:effectLst/>
+        </p:spPr>
+        <p:style>
+          <a:lnRef idx="1">
+            <a:schemeClr val="accent1"/>
+          </a:lnRef>
+          <a:fillRef idx="3">
+            <a:schemeClr val="accent1"/>
+          </a:fillRef>
+          <a:effectRef idx="2">
+            <a:schemeClr val="accent1"/>
+          </a:effectRef>
+          <a:fontRef idx="minor">
+            <a:schemeClr val="lt1"/>
+          </a:fontRef>
+        </p:style>
+        <p:txBody>
+          <a:bodyPr rtlCol="0" anchor="ctr"/>
+          <a:lstStyle/>
+          <a:p>
+            <a:pPr algn="ctr"/>
+            <a:r>
+              <a:rPr lang="en-US" sz="1600" dirty="0" smtClean="0">
+                <a:latin typeface="Times New Roman"/>
+                <a:cs typeface="Times New Roman"/>
+              </a:rPr>
+              <a:t>DG</a:t>
+            </a:r>
+            <a:endParaRPr lang="en-US" sz="1600" dirty="0">
+              <a:latin typeface="Times New Roman"/>
+              <a:cs typeface="Times New Roman"/>
+            </a:endParaRPr>
+          </a:p>
+        </p:txBody>
+      </p:sp>
+      <p:cxnSp>
+        <p:nvCxnSpPr>
+          <p:cNvPr id="23" name="Straight Connector 22"/>
+          <p:cNvCxnSpPr>
+            <a:stCxn id="13" idx="1"/>
+          </p:cNvCxnSpPr>
+          <p:nvPr/>
+        </p:nvCxnSpPr>
+        <p:spPr>
+          <a:xfrm flipH="1">
+            <a:off x="3327763" y="3779369"/>
+            <a:ext cx="199436" cy="1617671"/>
+          </a:xfrm>
+          <a:prstGeom prst="line">
+            <a:avLst/>
+          </a:prstGeom>
+          <a:ln>
+            <a:solidFill>
+              <a:schemeClr val="tx1"/>
+            </a:solidFill>
+            <a:prstDash val="sysDash"/>
+          </a:ln>
+          <a:effectLst/>
+        </p:spPr>
+        <p:style>
+          <a:lnRef idx="2">
+            <a:schemeClr val="accent1"/>
+          </a:lnRef>
+          <a:fillRef idx="0">
+            <a:schemeClr val="accent1"/>
+          </a:fillRef>
+          <a:effectRef idx="1">
+            <a:schemeClr val="accent1"/>
+          </a:effectRef>
+          <a:fontRef idx="minor">
+            <a:schemeClr val="tx1"/>
+          </a:fontRef>
+        </p:style>
+      </p:cxnSp>
+      <p:cxnSp>
+        <p:nvCxnSpPr>
+          <p:cNvPr id="25" name="Straight Connector 24"/>
+          <p:cNvCxnSpPr>
+            <a:stCxn id="7" idx="3"/>
+          </p:cNvCxnSpPr>
+          <p:nvPr/>
+        </p:nvCxnSpPr>
+        <p:spPr>
+          <a:xfrm>
+            <a:off x="2786854" y="2192918"/>
+            <a:ext cx="246937" cy="3204122"/>
+          </a:xfrm>
+          <a:prstGeom prst="line">
+            <a:avLst/>
+          </a:prstGeom>
+          <a:ln>
+            <a:solidFill>
+              <a:schemeClr val="tx1"/>
+            </a:solidFill>
+            <a:prstDash val="sysDash"/>
+          </a:ln>
+          <a:effectLst/>
+        </p:spPr>
+        <p:style>
+          <a:lnRef idx="2">
+            <a:schemeClr val="accent1"/>
+          </a:lnRef>
+          <a:fillRef idx="0">
+            <a:schemeClr val="accent1"/>
+          </a:fillRef>
+          <a:effectRef idx="1">
+            <a:schemeClr val="accent1"/>
+          </a:effectRef>
+          <a:fontRef idx="minor">
+            <a:schemeClr val="tx1"/>
+          </a:fontRef>
+        </p:style>
+      </p:cxnSp>
+      <p:cxnSp>
+        <p:nvCxnSpPr>
+          <p:cNvPr id="31" name="Straight Connector 30"/>
+          <p:cNvCxnSpPr>
+            <a:stCxn id="11" idx="3"/>
+          </p:cNvCxnSpPr>
+          <p:nvPr/>
+        </p:nvCxnSpPr>
+        <p:spPr>
+          <a:xfrm>
+            <a:off x="5537967" y="2192918"/>
+            <a:ext cx="506098" cy="3204122"/>
+          </a:xfrm>
+          <a:prstGeom prst="line">
+            <a:avLst/>
+          </a:prstGeom>
+          <a:ln>
+            <a:solidFill>
+              <a:schemeClr val="tx1"/>
+            </a:solidFill>
+            <a:prstDash val="sysDash"/>
+          </a:ln>
+          <a:effectLst/>
+        </p:spPr>
+        <p:style>
+          <a:lnRef idx="2">
+            <a:schemeClr val="accent1"/>
+          </a:lnRef>
+          <a:fillRef idx="0">
+            <a:schemeClr val="accent1"/>
+          </a:fillRef>
+          <a:effectRef idx="1">
+            <a:schemeClr val="accent1"/>
+          </a:effectRef>
+          <a:fontRef idx="minor">
+            <a:schemeClr val="tx1"/>
+          </a:fontRef>
+        </p:style>
+      </p:cxnSp>
+      <p:cxnSp>
+        <p:nvCxnSpPr>
+          <p:cNvPr id="34" name="Straight Connector 33"/>
+          <p:cNvCxnSpPr>
+            <a:stCxn id="14" idx="3"/>
+            <a:endCxn id="22" idx="0"/>
+          </p:cNvCxnSpPr>
+          <p:nvPr/>
+        </p:nvCxnSpPr>
+        <p:spPr>
+          <a:xfrm>
+            <a:off x="5537967" y="4578472"/>
+            <a:ext cx="386647" cy="818568"/>
+          </a:xfrm>
+          <a:prstGeom prst="line">
+            <a:avLst/>
+          </a:prstGeom>
+          <a:ln>
+            <a:solidFill>
+              <a:schemeClr val="tx1"/>
+            </a:solidFill>
+            <a:prstDash val="sysDash"/>
+          </a:ln>
+          <a:effectLst/>
+        </p:spPr>
+        <p:style>
+          <a:lnRef idx="2">
+            <a:schemeClr val="accent1"/>
+          </a:lnRef>
+          <a:fillRef idx="0">
+            <a:schemeClr val="accent1"/>
+          </a:fillRef>
+          <a:effectRef idx="1">
+            <a:schemeClr val="accent1"/>
+          </a:effectRef>
+          <a:fontRef idx="minor">
+            <a:schemeClr val="tx1"/>
+          </a:fontRef>
+        </p:style>
+      </p:cxnSp>
+    </p:spTree>
+    <p:extLst>
+      <p:ext uri="{BB962C8B-B14F-4D97-AF65-F5344CB8AC3E}">
+        <p14:creationId xmlns:p14="http://schemas.microsoft.com/office/powerpoint/2010/main" val="3707410036"/>
+      </p:ext>
+    </p:extLst>
+  </p:cSld>
+  <p:clrMapOvr>
+    <a:masterClrMapping/>
+  </p:clrMapOvr>
+  <p:timing>
+    <p:tnLst>
+      <p:par>
+        <p:cTn xmlns:p14="http://schemas.microsoft.com/office/powerpoint/2010/main" id="1" dur="indefinite" restart="never" nodeType="tmRoot"/>
+      </p:par>
+    </p:tnLst>
+  </p:timing>
+</p:sld>
+</file>
+
 <file path=ppt/theme/theme1.xml><?xml version="1.0" encoding="utf-8"?>
 <a:theme xmlns:a="http://schemas.openxmlformats.org/drawingml/2006/main" name="Office Theme">
   <a:themeElements>
@@ -6911,4 +9559,324 @@
   </a:objectDefaults>
   <a:extraClrSchemeLst/>
 </a:theme>
+</file>
+
+<file path=ppt/theme/theme2.xml><?xml version="1.0" encoding="utf-8"?>
+<a:theme xmlns:a="http://schemas.openxmlformats.org/drawingml/2006/main" name="Office Theme">
+  <a:themeElements>
+    <a:clrScheme name="Office">
+      <a:dk1>
+        <a:sysClr val="windowText" lastClr="000000"/>
+      </a:dk1>
+      <a:lt1>
+        <a:sysClr val="window" lastClr="FFFFFF"/>
+      </a:lt1>
+      <a:dk2>
+        <a:srgbClr val="1F497D"/>
+      </a:dk2>
+      <a:lt2>
+        <a:srgbClr val="EEECE1"/>
+      </a:lt2>
+      <a:accent1>
+        <a:srgbClr val="4F81BD"/>
+      </a:accent1>
+      <a:accent2>
+        <a:srgbClr val="C0504D"/>
+      </a:accent2>
+      <a:accent3>
+        <a:srgbClr val="9BBB59"/>
+      </a:accent3>
+      <a:accent4>
+        <a:srgbClr val="8064A2"/>
+      </a:accent4>
+      <a:accent5>
+        <a:srgbClr val="4BACC6"/>
+      </a:accent5>
+      <a:accent6>
+        <a:srgbClr val="F79646"/>
+      </a:accent6>
+      <a:hlink>
+        <a:srgbClr val="0000FF"/>
+      </a:hlink>
+      <a:folHlink>
+        <a:srgbClr val="800080"/>
+      </a:folHlink>
+    </a:clrScheme>
+    <a:fontScheme name="Office">
+      <a:majorFont>
+        <a:latin typeface="Calibri"/>
+        <a:ea typeface=""/>
+        <a:cs typeface=""/>
+        <a:font script="Jpan" typeface="ＭＳ Ｐゴシック"/>
+        <a:font script="Hang" typeface="맑은 고딕"/>
+        <a:font script="Hans" typeface="宋体"/>
+        <a:font script="Hant" typeface="新細明體"/>
+        <a:font script="Arab" typeface="Times New Roman"/>
+        <a:font script="Hebr" typeface="Times New Roman"/>
+        <a:font script="Thai" typeface="Angsana New"/>
+        <a:font script="Ethi" typeface="Nyala"/>
+        <a:font script="Beng" typeface="Vrinda"/>
+        <a:font script="Gujr" typeface="Shruti"/>
+        <a:font script="Khmr" typeface="MoolBoran"/>
+        <a:font script="Knda" typeface="Tunga"/>
+        <a:font script="Guru" typeface="Raavi"/>
+        <a:font script="Cans" typeface="Euphemia"/>
+        <a:font script="Cher" typeface="Plantagenet Cherokee"/>
+        <a:font script="Yiii" typeface="Microsoft Yi Baiti"/>
+        <a:font script="Tibt" typeface="Microsoft Himalaya"/>
+        <a:font script="Thaa" typeface="MV Boli"/>
+        <a:font script="Deva" typeface="Mangal"/>
+        <a:font script="Telu" typeface="Gautami"/>
+        <a:font script="Taml" typeface="Latha"/>
+        <a:font script="Syrc" typeface="Estrangelo Edessa"/>
+        <a:font script="Orya" typeface="Kalinga"/>
+        <a:font script="Mlym" typeface="Kartika"/>
+        <a:font script="Laoo" typeface="DokChampa"/>
+        <a:font script="Sinh" typeface="Iskoola Pota"/>
+        <a:font script="Mong" typeface="Mongolian Baiti"/>
+        <a:font script="Viet" typeface="Times New Roman"/>
+        <a:font script="Uigh" typeface="Microsoft Uighur"/>
+        <a:font script="Geor" typeface="Sylfaen"/>
+      </a:majorFont>
+      <a:minorFont>
+        <a:latin typeface="Calibri"/>
+        <a:ea typeface=""/>
+        <a:cs typeface=""/>
+        <a:font script="Jpan" typeface="ＭＳ Ｐゴシック"/>
+        <a:font script="Hang" typeface="맑은 고딕"/>
+        <a:font script="Hans" typeface="宋体"/>
+        <a:font script="Hant" typeface="新細明體"/>
+        <a:font script="Arab" typeface="Arial"/>
+        <a:font script="Hebr" typeface="Arial"/>
+        <a:font script="Thai" typeface="Cordia New"/>
+        <a:font script="Ethi" typeface="Nyala"/>
+        <a:font script="Beng" typeface="Vrinda"/>
+        <a:font script="Gujr" typeface="Shruti"/>
+        <a:font script="Khmr" typeface="DaunPenh"/>
+        <a:font script="Knda" typeface="Tunga"/>
+        <a:font script="Guru" typeface="Raavi"/>
+        <a:font script="Cans" typeface="Euphemia"/>
+        <a:font script="Cher" typeface="Plantagenet Cherokee"/>
+        <a:font script="Yiii" typeface="Microsoft Yi Baiti"/>
+        <a:font script="Tibt" typeface="Microsoft Himalaya"/>
+        <a:font script="Thaa" typeface="MV Boli"/>
+        <a:font script="Deva" typeface="Mangal"/>
+        <a:font script="Telu" typeface="Gautami"/>
+        <a:font script="Taml" typeface="Latha"/>
+        <a:font script="Syrc" typeface="Estrangelo Edessa"/>
+        <a:font script="Orya" typeface="Kalinga"/>
+        <a:font script="Mlym" typeface="Kartika"/>
+        <a:font script="Laoo" typeface="DokChampa"/>
+        <a:font script="Sinh" typeface="Iskoola Pota"/>
+        <a:font script="Mong" typeface="Mongolian Baiti"/>
+        <a:font script="Viet" typeface="Arial"/>
+        <a:font script="Uigh" typeface="Microsoft Uighur"/>
+        <a:font script="Geor" typeface="Sylfaen"/>
+      </a:minorFont>
+    </a:fontScheme>
+    <a:fmtScheme name="Office">
+      <a:fillStyleLst>
+        <a:solidFill>
+          <a:schemeClr val="phClr"/>
+        </a:solidFill>
+        <a:gradFill rotWithShape="1">
+          <a:gsLst>
+            <a:gs pos="0">
+              <a:schemeClr val="phClr">
+                <a:tint val="50000"/>
+                <a:satMod val="300000"/>
+              </a:schemeClr>
+            </a:gs>
+            <a:gs pos="35000">
+              <a:schemeClr val="phClr">
+                <a:tint val="37000"/>
+                <a:satMod val="300000"/>
+              </a:schemeClr>
+            </a:gs>
+            <a:gs pos="100000">
+              <a:schemeClr val="phClr">
+                <a:tint val="15000"/>
+                <a:satMod val="350000"/>
+              </a:schemeClr>
+            </a:gs>
+          </a:gsLst>
+          <a:lin ang="16200000" scaled="1"/>
+        </a:gradFill>
+        <a:gradFill rotWithShape="1">
+          <a:gsLst>
+            <a:gs pos="0">
+              <a:schemeClr val="phClr">
+                <a:tint val="100000"/>
+                <a:shade val="100000"/>
+                <a:satMod val="130000"/>
+              </a:schemeClr>
+            </a:gs>
+            <a:gs pos="100000">
+              <a:schemeClr val="phClr">
+                <a:tint val="50000"/>
+                <a:shade val="100000"/>
+                <a:satMod val="350000"/>
+              </a:schemeClr>
+            </a:gs>
+          </a:gsLst>
+          <a:lin ang="16200000" scaled="0"/>
+        </a:gradFill>
+      </a:fillStyleLst>
+      <a:lnStyleLst>
+        <a:ln w="9525" cap="flat" cmpd="sng" algn="ctr">
+          <a:solidFill>
+            <a:schemeClr val="phClr">
+              <a:shade val="95000"/>
+              <a:satMod val="105000"/>
+            </a:schemeClr>
+          </a:solidFill>
+          <a:prstDash val="solid"/>
+        </a:ln>
+        <a:ln w="25400" cap="flat" cmpd="sng" algn="ctr">
+          <a:solidFill>
+            <a:schemeClr val="phClr"/>
+          </a:solidFill>
+          <a:prstDash val="solid"/>
+        </a:ln>
+        <a:ln w="38100" cap="flat" cmpd="sng" algn="ctr">
+          <a:solidFill>
+            <a:schemeClr val="phClr"/>
+          </a:solidFill>
+          <a:prstDash val="solid"/>
+        </a:ln>
+      </a:lnStyleLst>
+      <a:effectStyleLst>
+        <a:effectStyle>
+          <a:effectLst>
+            <a:outerShdw blurRad="40000" dist="20000" dir="5400000" rotWithShape="0">
+              <a:srgbClr val="000000">
+                <a:alpha val="38000"/>
+              </a:srgbClr>
+            </a:outerShdw>
+          </a:effectLst>
+        </a:effectStyle>
+        <a:effectStyle>
+          <a:effectLst>
+            <a:outerShdw blurRad="40000" dist="23000" dir="5400000" rotWithShape="0">
+              <a:srgbClr val="000000">
+                <a:alpha val="35000"/>
+              </a:srgbClr>
+            </a:outerShdw>
+          </a:effectLst>
+        </a:effectStyle>
+        <a:effectStyle>
+          <a:effectLst>
+            <a:outerShdw blurRad="40000" dist="23000" dir="5400000" rotWithShape="0">
+              <a:srgbClr val="000000">
+                <a:alpha val="35000"/>
+              </a:srgbClr>
+            </a:outerShdw>
+          </a:effectLst>
+          <a:scene3d>
+            <a:camera prst="orthographicFront">
+              <a:rot lat="0" lon="0" rev="0"/>
+            </a:camera>
+            <a:lightRig rig="threePt" dir="t">
+              <a:rot lat="0" lon="0" rev="1200000"/>
+            </a:lightRig>
+          </a:scene3d>
+          <a:sp3d>
+            <a:bevelT w="63500" h="25400"/>
+          </a:sp3d>
+        </a:effectStyle>
+      </a:effectStyleLst>
+      <a:bgFillStyleLst>
+        <a:solidFill>
+          <a:schemeClr val="phClr"/>
+        </a:solidFill>
+        <a:gradFill rotWithShape="1">
+          <a:gsLst>
+            <a:gs pos="0">
+              <a:schemeClr val="phClr">
+                <a:tint val="40000"/>
+                <a:satMod val="350000"/>
+              </a:schemeClr>
+            </a:gs>
+            <a:gs pos="40000">
+              <a:schemeClr val="phClr">
+                <a:tint val="45000"/>
+                <a:shade val="99000"/>
+                <a:satMod val="350000"/>
+              </a:schemeClr>
+            </a:gs>
+            <a:gs pos="100000">
+              <a:schemeClr val="phClr">
+                <a:shade val="20000"/>
+                <a:satMod val="255000"/>
+              </a:schemeClr>
+            </a:gs>
+          </a:gsLst>
+          <a:path path="circle">
+            <a:fillToRect l="50000" t="-80000" r="50000" b="180000"/>
+          </a:path>
+        </a:gradFill>
+        <a:gradFill rotWithShape="1">
+          <a:gsLst>
+            <a:gs pos="0">
+              <a:schemeClr val="phClr">
+                <a:tint val="80000"/>
+                <a:satMod val="300000"/>
+              </a:schemeClr>
+            </a:gs>
+            <a:gs pos="100000">
+              <a:schemeClr val="phClr">
+                <a:shade val="30000"/>
+                <a:satMod val="200000"/>
+              </a:schemeClr>
+            </a:gs>
+          </a:gsLst>
+          <a:path path="circle">
+            <a:fillToRect l="50000" t="50000" r="50000" b="50000"/>
+          </a:path>
+        </a:gradFill>
+      </a:bgFillStyleLst>
+    </a:fmtScheme>
+  </a:themeElements>
+  <a:objectDefaults>
+    <a:spDef>
+      <a:spPr/>
+      <a:bodyPr/>
+      <a:lstStyle/>
+      <a:style>
+        <a:lnRef idx="1">
+          <a:schemeClr val="accent1"/>
+        </a:lnRef>
+        <a:fillRef idx="3">
+          <a:schemeClr val="accent1"/>
+        </a:fillRef>
+        <a:effectRef idx="2">
+          <a:schemeClr val="accent1"/>
+        </a:effectRef>
+        <a:fontRef idx="minor">
+          <a:schemeClr val="lt1"/>
+        </a:fontRef>
+      </a:style>
+    </a:spDef>
+    <a:lnDef>
+      <a:spPr/>
+      <a:bodyPr/>
+      <a:lstStyle/>
+      <a:style>
+        <a:lnRef idx="2">
+          <a:schemeClr val="accent1"/>
+        </a:lnRef>
+        <a:fillRef idx="0">
+          <a:schemeClr val="accent1"/>
+        </a:fillRef>
+        <a:effectRef idx="1">
+          <a:schemeClr val="accent1"/>
+        </a:effectRef>
+        <a:fontRef idx="minor">
+          <a:schemeClr val="tx1"/>
+        </a:fontRef>
+      </a:style>
+    </a:lnDef>
+  </a:objectDefaults>
+  <a:extraClrSchemeLst/>
+</a:theme>
 </file>